--- a/presentation.pptx
+++ b/presentation.pptx
@@ -4,6 +4,9 @@
   <p:sldMasterIdLst>
     <p:sldMasterId id="2147483696" r:id="rId1"/>
   </p:sldMasterIdLst>
+  <p:notesMasterIdLst>
+    <p:notesMasterId r:id="rId7"/>
+  </p:notesMasterIdLst>
   <p:sldIdLst>
     <p:sldId id="256" r:id="rId2"/>
     <p:sldId id="260" r:id="rId3"/>
@@ -111,6 +114,452 @@
 </p:presentation>
 </file>
 
+<file path=ppt/notesMasters/notesMaster1.xml><?xml version="1.0" encoding="utf-8"?>
+<p:notesMaster xmlns:a="http://schemas.openxmlformats.org/drawingml/2006/main" xmlns:r="http://schemas.openxmlformats.org/officeDocument/2006/relationships" xmlns:p="http://schemas.openxmlformats.org/presentationml/2006/main">
+  <p:cSld>
+    <p:bg>
+      <p:bgRef idx="1001">
+        <a:schemeClr val="bg1"/>
+      </p:bgRef>
+    </p:bg>
+    <p:spTree>
+      <p:nvGrpSpPr>
+        <p:cNvPr id="1" name=""/>
+        <p:cNvGrpSpPr/>
+        <p:nvPr/>
+      </p:nvGrpSpPr>
+      <p:grpSpPr>
+        <a:xfrm>
+          <a:off x="0" y="0"/>
+          <a:ext cx="0" cy="0"/>
+          <a:chOff x="0" y="0"/>
+          <a:chExt cx="0" cy="0"/>
+        </a:xfrm>
+      </p:grpSpPr>
+      <p:sp>
+        <p:nvSpPr>
+          <p:cNvPr id="2" name="Header Placeholder 1"/>
+          <p:cNvSpPr>
+            <a:spLocks noGrp="1"/>
+          </p:cNvSpPr>
+          <p:nvPr>
+            <p:ph type="hdr" sz="quarter"/>
+          </p:nvPr>
+        </p:nvSpPr>
+        <p:spPr>
+          <a:xfrm>
+            <a:off x="0" y="0"/>
+            <a:ext cx="2971800" cy="457200"/>
+          </a:xfrm>
+          <a:prstGeom prst="rect">
+            <a:avLst/>
+          </a:prstGeom>
+        </p:spPr>
+        <p:txBody>
+          <a:bodyPr vert="horz" lIns="91440" tIns="45720" rIns="91440" bIns="45720" rtlCol="0"/>
+          <a:lstStyle>
+            <a:lvl1pPr algn="l">
+              <a:defRPr sz="1200"/>
+            </a:lvl1pPr>
+          </a:lstStyle>
+          <a:p>
+            <a:endParaRPr lang="en-US"/>
+          </a:p>
+        </p:txBody>
+      </p:sp>
+      <p:sp>
+        <p:nvSpPr>
+          <p:cNvPr id="3" name="Date Placeholder 2"/>
+          <p:cNvSpPr>
+            <a:spLocks noGrp="1"/>
+          </p:cNvSpPr>
+          <p:nvPr>
+            <p:ph type="dt" idx="1"/>
+          </p:nvPr>
+        </p:nvSpPr>
+        <p:spPr>
+          <a:xfrm>
+            <a:off x="3884613" y="0"/>
+            <a:ext cx="2971800" cy="457200"/>
+          </a:xfrm>
+          <a:prstGeom prst="rect">
+            <a:avLst/>
+          </a:prstGeom>
+        </p:spPr>
+        <p:txBody>
+          <a:bodyPr vert="horz" lIns="91440" tIns="45720" rIns="91440" bIns="45720" rtlCol="0"/>
+          <a:lstStyle>
+            <a:lvl1pPr algn="r">
+              <a:defRPr sz="1200"/>
+            </a:lvl1pPr>
+          </a:lstStyle>
+          <a:p>
+            <a:fld id="{EEEC9AAB-B9E1-489C-AD36-6DE05E5C0250}" type="datetimeFigureOut">
+              <a:rPr lang="en-US" smtClean="0"/>
+              <a:t>6/11/2014</a:t>
+            </a:fld>
+            <a:endParaRPr lang="en-US"/>
+          </a:p>
+        </p:txBody>
+      </p:sp>
+      <p:sp>
+        <p:nvSpPr>
+          <p:cNvPr id="4" name="Slide Image Placeholder 3"/>
+          <p:cNvSpPr>
+            <a:spLocks noGrp="1" noRot="1" noChangeAspect="1"/>
+          </p:cNvSpPr>
+          <p:nvPr>
+            <p:ph type="sldImg" idx="2"/>
+          </p:nvPr>
+        </p:nvSpPr>
+        <p:spPr>
+          <a:xfrm>
+            <a:off x="1143000" y="685800"/>
+            <a:ext cx="4572000" cy="3429000"/>
+          </a:xfrm>
+          <a:prstGeom prst="rect">
+            <a:avLst/>
+          </a:prstGeom>
+          <a:noFill/>
+          <a:ln w="12700">
+            <a:solidFill>
+              <a:prstClr val="black"/>
+            </a:solidFill>
+          </a:ln>
+        </p:spPr>
+        <p:txBody>
+          <a:bodyPr vert="horz" lIns="91440" tIns="45720" rIns="91440" bIns="45720" rtlCol="0" anchor="ctr"/>
+          <a:lstStyle/>
+          <a:p>
+            <a:endParaRPr lang="en-US"/>
+          </a:p>
+        </p:txBody>
+      </p:sp>
+      <p:sp>
+        <p:nvSpPr>
+          <p:cNvPr id="5" name="Notes Placeholder 4"/>
+          <p:cNvSpPr>
+            <a:spLocks noGrp="1"/>
+          </p:cNvSpPr>
+          <p:nvPr>
+            <p:ph type="body" sz="quarter" idx="3"/>
+          </p:nvPr>
+        </p:nvSpPr>
+        <p:spPr>
+          <a:xfrm>
+            <a:off x="685800" y="4343400"/>
+            <a:ext cx="5486400" cy="4114800"/>
+          </a:xfrm>
+          <a:prstGeom prst="rect">
+            <a:avLst/>
+          </a:prstGeom>
+        </p:spPr>
+        <p:txBody>
+          <a:bodyPr vert="horz" lIns="91440" tIns="45720" rIns="91440" bIns="45720" rtlCol="0">
+            <a:normAutofit/>
+          </a:bodyPr>
+          <a:lstStyle/>
+          <a:p>
+            <a:pPr lvl="0"/>
+            <a:r>
+              <a:rPr lang="en-US" smtClean="0"/>
+              <a:t>Click to edit Master text styles</a:t>
+            </a:r>
+          </a:p>
+          <a:p>
+            <a:pPr lvl="1"/>
+            <a:r>
+              <a:rPr lang="en-US" smtClean="0"/>
+              <a:t>Second level</a:t>
+            </a:r>
+          </a:p>
+          <a:p>
+            <a:pPr lvl="2"/>
+            <a:r>
+              <a:rPr lang="en-US" smtClean="0"/>
+              <a:t>Third level</a:t>
+            </a:r>
+          </a:p>
+          <a:p>
+            <a:pPr lvl="3"/>
+            <a:r>
+              <a:rPr lang="en-US" smtClean="0"/>
+              <a:t>Fourth level</a:t>
+            </a:r>
+          </a:p>
+          <a:p>
+            <a:pPr lvl="4"/>
+            <a:r>
+              <a:rPr lang="en-US" smtClean="0"/>
+              <a:t>Fifth level</a:t>
+            </a:r>
+            <a:endParaRPr lang="en-US"/>
+          </a:p>
+        </p:txBody>
+      </p:sp>
+      <p:sp>
+        <p:nvSpPr>
+          <p:cNvPr id="6" name="Footer Placeholder 5"/>
+          <p:cNvSpPr>
+            <a:spLocks noGrp="1"/>
+          </p:cNvSpPr>
+          <p:nvPr>
+            <p:ph type="ftr" sz="quarter" idx="4"/>
+          </p:nvPr>
+        </p:nvSpPr>
+        <p:spPr>
+          <a:xfrm>
+            <a:off x="0" y="8685213"/>
+            <a:ext cx="2971800" cy="457200"/>
+          </a:xfrm>
+          <a:prstGeom prst="rect">
+            <a:avLst/>
+          </a:prstGeom>
+        </p:spPr>
+        <p:txBody>
+          <a:bodyPr vert="horz" lIns="91440" tIns="45720" rIns="91440" bIns="45720" rtlCol="0" anchor="b"/>
+          <a:lstStyle>
+            <a:lvl1pPr algn="l">
+              <a:defRPr sz="1200"/>
+            </a:lvl1pPr>
+          </a:lstStyle>
+          <a:p>
+            <a:endParaRPr lang="en-US"/>
+          </a:p>
+        </p:txBody>
+      </p:sp>
+      <p:sp>
+        <p:nvSpPr>
+          <p:cNvPr id="7" name="Slide Number Placeholder 6"/>
+          <p:cNvSpPr>
+            <a:spLocks noGrp="1"/>
+          </p:cNvSpPr>
+          <p:nvPr>
+            <p:ph type="sldNum" sz="quarter" idx="5"/>
+          </p:nvPr>
+        </p:nvSpPr>
+        <p:spPr>
+          <a:xfrm>
+            <a:off x="3884613" y="8685213"/>
+            <a:ext cx="2971800" cy="457200"/>
+          </a:xfrm>
+          <a:prstGeom prst="rect">
+            <a:avLst/>
+          </a:prstGeom>
+        </p:spPr>
+        <p:txBody>
+          <a:bodyPr vert="horz" lIns="91440" tIns="45720" rIns="91440" bIns="45720" rtlCol="0" anchor="b"/>
+          <a:lstStyle>
+            <a:lvl1pPr algn="r">
+              <a:defRPr sz="1200"/>
+            </a:lvl1pPr>
+          </a:lstStyle>
+          <a:p>
+            <a:fld id="{5E9D8851-FB92-4F38-AA01-959A6305FB74}" type="slidenum">
+              <a:rPr lang="en-US" smtClean="0"/>
+              <a:t>‹#›</a:t>
+            </a:fld>
+            <a:endParaRPr lang="en-US"/>
+          </a:p>
+        </p:txBody>
+      </p:sp>
+    </p:spTree>
+  </p:cSld>
+  <p:clrMap bg1="lt1" tx1="dk1" bg2="lt2" tx2="dk2" accent1="accent1" accent2="accent2" accent3="accent3" accent4="accent4" accent5="accent5" accent6="accent6" hlink="hlink" folHlink="folHlink"/>
+  <p:notesStyle>
+    <a:lvl1pPr marL="0" algn="l" defTabSz="914400" rtl="0" eaLnBrk="1" latinLnBrk="0" hangingPunct="1">
+      <a:defRPr sz="1200" kern="1200">
+        <a:solidFill>
+          <a:schemeClr val="tx1"/>
+        </a:solidFill>
+        <a:latin typeface="+mn-lt"/>
+        <a:ea typeface="+mn-ea"/>
+        <a:cs typeface="+mn-cs"/>
+      </a:defRPr>
+    </a:lvl1pPr>
+    <a:lvl2pPr marL="457200" algn="l" defTabSz="914400" rtl="0" eaLnBrk="1" latinLnBrk="0" hangingPunct="1">
+      <a:defRPr sz="1200" kern="1200">
+        <a:solidFill>
+          <a:schemeClr val="tx1"/>
+        </a:solidFill>
+        <a:latin typeface="+mn-lt"/>
+        <a:ea typeface="+mn-ea"/>
+        <a:cs typeface="+mn-cs"/>
+      </a:defRPr>
+    </a:lvl2pPr>
+    <a:lvl3pPr marL="914400" algn="l" defTabSz="914400" rtl="0" eaLnBrk="1" latinLnBrk="0" hangingPunct="1">
+      <a:defRPr sz="1200" kern="1200">
+        <a:solidFill>
+          <a:schemeClr val="tx1"/>
+        </a:solidFill>
+        <a:latin typeface="+mn-lt"/>
+        <a:ea typeface="+mn-ea"/>
+        <a:cs typeface="+mn-cs"/>
+      </a:defRPr>
+    </a:lvl3pPr>
+    <a:lvl4pPr marL="1371600" algn="l" defTabSz="914400" rtl="0" eaLnBrk="1" latinLnBrk="0" hangingPunct="1">
+      <a:defRPr sz="1200" kern="1200">
+        <a:solidFill>
+          <a:schemeClr val="tx1"/>
+        </a:solidFill>
+        <a:latin typeface="+mn-lt"/>
+        <a:ea typeface="+mn-ea"/>
+        <a:cs typeface="+mn-cs"/>
+      </a:defRPr>
+    </a:lvl4pPr>
+    <a:lvl5pPr marL="1828800" algn="l" defTabSz="914400" rtl="0" eaLnBrk="1" latinLnBrk="0" hangingPunct="1">
+      <a:defRPr sz="1200" kern="1200">
+        <a:solidFill>
+          <a:schemeClr val="tx1"/>
+        </a:solidFill>
+        <a:latin typeface="+mn-lt"/>
+        <a:ea typeface="+mn-ea"/>
+        <a:cs typeface="+mn-cs"/>
+      </a:defRPr>
+    </a:lvl5pPr>
+    <a:lvl6pPr marL="2286000" algn="l" defTabSz="914400" rtl="0" eaLnBrk="1" latinLnBrk="0" hangingPunct="1">
+      <a:defRPr sz="1200" kern="1200">
+        <a:solidFill>
+          <a:schemeClr val="tx1"/>
+        </a:solidFill>
+        <a:latin typeface="+mn-lt"/>
+        <a:ea typeface="+mn-ea"/>
+        <a:cs typeface="+mn-cs"/>
+      </a:defRPr>
+    </a:lvl6pPr>
+    <a:lvl7pPr marL="2743200" algn="l" defTabSz="914400" rtl="0" eaLnBrk="1" latinLnBrk="0" hangingPunct="1">
+      <a:defRPr sz="1200" kern="1200">
+        <a:solidFill>
+          <a:schemeClr val="tx1"/>
+        </a:solidFill>
+        <a:latin typeface="+mn-lt"/>
+        <a:ea typeface="+mn-ea"/>
+        <a:cs typeface="+mn-cs"/>
+      </a:defRPr>
+    </a:lvl7pPr>
+    <a:lvl8pPr marL="3200400" algn="l" defTabSz="914400" rtl="0" eaLnBrk="1" latinLnBrk="0" hangingPunct="1">
+      <a:defRPr sz="1200" kern="1200">
+        <a:solidFill>
+          <a:schemeClr val="tx1"/>
+        </a:solidFill>
+        <a:latin typeface="+mn-lt"/>
+        <a:ea typeface="+mn-ea"/>
+        <a:cs typeface="+mn-cs"/>
+      </a:defRPr>
+    </a:lvl8pPr>
+    <a:lvl9pPr marL="3657600" algn="l" defTabSz="914400" rtl="0" eaLnBrk="1" latinLnBrk="0" hangingPunct="1">
+      <a:defRPr sz="1200" kern="1200">
+        <a:solidFill>
+          <a:schemeClr val="tx1"/>
+        </a:solidFill>
+        <a:latin typeface="+mn-lt"/>
+        <a:ea typeface="+mn-ea"/>
+        <a:cs typeface="+mn-cs"/>
+      </a:defRPr>
+    </a:lvl9pPr>
+  </p:notesStyle>
+</p:notesMaster>
+</file>
+
+<file path=ppt/notesSlides/notesSlide1.xml><?xml version="1.0" encoding="utf-8"?>
+<p:notes xmlns:a="http://schemas.openxmlformats.org/drawingml/2006/main" xmlns:r="http://schemas.openxmlformats.org/officeDocument/2006/relationships" xmlns:p="http://schemas.openxmlformats.org/presentationml/2006/main">
+  <p:cSld>
+    <p:spTree>
+      <p:nvGrpSpPr>
+        <p:cNvPr id="1" name=""/>
+        <p:cNvGrpSpPr/>
+        <p:nvPr/>
+      </p:nvGrpSpPr>
+      <p:grpSpPr>
+        <a:xfrm>
+          <a:off x="0" y="0"/>
+          <a:ext cx="0" cy="0"/>
+          <a:chOff x="0" y="0"/>
+          <a:chExt cx="0" cy="0"/>
+        </a:xfrm>
+      </p:grpSpPr>
+      <p:sp>
+        <p:nvSpPr>
+          <p:cNvPr id="2" name="Slide Image Placeholder 1"/>
+          <p:cNvSpPr>
+            <a:spLocks noGrp="1" noRot="1" noChangeAspect="1"/>
+          </p:cNvSpPr>
+          <p:nvPr>
+            <p:ph type="sldImg"/>
+          </p:nvPr>
+        </p:nvSpPr>
+        <p:spPr/>
+      </p:sp>
+      <p:sp>
+        <p:nvSpPr>
+          <p:cNvPr id="3" name="Notes Placeholder 2"/>
+          <p:cNvSpPr>
+            <a:spLocks noGrp="1"/>
+          </p:cNvSpPr>
+          <p:nvPr>
+            <p:ph type="body" idx="1"/>
+          </p:nvPr>
+        </p:nvSpPr>
+        <p:spPr/>
+        <p:txBody>
+          <a:bodyPr>
+            <a:normAutofit/>
+          </a:bodyPr>
+          <a:lstStyle/>
+          <a:p>
+            <a:r>
+              <a:rPr lang="en-US" dirty="0" smtClean="0"/>
+              <a:t>Multi</a:t>
+            </a:r>
+            <a:r>
+              <a:rPr lang="en-US" baseline="0" dirty="0" smtClean="0"/>
+              <a:t> Modes – Standard mode – choice of cat – how to play</a:t>
+            </a:r>
+          </a:p>
+          <a:p>
+            <a:r>
+              <a:rPr lang="en-US" baseline="0" dirty="0" smtClean="0"/>
+              <a:t>	 endless mode – asked question until wrong or exhaust </a:t>
+            </a:r>
+            <a:r>
+              <a:rPr lang="en-US" baseline="0" smtClean="0"/>
+              <a:t>all questions</a:t>
+            </a:r>
+            <a:endParaRPr lang="en-US"/>
+          </a:p>
+        </p:txBody>
+      </p:sp>
+      <p:sp>
+        <p:nvSpPr>
+          <p:cNvPr id="4" name="Slide Number Placeholder 3"/>
+          <p:cNvSpPr>
+            <a:spLocks noGrp="1"/>
+          </p:cNvSpPr>
+          <p:nvPr>
+            <p:ph type="sldNum" sz="quarter" idx="10"/>
+          </p:nvPr>
+        </p:nvSpPr>
+        <p:spPr/>
+        <p:txBody>
+          <a:bodyPr/>
+          <a:lstStyle/>
+          <a:p>
+            <a:fld id="{5E9D8851-FB92-4F38-AA01-959A6305FB74}" type="slidenum">
+              <a:rPr lang="en-US" smtClean="0"/>
+              <a:t>2</a:t>
+            </a:fld>
+            <a:endParaRPr lang="en-US"/>
+          </a:p>
+        </p:txBody>
+      </p:sp>
+    </p:spTree>
+  </p:cSld>
+  <p:clrMapOvr>
+    <a:masterClrMapping/>
+  </p:clrMapOvr>
+</p:notes>
+</file>
+
 <file path=ppt/slideLayouts/slideLayout1.xml><?xml version="1.0" encoding="utf-8"?>
 <p:sldLayout xmlns:a="http://schemas.openxmlformats.org/drawingml/2006/main" xmlns:r="http://schemas.openxmlformats.org/officeDocument/2006/relationships" xmlns:p="http://schemas.openxmlformats.org/presentationml/2006/main" type="title" preserve="1">
   <p:cSld name="Title Slide">
@@ -284,7 +733,8 @@
           <a:p>
             <a:fld id="{3D2AAC30-1865-4075-B853-EE863C02BBEA}" type="datetimeFigureOut">
               <a:rPr lang="en-US" smtClean="0"/>
-              <a:t>6/9/2014</a:t>
+              <a:pPr/>
+              <a:t>6/11/2014</a:t>
             </a:fld>
             <a:endParaRPr lang="en-US"/>
           </a:p>
@@ -326,6 +776,7 @@
           <a:p>
             <a:fld id="{CF8BCE74-13A9-4952-9D08-7675832C827C}" type="slidenum">
               <a:rPr lang="en-US" smtClean="0"/>
+              <a:pPr/>
               <a:t>‹#›</a:t>
             </a:fld>
             <a:endParaRPr lang="en-US"/>
@@ -449,7 +900,8 @@
           <a:p>
             <a:fld id="{3D2AAC30-1865-4075-B853-EE863C02BBEA}" type="datetimeFigureOut">
               <a:rPr lang="en-US" smtClean="0"/>
-              <a:t>6/9/2014</a:t>
+              <a:pPr/>
+              <a:t>6/11/2014</a:t>
             </a:fld>
             <a:endParaRPr lang="en-US"/>
           </a:p>
@@ -491,6 +943,7 @@
           <a:p>
             <a:fld id="{CF8BCE74-13A9-4952-9D08-7675832C827C}" type="slidenum">
               <a:rPr lang="en-US" smtClean="0"/>
+              <a:pPr/>
               <a:t>‹#›</a:t>
             </a:fld>
             <a:endParaRPr lang="en-US"/>
@@ -624,7 +1077,8 @@
           <a:p>
             <a:fld id="{3D2AAC30-1865-4075-B853-EE863C02BBEA}" type="datetimeFigureOut">
               <a:rPr lang="en-US" smtClean="0"/>
-              <a:t>6/9/2014</a:t>
+              <a:pPr/>
+              <a:t>6/11/2014</a:t>
             </a:fld>
             <a:endParaRPr lang="en-US"/>
           </a:p>
@@ -666,6 +1120,7 @@
           <a:p>
             <a:fld id="{CF8BCE74-13A9-4952-9D08-7675832C827C}" type="slidenum">
               <a:rPr lang="en-US" smtClean="0"/>
+              <a:pPr/>
               <a:t>‹#›</a:t>
             </a:fld>
             <a:endParaRPr lang="en-US"/>
@@ -789,7 +1244,8 @@
           <a:p>
             <a:fld id="{3D2AAC30-1865-4075-B853-EE863C02BBEA}" type="datetimeFigureOut">
               <a:rPr lang="en-US" smtClean="0"/>
-              <a:t>6/9/2014</a:t>
+              <a:pPr/>
+              <a:t>6/11/2014</a:t>
             </a:fld>
             <a:endParaRPr lang="en-US"/>
           </a:p>
@@ -831,6 +1287,7 @@
           <a:p>
             <a:fld id="{CF8BCE74-13A9-4952-9D08-7675832C827C}" type="slidenum">
               <a:rPr lang="en-US" smtClean="0"/>
+              <a:pPr/>
               <a:t>‹#›</a:t>
             </a:fld>
             <a:endParaRPr lang="en-US"/>
@@ -1031,7 +1488,8 @@
           <a:p>
             <a:fld id="{3D2AAC30-1865-4075-B853-EE863C02BBEA}" type="datetimeFigureOut">
               <a:rPr lang="en-US" smtClean="0"/>
-              <a:t>6/9/2014</a:t>
+              <a:pPr/>
+              <a:t>6/11/2014</a:t>
             </a:fld>
             <a:endParaRPr lang="en-US"/>
           </a:p>
@@ -1073,6 +1531,7 @@
           <a:p>
             <a:fld id="{CF8BCE74-13A9-4952-9D08-7675832C827C}" type="slidenum">
               <a:rPr lang="en-US" smtClean="0"/>
+              <a:pPr/>
               <a:t>‹#›</a:t>
             </a:fld>
             <a:endParaRPr lang="en-US"/>
@@ -1295,7 +1754,8 @@
           <a:p>
             <a:fld id="{3D2AAC30-1865-4075-B853-EE863C02BBEA}" type="datetimeFigureOut">
               <a:rPr lang="en-US" smtClean="0"/>
-              <a:t>6/9/2014</a:t>
+              <a:pPr/>
+              <a:t>6/11/2014</a:t>
             </a:fld>
             <a:endParaRPr lang="en-US"/>
           </a:p>
@@ -1337,6 +1797,7 @@
           <a:p>
             <a:fld id="{CF8BCE74-13A9-4952-9D08-7675832C827C}" type="slidenum">
               <a:rPr lang="en-US" smtClean="0"/>
+              <a:pPr/>
               <a:t>‹#›</a:t>
             </a:fld>
             <a:endParaRPr lang="en-US"/>
@@ -1673,7 +2134,8 @@
           <a:p>
             <a:fld id="{3D2AAC30-1865-4075-B853-EE863C02BBEA}" type="datetimeFigureOut">
               <a:rPr lang="en-US" smtClean="0"/>
-              <a:t>6/9/2014</a:t>
+              <a:pPr/>
+              <a:t>6/11/2014</a:t>
             </a:fld>
             <a:endParaRPr lang="en-US"/>
           </a:p>
@@ -1715,6 +2177,7 @@
           <a:p>
             <a:fld id="{CF8BCE74-13A9-4952-9D08-7675832C827C}" type="slidenum">
               <a:rPr lang="en-US" smtClean="0"/>
+              <a:pPr/>
               <a:t>‹#›</a:t>
             </a:fld>
             <a:endParaRPr lang="en-US"/>
@@ -1823,7 +2286,8 @@
           <a:p>
             <a:fld id="{3D2AAC30-1865-4075-B853-EE863C02BBEA}" type="datetimeFigureOut">
               <a:rPr lang="en-US" smtClean="0"/>
-              <a:t>6/9/2014</a:t>
+              <a:pPr/>
+              <a:t>6/11/2014</a:t>
             </a:fld>
             <a:endParaRPr lang="en-US"/>
           </a:p>
@@ -1865,6 +2329,7 @@
           <a:p>
             <a:fld id="{CF8BCE74-13A9-4952-9D08-7675832C827C}" type="slidenum">
               <a:rPr lang="en-US" smtClean="0"/>
+              <a:pPr/>
               <a:t>‹#›</a:t>
             </a:fld>
             <a:endParaRPr lang="en-US"/>
@@ -1913,7 +2378,8 @@
           <a:p>
             <a:fld id="{3D2AAC30-1865-4075-B853-EE863C02BBEA}" type="datetimeFigureOut">
               <a:rPr lang="en-US" smtClean="0"/>
-              <a:t>6/9/2014</a:t>
+              <a:pPr/>
+              <a:t>6/11/2014</a:t>
             </a:fld>
             <a:endParaRPr lang="en-US"/>
           </a:p>
@@ -1955,6 +2421,7 @@
           <a:p>
             <a:fld id="{CF8BCE74-13A9-4952-9D08-7675832C827C}" type="slidenum">
               <a:rPr lang="en-US" smtClean="0"/>
+              <a:pPr/>
               <a:t>‹#›</a:t>
             </a:fld>
             <a:endParaRPr lang="en-US"/>
@@ -2174,7 +2641,8 @@
           <a:p>
             <a:fld id="{3D2AAC30-1865-4075-B853-EE863C02BBEA}" type="datetimeFigureOut">
               <a:rPr lang="en-US" smtClean="0"/>
-              <a:t>6/9/2014</a:t>
+              <a:pPr/>
+              <a:t>6/11/2014</a:t>
             </a:fld>
             <a:endParaRPr lang="en-US"/>
           </a:p>
@@ -2216,6 +2684,7 @@
           <a:p>
             <a:fld id="{CF8BCE74-13A9-4952-9D08-7675832C827C}" type="slidenum">
               <a:rPr lang="en-US" smtClean="0"/>
+              <a:pPr/>
               <a:t>‹#›</a:t>
             </a:fld>
             <a:endParaRPr lang="en-US"/>
@@ -2462,7 +2931,8 @@
           <a:p>
             <a:fld id="{3D2AAC30-1865-4075-B853-EE863C02BBEA}" type="datetimeFigureOut">
               <a:rPr lang="en-US" smtClean="0"/>
-              <a:t>6/9/2014</a:t>
+              <a:pPr/>
+              <a:t>6/11/2014</a:t>
             </a:fld>
             <a:endParaRPr lang="en-US"/>
           </a:p>
@@ -2509,6 +2979,7 @@
           <a:p>
             <a:fld id="{CF8BCE74-13A9-4952-9D08-7675832C827C}" type="slidenum">
               <a:rPr lang="en-US" smtClean="0"/>
+              <a:pPr/>
               <a:t>‹#›</a:t>
             </a:fld>
             <a:endParaRPr lang="en-US"/>
@@ -3233,7 +3704,8 @@
           <a:p>
             <a:fld id="{3D2AAC30-1865-4075-B853-EE863C02BBEA}" type="datetimeFigureOut">
               <a:rPr lang="en-US" smtClean="0"/>
-              <a:t>6/9/2014</a:t>
+              <a:pPr/>
+              <a:t>6/11/2014</a:t>
             </a:fld>
             <a:endParaRPr lang="en-US"/>
           </a:p>
@@ -3311,6 +3783,7 @@
           <a:p>
             <a:fld id="{CF8BCE74-13A9-4952-9D08-7675832C827C}" type="slidenum">
               <a:rPr lang="en-US" smtClean="0"/>
+              <a:pPr/>
               <a:t>‹#›</a:t>
             </a:fld>
             <a:endParaRPr lang="en-US"/>
@@ -3929,6 +4402,13 @@
   <p:clrMapOvr>
     <a:masterClrMapping/>
   </p:clrMapOvr>
+  <p:timing>
+    <p:tnLst>
+      <p:par>
+        <p:cTn id="1" dur="indefinite" restart="never" nodeType="tmRoot"/>
+      </p:par>
+    </p:tnLst>
+  </p:timing>
 </p:sld>
 </file>
 
@@ -3966,7 +4446,11 @@
           <a:p>
             <a:r>
               <a:rPr lang="en-US" dirty="0" smtClean="0"/>
-              <a:t>Basic Information</a:t>
+              <a:t>Basics </a:t>
+            </a:r>
+            <a:r>
+              <a:rPr lang="en-US" dirty="0" smtClean="0"/>
+              <a:t>of the Game</a:t>
             </a:r>
             <a:endParaRPr lang="en-US" dirty="0"/>
           </a:p>
@@ -3987,7 +4471,34 @@
           <a:bodyPr/>
           <a:lstStyle/>
           <a:p>
-            <a:endParaRPr lang="en-US"/>
+            <a:r>
+              <a:rPr lang="en-US" dirty="0" smtClean="0"/>
+              <a:t>Java Application </a:t>
+            </a:r>
+          </a:p>
+          <a:p>
+            <a:r>
+              <a:rPr lang="en-US" dirty="0" smtClean="0"/>
+              <a:t>SWT (Standard Widget Toolkit)</a:t>
+            </a:r>
+          </a:p>
+          <a:p>
+            <a:r>
+              <a:rPr lang="en-US" dirty="0" smtClean="0"/>
+              <a:t>JDBC Driver for </a:t>
+            </a:r>
+            <a:r>
+              <a:rPr lang="en-US" dirty="0" err="1" smtClean="0"/>
+              <a:t>SQLite</a:t>
+            </a:r>
+            <a:endParaRPr lang="en-US" dirty="0" smtClean="0"/>
+          </a:p>
+          <a:p>
+            <a:r>
+              <a:rPr lang="en-US" dirty="0" smtClean="0"/>
+              <a:t>Multiple Modes</a:t>
+            </a:r>
+            <a:endParaRPr lang="en-US" dirty="0"/>
           </a:p>
         </p:txBody>
       </p:sp>
@@ -3996,6 +4507,13 @@
   <p:clrMapOvr>
     <a:masterClrMapping/>
   </p:clrMapOvr>
+  <p:timing>
+    <p:tnLst>
+      <p:par>
+        <p:cTn id="1" dur="indefinite" restart="never" nodeType="tmRoot"/>
+      </p:par>
+    </p:tnLst>
+  </p:timing>
 </p:sld>
 </file>
 
@@ -4063,6 +4581,13 @@
   <p:clrMapOvr>
     <a:masterClrMapping/>
   </p:clrMapOvr>
+  <p:timing>
+    <p:tnLst>
+      <p:par>
+        <p:cTn id="1" dur="indefinite" restart="never" nodeType="tmRoot"/>
+      </p:par>
+    </p:tnLst>
+  </p:timing>
 </p:sld>
 </file>
 
@@ -4130,6 +4655,13 @@
   <p:clrMapOvr>
     <a:masterClrMapping/>
   </p:clrMapOvr>
+  <p:timing>
+    <p:tnLst>
+      <p:par>
+        <p:cTn id="1" dur="indefinite" restart="never" nodeType="tmRoot"/>
+      </p:par>
+    </p:tnLst>
+  </p:timing>
 </p:sld>
 </file>
 
@@ -4173,30 +4705,58 @@
           </a:p>
         </p:txBody>
       </p:sp>
-      <p:sp>
-        <p:nvSpPr>
-          <p:cNvPr id="3" name="Content Placeholder 2"/>
-          <p:cNvSpPr>
-            <a:spLocks noGrp="1"/>
-          </p:cNvSpPr>
+      <p:pic>
+        <p:nvPicPr>
+          <p:cNvPr id="4" name="Content Placeholder 3" descr="sequence.JPG"/>
+          <p:cNvPicPr>
+            <a:picLocks noGrp="1" noChangeAspect="1"/>
+          </p:cNvPicPr>
           <p:nvPr>
             <p:ph idx="1"/>
           </p:nvPr>
-        </p:nvSpPr>
-        <p:spPr/>
-        <p:txBody>
-          <a:bodyPr/>
-          <a:lstStyle/>
-          <a:p>
-            <a:endParaRPr lang="en-US"/>
-          </a:p>
-        </p:txBody>
-      </p:sp>
+        </p:nvPicPr>
+        <p:blipFill>
+          <a:blip r:embed="rId2" cstate="print"/>
+          <a:stretch>
+            <a:fillRect/>
+          </a:stretch>
+        </p:blipFill>
+        <p:spPr>
+          <a:xfrm>
+            <a:off x="1066800" y="2075604"/>
+            <a:ext cx="7162800" cy="4197870"/>
+          </a:xfrm>
+          <a:prstGeom prst="rect">
+            <a:avLst/>
+          </a:prstGeom>
+          <a:ln w="12700" cap="sq">
+            <a:solidFill>
+              <a:srgbClr val="000000"/>
+            </a:solidFill>
+            <a:prstDash val="solid"/>
+            <a:miter lim="800000"/>
+          </a:ln>
+          <a:effectLst>
+            <a:outerShdw blurRad="50800" dist="38100" dir="2700000" algn="tl" rotWithShape="0">
+              <a:srgbClr val="000000">
+                <a:alpha val="43000"/>
+              </a:srgbClr>
+            </a:outerShdw>
+          </a:effectLst>
+        </p:spPr>
+      </p:pic>
     </p:spTree>
   </p:cSld>
   <p:clrMapOvr>
     <a:masterClrMapping/>
   </p:clrMapOvr>
+  <p:timing>
+    <p:tnLst>
+      <p:par>
+        <p:cTn id="1" dur="indefinite" restart="never" nodeType="tmRoot"/>
+      </p:par>
+    </p:tnLst>
+  </p:timing>
 </p:sld>
 </file>
 
@@ -4493,4 +5053,287 @@
   <a:objectDefaults/>
   <a:extraClrSchemeLst/>
 </a:theme>
+</file>
+
+<file path=ppt/theme/theme2.xml><?xml version="1.0" encoding="utf-8"?>
+<a:theme xmlns:a="http://schemas.openxmlformats.org/drawingml/2006/main" name="Office Theme">
+  <a:themeElements>
+    <a:clrScheme name="Office">
+      <a:dk1>
+        <a:sysClr val="windowText" lastClr="000000"/>
+      </a:dk1>
+      <a:lt1>
+        <a:sysClr val="window" lastClr="FFFFFF"/>
+      </a:lt1>
+      <a:dk2>
+        <a:srgbClr val="1F497D"/>
+      </a:dk2>
+      <a:lt2>
+        <a:srgbClr val="EEECE1"/>
+      </a:lt2>
+      <a:accent1>
+        <a:srgbClr val="4F81BD"/>
+      </a:accent1>
+      <a:accent2>
+        <a:srgbClr val="C0504D"/>
+      </a:accent2>
+      <a:accent3>
+        <a:srgbClr val="9BBB59"/>
+      </a:accent3>
+      <a:accent4>
+        <a:srgbClr val="8064A2"/>
+      </a:accent4>
+      <a:accent5>
+        <a:srgbClr val="4BACC6"/>
+      </a:accent5>
+      <a:accent6>
+        <a:srgbClr val="F79646"/>
+      </a:accent6>
+      <a:hlink>
+        <a:srgbClr val="0000FF"/>
+      </a:hlink>
+      <a:folHlink>
+        <a:srgbClr val="800080"/>
+      </a:folHlink>
+    </a:clrScheme>
+    <a:fontScheme name="Office">
+      <a:majorFont>
+        <a:latin typeface="Calibri"/>
+        <a:ea typeface=""/>
+        <a:cs typeface=""/>
+        <a:font script="Jpan" typeface="ＭＳ Ｐゴシック"/>
+        <a:font script="Hang" typeface="맑은 고딕"/>
+        <a:font script="Hans" typeface="宋体"/>
+        <a:font script="Hant" typeface="新細明體"/>
+        <a:font script="Arab" typeface="Times New Roman"/>
+        <a:font script="Hebr" typeface="Times New Roman"/>
+        <a:font script="Thai" typeface="Angsana New"/>
+        <a:font script="Ethi" typeface="Nyala"/>
+        <a:font script="Beng" typeface="Vrinda"/>
+        <a:font script="Gujr" typeface="Shruti"/>
+        <a:font script="Khmr" typeface="MoolBoran"/>
+        <a:font script="Knda" typeface="Tunga"/>
+        <a:font script="Guru" typeface="Raavi"/>
+        <a:font script="Cans" typeface="Euphemia"/>
+        <a:font script="Cher" typeface="Plantagenet Cherokee"/>
+        <a:font script="Yiii" typeface="Microsoft Yi Baiti"/>
+        <a:font script="Tibt" typeface="Microsoft Himalaya"/>
+        <a:font script="Thaa" typeface="MV Boli"/>
+        <a:font script="Deva" typeface="Mangal"/>
+        <a:font script="Telu" typeface="Gautami"/>
+        <a:font script="Taml" typeface="Latha"/>
+        <a:font script="Syrc" typeface="Estrangelo Edessa"/>
+        <a:font script="Orya" typeface="Kalinga"/>
+        <a:font script="Mlym" typeface="Kartika"/>
+        <a:font script="Laoo" typeface="DokChampa"/>
+        <a:font script="Sinh" typeface="Iskoola Pota"/>
+        <a:font script="Mong" typeface="Mongolian Baiti"/>
+        <a:font script="Viet" typeface="Times New Roman"/>
+        <a:font script="Uigh" typeface="Microsoft Uighur"/>
+      </a:majorFont>
+      <a:minorFont>
+        <a:latin typeface="Calibri"/>
+        <a:ea typeface=""/>
+        <a:cs typeface=""/>
+        <a:font script="Jpan" typeface="ＭＳ Ｐゴシック"/>
+        <a:font script="Hang" typeface="맑은 고딕"/>
+        <a:font script="Hans" typeface="宋体"/>
+        <a:font script="Hant" typeface="新細明體"/>
+        <a:font script="Arab" typeface="Arial"/>
+        <a:font script="Hebr" typeface="Arial"/>
+        <a:font script="Thai" typeface="Cordia New"/>
+        <a:font script="Ethi" typeface="Nyala"/>
+        <a:font script="Beng" typeface="Vrinda"/>
+        <a:font script="Gujr" typeface="Shruti"/>
+        <a:font script="Khmr" typeface="DaunPenh"/>
+        <a:font script="Knda" typeface="Tunga"/>
+        <a:font script="Guru" typeface="Raavi"/>
+        <a:font script="Cans" typeface="Euphemia"/>
+        <a:font script="Cher" typeface="Plantagenet Cherokee"/>
+        <a:font script="Yiii" typeface="Microsoft Yi Baiti"/>
+        <a:font script="Tibt" typeface="Microsoft Himalaya"/>
+        <a:font script="Thaa" typeface="MV Boli"/>
+        <a:font script="Deva" typeface="Mangal"/>
+        <a:font script="Telu" typeface="Gautami"/>
+        <a:font script="Taml" typeface="Latha"/>
+        <a:font script="Syrc" typeface="Estrangelo Edessa"/>
+        <a:font script="Orya" typeface="Kalinga"/>
+        <a:font script="Mlym" typeface="Kartika"/>
+        <a:font script="Laoo" typeface="DokChampa"/>
+        <a:font script="Sinh" typeface="Iskoola Pota"/>
+        <a:font script="Mong" typeface="Mongolian Baiti"/>
+        <a:font script="Viet" typeface="Arial"/>
+        <a:font script="Uigh" typeface="Microsoft Uighur"/>
+      </a:minorFont>
+    </a:fontScheme>
+    <a:fmtScheme name="Office">
+      <a:fillStyleLst>
+        <a:solidFill>
+          <a:schemeClr val="phClr"/>
+        </a:solidFill>
+        <a:gradFill rotWithShape="1">
+          <a:gsLst>
+            <a:gs pos="0">
+              <a:schemeClr val="phClr">
+                <a:tint val="50000"/>
+                <a:satMod val="300000"/>
+              </a:schemeClr>
+            </a:gs>
+            <a:gs pos="35000">
+              <a:schemeClr val="phClr">
+                <a:tint val="37000"/>
+                <a:satMod val="300000"/>
+              </a:schemeClr>
+            </a:gs>
+            <a:gs pos="100000">
+              <a:schemeClr val="phClr">
+                <a:tint val="15000"/>
+                <a:satMod val="350000"/>
+              </a:schemeClr>
+            </a:gs>
+          </a:gsLst>
+          <a:lin ang="16200000" scaled="1"/>
+        </a:gradFill>
+        <a:gradFill rotWithShape="1">
+          <a:gsLst>
+            <a:gs pos="0">
+              <a:schemeClr val="phClr">
+                <a:shade val="51000"/>
+                <a:satMod val="130000"/>
+              </a:schemeClr>
+            </a:gs>
+            <a:gs pos="80000">
+              <a:schemeClr val="phClr">
+                <a:shade val="93000"/>
+                <a:satMod val="130000"/>
+              </a:schemeClr>
+            </a:gs>
+            <a:gs pos="100000">
+              <a:schemeClr val="phClr">
+                <a:shade val="94000"/>
+                <a:satMod val="135000"/>
+              </a:schemeClr>
+            </a:gs>
+          </a:gsLst>
+          <a:lin ang="16200000" scaled="0"/>
+        </a:gradFill>
+      </a:fillStyleLst>
+      <a:lnStyleLst>
+        <a:ln w="9525" cap="flat" cmpd="sng" algn="ctr">
+          <a:solidFill>
+            <a:schemeClr val="phClr">
+              <a:shade val="95000"/>
+              <a:satMod val="105000"/>
+            </a:schemeClr>
+          </a:solidFill>
+          <a:prstDash val="solid"/>
+        </a:ln>
+        <a:ln w="25400" cap="flat" cmpd="sng" algn="ctr">
+          <a:solidFill>
+            <a:schemeClr val="phClr"/>
+          </a:solidFill>
+          <a:prstDash val="solid"/>
+        </a:ln>
+        <a:ln w="38100" cap="flat" cmpd="sng" algn="ctr">
+          <a:solidFill>
+            <a:schemeClr val="phClr"/>
+          </a:solidFill>
+          <a:prstDash val="solid"/>
+        </a:ln>
+      </a:lnStyleLst>
+      <a:effectStyleLst>
+        <a:effectStyle>
+          <a:effectLst>
+            <a:outerShdw blurRad="40000" dist="20000" dir="5400000" rotWithShape="0">
+              <a:srgbClr val="000000">
+                <a:alpha val="38000"/>
+              </a:srgbClr>
+            </a:outerShdw>
+          </a:effectLst>
+        </a:effectStyle>
+        <a:effectStyle>
+          <a:effectLst>
+            <a:outerShdw blurRad="40000" dist="23000" dir="5400000" rotWithShape="0">
+              <a:srgbClr val="000000">
+                <a:alpha val="35000"/>
+              </a:srgbClr>
+            </a:outerShdw>
+          </a:effectLst>
+        </a:effectStyle>
+        <a:effectStyle>
+          <a:effectLst>
+            <a:outerShdw blurRad="40000" dist="23000" dir="5400000" rotWithShape="0">
+              <a:srgbClr val="000000">
+                <a:alpha val="35000"/>
+              </a:srgbClr>
+            </a:outerShdw>
+          </a:effectLst>
+          <a:scene3d>
+            <a:camera prst="orthographicFront">
+              <a:rot lat="0" lon="0" rev="0"/>
+            </a:camera>
+            <a:lightRig rig="threePt" dir="t">
+              <a:rot lat="0" lon="0" rev="1200000"/>
+            </a:lightRig>
+          </a:scene3d>
+          <a:sp3d>
+            <a:bevelT w="63500" h="25400"/>
+          </a:sp3d>
+        </a:effectStyle>
+      </a:effectStyleLst>
+      <a:bgFillStyleLst>
+        <a:solidFill>
+          <a:schemeClr val="phClr"/>
+        </a:solidFill>
+        <a:gradFill rotWithShape="1">
+          <a:gsLst>
+            <a:gs pos="0">
+              <a:schemeClr val="phClr">
+                <a:tint val="40000"/>
+                <a:satMod val="350000"/>
+              </a:schemeClr>
+            </a:gs>
+            <a:gs pos="40000">
+              <a:schemeClr val="phClr">
+                <a:tint val="45000"/>
+                <a:shade val="99000"/>
+                <a:satMod val="350000"/>
+              </a:schemeClr>
+            </a:gs>
+            <a:gs pos="100000">
+              <a:schemeClr val="phClr">
+                <a:shade val="20000"/>
+                <a:satMod val="255000"/>
+              </a:schemeClr>
+            </a:gs>
+          </a:gsLst>
+          <a:path path="circle">
+            <a:fillToRect l="50000" t="-80000" r="50000" b="180000"/>
+          </a:path>
+        </a:gradFill>
+        <a:gradFill rotWithShape="1">
+          <a:gsLst>
+            <a:gs pos="0">
+              <a:schemeClr val="phClr">
+                <a:tint val="80000"/>
+                <a:satMod val="300000"/>
+              </a:schemeClr>
+            </a:gs>
+            <a:gs pos="100000">
+              <a:schemeClr val="phClr">
+                <a:shade val="30000"/>
+                <a:satMod val="200000"/>
+              </a:schemeClr>
+            </a:gs>
+          </a:gsLst>
+          <a:path path="circle">
+            <a:fillToRect l="50000" t="50000" r="50000" b="50000"/>
+          </a:path>
+        </a:gradFill>
+      </a:bgFillStyleLst>
+    </a:fmtScheme>
+  </a:themeElements>
+  <a:objectDefaults/>
+  <a:extraClrSchemeLst/>
+</a:theme>
 </file>
--- a/presentation.pptx
+++ b/presentation.pptx
@@ -2,7 +2,7 @@
 <file path=ppt/presentation.xml><?xml version="1.0" encoding="utf-8"?>
 <p:presentation xmlns:a="http://schemas.openxmlformats.org/drawingml/2006/main" xmlns:r="http://schemas.openxmlformats.org/officeDocument/2006/relationships" xmlns:p="http://schemas.openxmlformats.org/presentationml/2006/main" saveSubsetFonts="1">
   <p:sldMasterIdLst>
-    <p:sldMasterId id="2147483696" r:id="rId1"/>
+    <p:sldMasterId id="2147483708" r:id="rId1"/>
   </p:sldMasterIdLst>
   <p:notesMasterIdLst>
     <p:notesMasterId r:id="rId7"/>
@@ -196,6 +196,7 @@
           <a:p>
             <a:fld id="{EEEC9AAB-B9E1-489C-AD36-6DE05E5C0250}" type="datetimeFigureOut">
               <a:rPr lang="en-US" smtClean="0"/>
+              <a:pPr/>
               <a:t>6/11/2014</a:t>
             </a:fld>
             <a:endParaRPr lang="en-US"/>
@@ -357,6 +358,7 @@
           <a:p>
             <a:fld id="{5E9D8851-FB92-4F38-AA01-959A6305FB74}" type="slidenum">
               <a:rPr lang="en-US" smtClean="0"/>
+              <a:pPr/>
               <a:t>‹#›</a:t>
             </a:fld>
             <a:endParaRPr lang="en-US"/>
@@ -546,6 +548,7 @@
           <a:p>
             <a:fld id="{5E9D8851-FB92-4F38-AA01-959A6305FB74}" type="slidenum">
               <a:rPr lang="en-US" smtClean="0"/>
+              <a:pPr/>
               <a:t>2</a:t>
             </a:fld>
             <a:endParaRPr lang="en-US"/>
@@ -561,13 +564,8 @@
 </file>
 
 <file path=ppt/slideLayouts/slideLayout1.xml><?xml version="1.0" encoding="utf-8"?>
-<p:sldLayout xmlns:a="http://schemas.openxmlformats.org/drawingml/2006/main" xmlns:r="http://schemas.openxmlformats.org/officeDocument/2006/relationships" xmlns:p="http://schemas.openxmlformats.org/presentationml/2006/main" type="title" preserve="1">
+<p:sldLayout xmlns:a="http://schemas.openxmlformats.org/drawingml/2006/main" xmlns:r="http://schemas.openxmlformats.org/officeDocument/2006/relationships" xmlns:p="http://schemas.openxmlformats.org/presentationml/2006/main" showMasterSp="0" type="title" preserve="1">
   <p:cSld name="Title Slide">
-    <p:bg>
-      <p:bgRef idx="1002">
-        <a:schemeClr val="bg2"/>
-      </p:bgRef>
-    </p:bg>
     <p:spTree>
       <p:nvGrpSpPr>
         <p:cNvPr id="1" name=""/>
@@ -584,67 +582,119 @@
       </p:grpSpPr>
       <p:sp>
         <p:nvSpPr>
-          <p:cNvPr id="9" name="Title 8"/>
-          <p:cNvSpPr>
-            <a:spLocks noGrp="1"/>
-          </p:cNvSpPr>
-          <p:nvPr>
-            <p:ph type="ctrTitle"/>
-          </p:nvPr>
+          <p:cNvPr id="10" name="Right Triangle 9"/>
+          <p:cNvSpPr/>
+          <p:nvPr/>
         </p:nvSpPr>
         <p:spPr>
           <a:xfrm>
-            <a:off x="533400" y="1371600"/>
-            <a:ext cx="7851648" cy="1828800"/>
+            <a:off x="-2" y="4664147"/>
+            <a:ext cx="9151089" cy="0"/>
           </a:xfrm>
-          <a:ln>
+          <a:prstGeom prst="rtTriangle">
+            <a:avLst/>
+          </a:prstGeom>
+          <a:gradFill flip="none" rotWithShape="1">
+            <a:gsLst>
+              <a:gs pos="0">
+                <a:schemeClr val="accent1">
+                  <a:shade val="35000"/>
+                  <a:satMod val="170000"/>
+                  <a:alpha val="100000"/>
+                </a:schemeClr>
+              </a:gs>
+              <a:gs pos="55000">
+                <a:schemeClr val="accent1">
+                  <a:tint val="90000"/>
+                  <a:satMod val="150000"/>
+                  <a:alpha val="100000"/>
+                </a:schemeClr>
+              </a:gs>
+              <a:gs pos="100000">
+                <a:schemeClr val="accent1">
+                  <a:shade val="35000"/>
+                  <a:satMod val="170000"/>
+                  <a:alpha val="100000"/>
+                </a:schemeClr>
+              </a:gs>
+            </a:gsLst>
+            <a:lin ang="3000000" scaled="1"/>
+            <a:tileRect/>
+          </a:gradFill>
+          <a:ln w="12700" cap="rnd" cmpd="thickThin" algn="ctr">
             <a:noFill/>
+            <a:prstDash val="solid"/>
           </a:ln>
+          <a:effectLst/>
         </p:spPr>
-        <p:txBody>
-          <a:bodyPr vert="horz" tIns="0" rIns="18288" bIns="0" anchor="b">
+        <p:style>
+          <a:lnRef idx="3">
+            <a:schemeClr val="lt1"/>
+          </a:lnRef>
+          <a:fillRef idx="1">
+            <a:schemeClr val="accent1"/>
+          </a:fillRef>
+          <a:effectRef idx="1">
+            <a:schemeClr val="accent1"/>
+          </a:effectRef>
+          <a:fontRef idx="minor">
+            <a:schemeClr val="lt1"/>
+          </a:fontRef>
+        </p:style>
+        <p:txBody>
+          <a:bodyPr anchor="ctr"/>
+          <a:lstStyle>
+            <a:extLst/>
+          </a:lstStyle>
+          <a:p>
+            <a:pPr algn="ctr" eaLnBrk="1" latinLnBrk="0" hangingPunct="1"/>
+            <a:endParaRPr kumimoji="0" lang="en-US"/>
+          </a:p>
+        </p:txBody>
+      </p:sp>
+      <p:sp>
+        <p:nvSpPr>
+          <p:cNvPr id="9" name="Title 8"/>
+          <p:cNvSpPr>
+            <a:spLocks noGrp="1"/>
+          </p:cNvSpPr>
+          <p:nvPr>
+            <p:ph type="ctrTitle"/>
+          </p:nvPr>
+        </p:nvSpPr>
+        <p:spPr>
+          <a:xfrm>
+            <a:off x="685800" y="1752601"/>
+            <a:ext cx="7772400" cy="1829761"/>
+          </a:xfrm>
+        </p:spPr>
+        <p:txBody>
+          <a:bodyPr vert="horz" anchor="b">
             <a:normAutofit/>
             <a:scene3d>
               <a:camera prst="orthographicFront"/>
-              <a:lightRig rig="freezing" dir="t">
-                <a:rot lat="0" lon="0" rev="5640000"/>
-              </a:lightRig>
+              <a:lightRig rig="soft" dir="t"/>
             </a:scene3d>
-            <a:sp3d prstMaterial="flat">
-              <a:bevelT w="38100" h="38100"/>
-              <a:contourClr>
-                <a:schemeClr val="tx2"/>
-              </a:contourClr>
+            <a:sp3d prstMaterial="softEdge">
+              <a:bevelT w="25400" h="25400"/>
             </a:sp3d>
           </a:bodyPr>
           <a:lstStyle>
-            <a:lvl1pPr algn="r" rtl="0">
-              <a:spcBef>
-                <a:spcPct val="0"/>
-              </a:spcBef>
-              <a:buNone/>
-              <a:defRPr sz="5600" b="1">
-                <a:ln>
-                  <a:noFill/>
-                </a:ln>
+            <a:lvl1pPr algn="r">
+              <a:defRPr sz="4800" b="1">
                 <a:solidFill>
-                  <a:schemeClr val="accent3">
-                    <a:tint val="90000"/>
-                    <a:satMod val="120000"/>
-                  </a:schemeClr>
+                  <a:schemeClr val="tx2"/>
                 </a:solidFill>
                 <a:effectLst>
-                  <a:outerShdw blurRad="38100" dist="25400" dir="5400000" algn="tl" rotWithShape="0">
+                  <a:outerShdw blurRad="31750" dist="25400" dir="5400000" algn="tl" rotWithShape="0">
                     <a:srgbClr val="000000">
-                      <a:alpha val="43000"/>
+                      <a:alpha val="25000"/>
                     </a:srgbClr>
                   </a:outerShdw>
                 </a:effectLst>
-                <a:latin typeface="+mj-lt"/>
-                <a:ea typeface="+mj-ea"/>
-                <a:cs typeface="+mj-cs"/>
               </a:defRPr>
             </a:lvl1pPr>
+            <a:extLst/>
           </a:lstStyle>
           <a:p>
             <a:r>
@@ -667,18 +717,18 @@
         </p:nvSpPr>
         <p:spPr>
           <a:xfrm>
-            <a:off x="533400" y="3228536"/>
-            <a:ext cx="7854696" cy="1752600"/>
+            <a:off x="685800" y="3611607"/>
+            <a:ext cx="7772400" cy="1199704"/>
           </a:xfrm>
         </p:spPr>
         <p:txBody>
-          <a:bodyPr lIns="0" rIns="18288"/>
-          <a:lstStyle>
-            <a:lvl1pPr marL="0" marR="45720" indent="0" algn="r">
+          <a:bodyPr lIns="45720" rIns="45720"/>
+          <a:lstStyle>
+            <a:lvl1pPr marL="0" marR="64008" indent="0" algn="r">
               <a:buNone/>
               <a:defRPr>
                 <a:solidFill>
-                  <a:schemeClr val="tx1"/>
+                  <a:schemeClr val="tx2"/>
                 </a:solidFill>
               </a:defRPr>
             </a:lvl1pPr>
@@ -706,6 +756,7 @@
             <a:lvl9pPr marL="3657600" indent="0" algn="ctr">
               <a:buNone/>
             </a:lvl9pPr>
+            <a:extLst/>
           </a:lstStyle>
           <a:p>
             <a:r>
@@ -716,6 +767,401 @@
           </a:p>
         </p:txBody>
       </p:sp>
+      <p:grpSp>
+        <p:nvGrpSpPr>
+          <p:cNvPr id="2" name="Group 1"/>
+          <p:cNvGrpSpPr/>
+          <p:nvPr/>
+        </p:nvGrpSpPr>
+        <p:grpSpPr>
+          <a:xfrm>
+            <a:off x="-3765" y="4953000"/>
+            <a:ext cx="9147765" cy="1912088"/>
+            <a:chOff x="-3765" y="4832896"/>
+            <a:chExt cx="9147765" cy="2032192"/>
+          </a:xfrm>
+        </p:grpSpPr>
+        <p:sp>
+          <p:nvSpPr>
+            <p:cNvPr id="7" name="Freeform 6"/>
+            <p:cNvSpPr>
+              <a:spLocks/>
+            </p:cNvSpPr>
+            <p:nvPr/>
+          </p:nvSpPr>
+          <p:spPr bwMode="auto">
+            <a:xfrm>
+              <a:off x="1687513" y="4832896"/>
+              <a:ext cx="7456487" cy="518816"/>
+            </a:xfrm>
+            <a:custGeom>
+              <a:avLst>
+                <a:gd name="A1" fmla="val 0"/>
+                <a:gd name="A2" fmla="val 0"/>
+                <a:gd name="A3" fmla="val 0"/>
+                <a:gd name="A4" fmla="val 0"/>
+                <a:gd name="A5" fmla="val 0"/>
+                <a:gd name="A6" fmla="val 0"/>
+                <a:gd name="A7" fmla="val 0"/>
+                <a:gd name="A8" fmla="val 0"/>
+              </a:avLst>
+              <a:gdLst/>
+              <a:ahLst/>
+              <a:cxnLst>
+                <a:cxn ang="0">
+                  <a:pos x="4697" y="0"/>
+                </a:cxn>
+                <a:cxn ang="0">
+                  <a:pos x="4697" y="367"/>
+                </a:cxn>
+                <a:cxn ang="0">
+                  <a:pos x="0" y="218"/>
+                </a:cxn>
+                <a:cxn ang="0">
+                  <a:pos x="4697" y="0"/>
+                </a:cxn>
+              </a:cxnLst>
+              <a:rect l="0" t="0" r="0" b="0"/>
+              <a:pathLst>
+                <a:path w="4697" h="367">
+                  <a:moveTo>
+                    <a:pt x="4697" y="0"/>
+                  </a:moveTo>
+                  <a:lnTo>
+                    <a:pt x="4697" y="367"/>
+                  </a:lnTo>
+                  <a:lnTo>
+                    <a:pt x="0" y="218"/>
+                  </a:lnTo>
+                  <a:lnTo>
+                    <a:pt x="4697" y="0"/>
+                  </a:lnTo>
+                  <a:close/>
+                </a:path>
+              </a:pathLst>
+            </a:custGeom>
+            <a:solidFill>
+              <a:schemeClr val="accent1">
+                <a:tint val="65000"/>
+                <a:satMod val="115000"/>
+                <a:alpha val="40000"/>
+              </a:schemeClr>
+            </a:solidFill>
+            <a:ln w="9525" cap="flat" cmpd="sng" algn="ctr">
+              <a:noFill/>
+              <a:prstDash val="solid"/>
+              <a:round/>
+              <a:headEnd type="none" w="med" len="med"/>
+              <a:tailEnd type="none" w="med" len="med"/>
+            </a:ln>
+            <a:effectLst/>
+          </p:spPr>
+          <p:txBody>
+            <a:bodyPr vert="horz" wrap="square" lIns="91440" tIns="45720" rIns="91440" bIns="45720" anchor="t" compatLnSpc="1"/>
+            <a:lstStyle>
+              <a:extLst/>
+            </a:lstStyle>
+            <a:p>
+              <a:endParaRPr kumimoji="0" lang="en-US"/>
+            </a:p>
+          </p:txBody>
+        </p:sp>
+        <p:sp>
+          <p:nvSpPr>
+            <p:cNvPr id="8" name="Freeform 7"/>
+            <p:cNvSpPr>
+              <a:spLocks/>
+            </p:cNvSpPr>
+            <p:nvPr/>
+          </p:nvSpPr>
+          <p:spPr bwMode="auto">
+            <a:xfrm>
+              <a:off x="35443" y="5135526"/>
+              <a:ext cx="9108557" cy="838200"/>
+            </a:xfrm>
+            <a:custGeom>
+              <a:avLst>
+                <a:gd name="A1" fmla="val 0"/>
+                <a:gd name="A2" fmla="val 0"/>
+                <a:gd name="A3" fmla="val 0"/>
+                <a:gd name="A4" fmla="val 0"/>
+                <a:gd name="A5" fmla="val 0"/>
+                <a:gd name="A6" fmla="val 0"/>
+                <a:gd name="A7" fmla="val 0"/>
+                <a:gd name="A8" fmla="val 0"/>
+              </a:avLst>
+              <a:gdLst/>
+              <a:ahLst/>
+              <a:cxnLst>
+                <a:cxn ang="0">
+                  <a:pos x="0" y="0"/>
+                </a:cxn>
+                <a:cxn ang="0">
+                  <a:pos x="5760" y="0"/>
+                </a:cxn>
+                <a:cxn ang="0">
+                  <a:pos x="5760" y="528"/>
+                </a:cxn>
+                <a:cxn ang="0">
+                  <a:pos x="48" y="0"/>
+                </a:cxn>
+              </a:cxnLst>
+              <a:rect l="0" t="0" r="0" b="0"/>
+              <a:pathLst>
+                <a:path w="5760" h="528">
+                  <a:moveTo>
+                    <a:pt x="0" y="0"/>
+                  </a:moveTo>
+                  <a:lnTo>
+                    <a:pt x="5760" y="0"/>
+                  </a:lnTo>
+                  <a:lnTo>
+                    <a:pt x="5760" y="528"/>
+                  </a:lnTo>
+                  <a:lnTo>
+                    <a:pt x="48" y="0"/>
+                  </a:lnTo>
+                </a:path>
+              </a:pathLst>
+            </a:custGeom>
+            <a:solidFill>
+              <a:srgbClr val="000000">
+                <a:alpha val="100000"/>
+              </a:srgbClr>
+            </a:solidFill>
+            <a:ln w="9525" cap="flat" cmpd="sng" algn="ctr">
+              <a:noFill/>
+              <a:prstDash val="solid"/>
+              <a:round/>
+              <a:headEnd type="none" w="med" len="med"/>
+              <a:tailEnd type="none" w="med" len="med"/>
+            </a:ln>
+            <a:effectLst/>
+          </p:spPr>
+          <p:txBody>
+            <a:bodyPr vert="horz" wrap="square" lIns="91440" tIns="45720" rIns="91440" bIns="45720" anchor="t" compatLnSpc="1"/>
+            <a:lstStyle>
+              <a:extLst/>
+            </a:lstStyle>
+            <a:p>
+              <a:endParaRPr kumimoji="0" lang="en-US"/>
+            </a:p>
+          </p:txBody>
+        </p:sp>
+        <p:sp>
+          <p:nvSpPr>
+            <p:cNvPr id="11" name="Freeform 10"/>
+            <p:cNvSpPr>
+              <a:spLocks/>
+            </p:cNvSpPr>
+            <p:nvPr/>
+          </p:nvSpPr>
+          <p:spPr bwMode="auto">
+            <a:xfrm>
+              <a:off x="0" y="4883888"/>
+              <a:ext cx="9144000" cy="1981200"/>
+            </a:xfrm>
+            <a:custGeom>
+              <a:avLst>
+                <a:gd name="A1" fmla="val 0"/>
+                <a:gd name="A2" fmla="val 0"/>
+                <a:gd name="A3" fmla="val 0"/>
+                <a:gd name="A4" fmla="val 0"/>
+                <a:gd name="A5" fmla="val 0"/>
+                <a:gd name="A6" fmla="val 0"/>
+                <a:gd name="A7" fmla="val 0"/>
+                <a:gd name="A8" fmla="val 0"/>
+              </a:avLst>
+              <a:gdLst/>
+              <a:ahLst/>
+              <a:cxnLst>
+                <a:cxn ang="0">
+                  <a:pos x="0" y="0"/>
+                </a:cxn>
+                <a:cxn ang="0">
+                  <a:pos x="0" y="1248"/>
+                </a:cxn>
+                <a:cxn ang="0">
+                  <a:pos x="5760" y="1248"/>
+                </a:cxn>
+                <a:cxn ang="0">
+                  <a:pos x="5760" y="528"/>
+                </a:cxn>
+                <a:cxn ang="0">
+                  <a:pos x="0" y="0"/>
+                </a:cxn>
+              </a:cxnLst>
+              <a:rect l="0" t="0" r="0" b="0"/>
+              <a:pathLst>
+                <a:path w="5760" h="1248">
+                  <a:moveTo>
+                    <a:pt x="0" y="0"/>
+                  </a:moveTo>
+                  <a:lnTo>
+                    <a:pt x="0" y="1248"/>
+                  </a:lnTo>
+                  <a:lnTo>
+                    <a:pt x="5760" y="1248"/>
+                  </a:lnTo>
+                  <a:lnTo>
+                    <a:pt x="5760" y="528"/>
+                  </a:lnTo>
+                  <a:lnTo>
+                    <a:pt x="0" y="0"/>
+                  </a:lnTo>
+                  <a:close/>
+                </a:path>
+              </a:pathLst>
+            </a:custGeom>
+            <a:blipFill>
+              <a:blip r:embed="rId2" cstate="print">
+                <a:alphaModFix amt="50000"/>
+              </a:blip>
+              <a:tile tx="0" ty="0" sx="50000" sy="50000" flip="none" algn="t"/>
+            </a:blipFill>
+            <a:ln w="12700" cap="rnd" cmpd="thickThin" algn="ctr">
+              <a:noFill/>
+              <a:prstDash val="solid"/>
+            </a:ln>
+            <a:effectLst>
+              <a:fillOverlay blend="mult">
+                <a:gradFill flip="none" rotWithShape="1">
+                  <a:gsLst>
+                    <a:gs pos="0">
+                      <a:schemeClr val="accent1">
+                        <a:shade val="20000"/>
+                        <a:satMod val="176000"/>
+                        <a:alpha val="100000"/>
+                      </a:schemeClr>
+                    </a:gs>
+                    <a:gs pos="18000">
+                      <a:schemeClr val="accent1">
+                        <a:shade val="48000"/>
+                        <a:satMod val="153000"/>
+                        <a:alpha val="100000"/>
+                      </a:schemeClr>
+                    </a:gs>
+                    <a:gs pos="43000">
+                      <a:schemeClr val="accent1">
+                        <a:tint val="86000"/>
+                        <a:satMod val="149000"/>
+                        <a:alpha val="100000"/>
+                      </a:schemeClr>
+                    </a:gs>
+                    <a:gs pos="45000">
+                      <a:schemeClr val="accent1">
+                        <a:tint val="85000"/>
+                        <a:satMod val="150000"/>
+                        <a:alpha val="100000"/>
+                      </a:schemeClr>
+                    </a:gs>
+                    <a:gs pos="50000">
+                      <a:schemeClr val="accent1">
+                        <a:tint val="86000"/>
+                        <a:satMod val="149000"/>
+                        <a:alpha val="100000"/>
+                      </a:schemeClr>
+                    </a:gs>
+                    <a:gs pos="79000">
+                      <a:schemeClr val="accent1">
+                        <a:shade val="53000"/>
+                        <a:satMod val="150000"/>
+                        <a:alpha val="100000"/>
+                      </a:schemeClr>
+                    </a:gs>
+                    <a:gs pos="100000">
+                      <a:schemeClr val="accent1">
+                        <a:shade val="25000"/>
+                        <a:satMod val="170000"/>
+                        <a:alpha val="100000"/>
+                      </a:schemeClr>
+                    </a:gs>
+                  </a:gsLst>
+                  <a:lin ang="450000" scaled="1"/>
+                  <a:tileRect/>
+                </a:gradFill>
+              </a:fillOverlay>
+            </a:effectLst>
+          </p:spPr>
+          <p:style>
+            <a:lnRef idx="3">
+              <a:schemeClr val="lt1"/>
+            </a:lnRef>
+            <a:fillRef idx="1">
+              <a:schemeClr val="accent1"/>
+            </a:fillRef>
+            <a:effectRef idx="1">
+              <a:schemeClr val="accent1"/>
+            </a:effectRef>
+            <a:fontRef idx="minor">
+              <a:schemeClr val="lt1"/>
+            </a:fontRef>
+          </p:style>
+          <p:txBody>
+            <a:bodyPr vert="horz" wrap="square" lIns="91440" tIns="45720" rIns="91440" bIns="45720" anchor="ctr" compatLnSpc="1"/>
+            <a:lstStyle>
+              <a:extLst/>
+            </a:lstStyle>
+            <a:p>
+              <a:pPr algn="ctr" eaLnBrk="1" latinLnBrk="0" hangingPunct="1"/>
+              <a:endParaRPr kumimoji="0" lang="en-US"/>
+            </a:p>
+          </p:txBody>
+        </p:sp>
+        <p:cxnSp>
+          <p:nvCxnSpPr>
+            <p:cNvPr id="12" name="Straight Connector 11"/>
+            <p:cNvCxnSpPr/>
+            <p:nvPr/>
+          </p:nvCxnSpPr>
+          <p:spPr>
+            <a:xfrm>
+              <a:off x="-3765" y="4880373"/>
+              <a:ext cx="9147765" cy="839943"/>
+            </a:xfrm>
+            <a:prstGeom prst="line">
+              <a:avLst/>
+            </a:prstGeom>
+            <a:noFill/>
+            <a:ln w="12065" cap="flat" cmpd="sng" algn="ctr">
+              <a:gradFill>
+                <a:gsLst>
+                  <a:gs pos="45000">
+                    <a:schemeClr val="accent1">
+                      <a:tint val="70000"/>
+                      <a:satMod val="110000"/>
+                    </a:schemeClr>
+                  </a:gs>
+                  <a:gs pos="15000">
+                    <a:schemeClr val="accent1">
+                      <a:shade val="40000"/>
+                      <a:satMod val="110000"/>
+                    </a:schemeClr>
+                  </a:gs>
+                </a:gsLst>
+                <a:lin ang="5400000" scaled="1"/>
+              </a:gradFill>
+              <a:prstDash val="solid"/>
+              <a:miter lim="800000"/>
+            </a:ln>
+            <a:effectLst/>
+          </p:spPr>
+          <p:style>
+            <a:lnRef idx="2">
+              <a:schemeClr val="accent1"/>
+            </a:lnRef>
+            <a:fillRef idx="0">
+              <a:schemeClr val="accent1"/>
+            </a:fillRef>
+            <a:effectRef idx="1">
+              <a:schemeClr val="accent1"/>
+            </a:effectRef>
+            <a:fontRef idx="minor">
+              <a:schemeClr val="tx1"/>
+            </a:fontRef>
+          </p:style>
+        </p:cxnSp>
+      </p:grpSp>
       <p:sp>
         <p:nvSpPr>
           <p:cNvPr id="30" name="Date Placeholder 29"/>
@@ -729,7 +1175,16 @@
         <p:spPr/>
         <p:txBody>
           <a:bodyPr/>
-          <a:lstStyle/>
+          <a:lstStyle>
+            <a:lvl1pPr>
+              <a:defRPr>
+                <a:solidFill>
+                  <a:srgbClr val="FFFFFF"/>
+                </a:solidFill>
+              </a:defRPr>
+            </a:lvl1pPr>
+            <a:extLst/>
+          </a:lstStyle>
           <a:p>
             <a:fld id="{3D2AAC30-1865-4075-B853-EE863C02BBEA}" type="datetimeFigureOut">
               <a:rPr lang="en-US" smtClean="0"/>
@@ -753,7 +1208,18 @@
         <p:spPr/>
         <p:txBody>
           <a:bodyPr/>
-          <a:lstStyle/>
+          <a:lstStyle>
+            <a:lvl1pPr>
+              <a:defRPr>
+                <a:solidFill>
+                  <a:schemeClr val="accent1">
+                    <a:tint val="20000"/>
+                  </a:schemeClr>
+                </a:solidFill>
+              </a:defRPr>
+            </a:lvl1pPr>
+            <a:extLst/>
+          </a:lstStyle>
           <a:p>
             <a:endParaRPr lang="en-US"/>
           </a:p>
@@ -772,7 +1238,16 @@
         <p:spPr/>
         <p:txBody>
           <a:bodyPr/>
-          <a:lstStyle/>
+          <a:lstStyle>
+            <a:lvl1pPr>
+              <a:defRPr>
+                <a:solidFill>
+                  <a:srgbClr val="FFFFFF"/>
+                </a:solidFill>
+              </a:defRPr>
+            </a:lvl1pPr>
+            <a:extLst/>
+          </a:lstStyle>
           <a:p>
             <a:fld id="{CF8BCE74-13A9-4952-9D08-7675832C827C}" type="slidenum">
               <a:rPr lang="en-US" smtClean="0"/>
@@ -786,7 +1261,7 @@
     </p:spTree>
   </p:cSld>
   <p:clrMapOvr>
-    <a:overrideClrMapping bg1="dk1" tx1="lt1" bg2="dk2" tx2="lt2" accent1="accent1" accent2="accent2" accent3="accent3" accent4="accent4" accent5="accent5" accent6="accent6" hlink="hlink" folHlink="folHlink"/>
+    <a:masterClrMapping/>
   </p:clrMapOvr>
 </p:sldLayout>
 </file>
@@ -821,7 +1296,9 @@
         <p:spPr/>
         <p:txBody>
           <a:bodyPr/>
-          <a:lstStyle/>
+          <a:lstStyle>
+            <a:extLst/>
+          </a:lstStyle>
           <a:p>
             <a:r>
               <a:rPr kumimoji="0" lang="en-US" smtClean="0"/>
@@ -841,62 +1318,71 @@
             <p:ph type="body" orient="vert" idx="1"/>
           </p:nvPr>
         </p:nvSpPr>
+        <p:spPr>
+          <a:xfrm>
+            <a:off x="457200" y="1481329"/>
+            <a:ext cx="8229600" cy="4386071"/>
+          </a:xfrm>
+        </p:spPr>
+        <p:txBody>
+          <a:bodyPr vert="eaVert"/>
+          <a:lstStyle>
+            <a:extLst/>
+          </a:lstStyle>
+          <a:p>
+            <a:pPr lvl="0" eaLnBrk="1" latinLnBrk="0" hangingPunct="1"/>
+            <a:r>
+              <a:rPr lang="en-US" smtClean="0"/>
+              <a:t>Click to edit Master text styles</a:t>
+            </a:r>
+          </a:p>
+          <a:p>
+            <a:pPr lvl="1" eaLnBrk="1" latinLnBrk="0" hangingPunct="1"/>
+            <a:r>
+              <a:rPr lang="en-US" smtClean="0"/>
+              <a:t>Second level</a:t>
+            </a:r>
+          </a:p>
+          <a:p>
+            <a:pPr lvl="2" eaLnBrk="1" latinLnBrk="0" hangingPunct="1"/>
+            <a:r>
+              <a:rPr lang="en-US" smtClean="0"/>
+              <a:t>Third level</a:t>
+            </a:r>
+          </a:p>
+          <a:p>
+            <a:pPr lvl="3" eaLnBrk="1" latinLnBrk="0" hangingPunct="1"/>
+            <a:r>
+              <a:rPr lang="en-US" smtClean="0"/>
+              <a:t>Fourth level</a:t>
+            </a:r>
+          </a:p>
+          <a:p>
+            <a:pPr lvl="4" eaLnBrk="1" latinLnBrk="0" hangingPunct="1"/>
+            <a:r>
+              <a:rPr lang="en-US" smtClean="0"/>
+              <a:t>Fifth level</a:t>
+            </a:r>
+            <a:endParaRPr kumimoji="0" lang="en-US"/>
+          </a:p>
+        </p:txBody>
+      </p:sp>
+      <p:sp>
+        <p:nvSpPr>
+          <p:cNvPr id="4" name="Date Placeholder 3"/>
+          <p:cNvSpPr>
+            <a:spLocks noGrp="1"/>
+          </p:cNvSpPr>
+          <p:nvPr>
+            <p:ph type="dt" sz="half" idx="10"/>
+          </p:nvPr>
+        </p:nvSpPr>
         <p:spPr/>
         <p:txBody>
-          <a:bodyPr vert="eaVert"/>
-          <a:lstStyle/>
-          <a:p>
-            <a:pPr lvl="0" eaLnBrk="1" latinLnBrk="0" hangingPunct="1"/>
-            <a:r>
-              <a:rPr lang="en-US" smtClean="0"/>
-              <a:t>Click to edit Master text styles</a:t>
-            </a:r>
-          </a:p>
-          <a:p>
-            <a:pPr lvl="1" eaLnBrk="1" latinLnBrk="0" hangingPunct="1"/>
-            <a:r>
-              <a:rPr lang="en-US" smtClean="0"/>
-              <a:t>Second level</a:t>
-            </a:r>
-          </a:p>
-          <a:p>
-            <a:pPr lvl="2" eaLnBrk="1" latinLnBrk="0" hangingPunct="1"/>
-            <a:r>
-              <a:rPr lang="en-US" smtClean="0"/>
-              <a:t>Third level</a:t>
-            </a:r>
-          </a:p>
-          <a:p>
-            <a:pPr lvl="3" eaLnBrk="1" latinLnBrk="0" hangingPunct="1"/>
-            <a:r>
-              <a:rPr lang="en-US" smtClean="0"/>
-              <a:t>Fourth level</a:t>
-            </a:r>
-          </a:p>
-          <a:p>
-            <a:pPr lvl="4" eaLnBrk="1" latinLnBrk="0" hangingPunct="1"/>
-            <a:r>
-              <a:rPr lang="en-US" smtClean="0"/>
-              <a:t>Fifth level</a:t>
-            </a:r>
-            <a:endParaRPr kumimoji="0" lang="en-US"/>
-          </a:p>
-        </p:txBody>
-      </p:sp>
-      <p:sp>
-        <p:nvSpPr>
-          <p:cNvPr id="4" name="Date Placeholder 3"/>
-          <p:cNvSpPr>
-            <a:spLocks noGrp="1"/>
-          </p:cNvSpPr>
-          <p:nvPr>
-            <p:ph type="dt" sz="half" idx="10"/>
-          </p:nvPr>
-        </p:nvSpPr>
-        <p:spPr/>
-        <p:txBody>
           <a:bodyPr/>
-          <a:lstStyle/>
+          <a:lstStyle>
+            <a:extLst/>
+          </a:lstStyle>
           <a:p>
             <a:fld id="{3D2AAC30-1865-4075-B853-EE863C02BBEA}" type="datetimeFigureOut">
               <a:rPr lang="en-US" smtClean="0"/>
@@ -920,7 +1406,9 @@
         <p:spPr/>
         <p:txBody>
           <a:bodyPr/>
-          <a:lstStyle/>
+          <a:lstStyle>
+            <a:extLst/>
+          </a:lstStyle>
           <a:p>
             <a:endParaRPr lang="en-US"/>
           </a:p>
@@ -939,7 +1427,9 @@
         <p:spPr/>
         <p:txBody>
           <a:bodyPr/>
-          <a:lstStyle/>
+          <a:lstStyle>
+            <a:extLst/>
+          </a:lstStyle>
           <a:p>
             <a:fld id="{CF8BCE74-13A9-4952-9D08-7675832C827C}" type="slidenum">
               <a:rPr lang="en-US" smtClean="0"/>
@@ -987,13 +1477,15 @@
         </p:nvSpPr>
         <p:spPr>
           <a:xfrm>
-            <a:off x="6629400" y="914401"/>
-            <a:ext cx="2057400" cy="5211763"/>
+            <a:off x="6844013" y="274640"/>
+            <a:ext cx="1777470" cy="5592761"/>
           </a:xfrm>
         </p:spPr>
         <p:txBody>
           <a:bodyPr vert="eaVert"/>
-          <a:lstStyle/>
+          <a:lstStyle>
+            <a:extLst/>
+          </a:lstStyle>
           <a:p>
             <a:r>
               <a:rPr kumimoji="0" lang="en-US" smtClean="0"/>
@@ -1015,13 +1507,15 @@
         </p:nvSpPr>
         <p:spPr>
           <a:xfrm>
-            <a:off x="457200" y="914401"/>
-            <a:ext cx="6019800" cy="5211763"/>
+            <a:off x="457200" y="274641"/>
+            <a:ext cx="6324600" cy="5592760"/>
           </a:xfrm>
         </p:spPr>
         <p:txBody>
           <a:bodyPr vert="eaVert"/>
-          <a:lstStyle/>
+          <a:lstStyle>
+            <a:extLst/>
+          </a:lstStyle>
           <a:p>
             <a:pPr lvl="0" eaLnBrk="1" latinLnBrk="0" hangingPunct="1"/>
             <a:r>
@@ -1073,7 +1567,9 @@
         <p:spPr/>
         <p:txBody>
           <a:bodyPr/>
-          <a:lstStyle/>
+          <a:lstStyle>
+            <a:extLst/>
+          </a:lstStyle>
           <a:p>
             <a:fld id="{3D2AAC30-1865-4075-B853-EE863C02BBEA}" type="datetimeFigureOut">
               <a:rPr lang="en-US" smtClean="0"/>
@@ -1097,7 +1593,9 @@
         <p:spPr/>
         <p:txBody>
           <a:bodyPr/>
-          <a:lstStyle/>
+          <a:lstStyle>
+            <a:extLst/>
+          </a:lstStyle>
           <a:p>
             <a:endParaRPr lang="en-US"/>
           </a:p>
@@ -1116,7 +1614,9 @@
         <p:spPr/>
         <p:txBody>
           <a:bodyPr/>
-          <a:lstStyle/>
+          <a:lstStyle>
+            <a:extLst/>
+          </a:lstStyle>
           <a:p>
             <a:fld id="{CF8BCE74-13A9-4952-9D08-7675832C827C}" type="slidenum">
               <a:rPr lang="en-US" smtClean="0"/>
@@ -1154,22 +1654,53 @@
       </p:grpSpPr>
       <p:sp>
         <p:nvSpPr>
-          <p:cNvPr id="2" name="Title 1"/>
-          <p:cNvSpPr>
-            <a:spLocks noGrp="1"/>
-          </p:cNvSpPr>
-          <p:nvPr>
-            <p:ph type="title"/>
+          <p:cNvPr id="3" name="Content Placeholder 2"/>
+          <p:cNvSpPr>
+            <a:spLocks noGrp="1"/>
+          </p:cNvSpPr>
+          <p:nvPr>
+            <p:ph idx="1"/>
           </p:nvPr>
         </p:nvSpPr>
         <p:spPr/>
         <p:txBody>
           <a:bodyPr/>
-          <a:lstStyle/>
-          <a:p>
-            <a:r>
-              <a:rPr kumimoji="0" lang="en-US" smtClean="0"/>
-              <a:t>Click to edit Master title style</a:t>
+          <a:lstStyle>
+            <a:extLst/>
+          </a:lstStyle>
+          <a:p>
+            <a:pPr lvl="0" eaLnBrk="1" latinLnBrk="0" hangingPunct="1"/>
+            <a:r>
+              <a:rPr lang="en-US" smtClean="0"/>
+              <a:t>Click to edit Master text styles</a:t>
+            </a:r>
+          </a:p>
+          <a:p>
+            <a:pPr lvl="1" eaLnBrk="1" latinLnBrk="0" hangingPunct="1"/>
+            <a:r>
+              <a:rPr lang="en-US" smtClean="0"/>
+              <a:t>Second level</a:t>
+            </a:r>
+          </a:p>
+          <a:p>
+            <a:pPr lvl="2" eaLnBrk="1" latinLnBrk="0" hangingPunct="1"/>
+            <a:r>
+              <a:rPr lang="en-US" smtClean="0"/>
+              <a:t>Third level</a:t>
+            </a:r>
+          </a:p>
+          <a:p>
+            <a:pPr lvl="3" eaLnBrk="1" latinLnBrk="0" hangingPunct="1"/>
+            <a:r>
+              <a:rPr lang="en-US" smtClean="0"/>
+              <a:t>Fourth level</a:t>
+            </a:r>
+          </a:p>
+          <a:p>
+            <a:pPr lvl="4" eaLnBrk="1" latinLnBrk="0" hangingPunct="1"/>
+            <a:r>
+              <a:rPr lang="en-US" smtClean="0"/>
+              <a:t>Fifth level</a:t>
             </a:r>
             <a:endParaRPr kumimoji="0" lang="en-US"/>
           </a:p>
@@ -1177,70 +1708,20 @@
       </p:sp>
       <p:sp>
         <p:nvSpPr>
-          <p:cNvPr id="3" name="Content Placeholder 2"/>
-          <p:cNvSpPr>
-            <a:spLocks noGrp="1"/>
-          </p:cNvSpPr>
-          <p:nvPr>
-            <p:ph idx="1"/>
+          <p:cNvPr id="4" name="Date Placeholder 3"/>
+          <p:cNvSpPr>
+            <a:spLocks noGrp="1"/>
+          </p:cNvSpPr>
+          <p:nvPr>
+            <p:ph type="dt" sz="half" idx="10"/>
           </p:nvPr>
         </p:nvSpPr>
         <p:spPr/>
         <p:txBody>
           <a:bodyPr/>
-          <a:lstStyle/>
-          <a:p>
-            <a:pPr lvl="0" eaLnBrk="1" latinLnBrk="0" hangingPunct="1"/>
-            <a:r>
-              <a:rPr lang="en-US" smtClean="0"/>
-              <a:t>Click to edit Master text styles</a:t>
-            </a:r>
-          </a:p>
-          <a:p>
-            <a:pPr lvl="1" eaLnBrk="1" latinLnBrk="0" hangingPunct="1"/>
-            <a:r>
-              <a:rPr lang="en-US" smtClean="0"/>
-              <a:t>Second level</a:t>
-            </a:r>
-          </a:p>
-          <a:p>
-            <a:pPr lvl="2" eaLnBrk="1" latinLnBrk="0" hangingPunct="1"/>
-            <a:r>
-              <a:rPr lang="en-US" smtClean="0"/>
-              <a:t>Third level</a:t>
-            </a:r>
-          </a:p>
-          <a:p>
-            <a:pPr lvl="3" eaLnBrk="1" latinLnBrk="0" hangingPunct="1"/>
-            <a:r>
-              <a:rPr lang="en-US" smtClean="0"/>
-              <a:t>Fourth level</a:t>
-            </a:r>
-          </a:p>
-          <a:p>
-            <a:pPr lvl="4" eaLnBrk="1" latinLnBrk="0" hangingPunct="1"/>
-            <a:r>
-              <a:rPr lang="en-US" smtClean="0"/>
-              <a:t>Fifth level</a:t>
-            </a:r>
-            <a:endParaRPr kumimoji="0" lang="en-US"/>
-          </a:p>
-        </p:txBody>
-      </p:sp>
-      <p:sp>
-        <p:nvSpPr>
-          <p:cNvPr id="4" name="Date Placeholder 3"/>
-          <p:cNvSpPr>
-            <a:spLocks noGrp="1"/>
-          </p:cNvSpPr>
-          <p:nvPr>
-            <p:ph type="dt" sz="half" idx="10"/>
-          </p:nvPr>
-        </p:nvSpPr>
-        <p:spPr/>
-        <p:txBody>
-          <a:bodyPr/>
-          <a:lstStyle/>
+          <a:lstStyle>
+            <a:extLst/>
+          </a:lstStyle>
           <a:p>
             <a:fld id="{3D2AAC30-1865-4075-B853-EE863C02BBEA}" type="datetimeFigureOut">
               <a:rPr lang="en-US" smtClean="0"/>
@@ -1264,7 +1745,9 @@
         <p:spPr/>
         <p:txBody>
           <a:bodyPr/>
-          <a:lstStyle/>
+          <a:lstStyle>
+            <a:extLst/>
+          </a:lstStyle>
           <a:p>
             <a:endParaRPr lang="en-US"/>
           </a:p>
@@ -1283,7 +1766,9 @@
         <p:spPr/>
         <p:txBody>
           <a:bodyPr/>
-          <a:lstStyle/>
+          <a:lstStyle>
+            <a:extLst/>
+          </a:lstStyle>
           <a:p>
             <a:fld id="{CF8BCE74-13A9-4952-9D08-7675832C827C}" type="slidenum">
               <a:rPr lang="en-US" smtClean="0"/>
@@ -1291,6 +1776,31 @@
               <a:t>‹#›</a:t>
             </a:fld>
             <a:endParaRPr lang="en-US"/>
+          </a:p>
+        </p:txBody>
+      </p:sp>
+      <p:sp>
+        <p:nvSpPr>
+          <p:cNvPr id="7" name="Title 6"/>
+          <p:cNvSpPr>
+            <a:spLocks noGrp="1"/>
+          </p:cNvSpPr>
+          <p:nvPr>
+            <p:ph type="title"/>
+          </p:nvPr>
+        </p:nvSpPr>
+        <p:spPr/>
+        <p:txBody>
+          <a:bodyPr rtlCol="0"/>
+          <a:lstStyle>
+            <a:extLst/>
+          </a:lstStyle>
+          <a:p>
+            <a:r>
+              <a:rPr kumimoji="0" lang="en-US" smtClean="0"/>
+              <a:t>Click to edit Master title style</a:t>
+            </a:r>
+            <a:endParaRPr kumimoji="0" lang="en-US"/>
           </a:p>
         </p:txBody>
       </p:sp>
@@ -1307,7 +1817,7 @@
   <p:cSld name="Section Header">
     <p:bg>
       <p:bgRef idx="1002">
-        <a:schemeClr val="bg2"/>
+        <a:schemeClr val="bg1"/>
       </p:bgRef>
     </p:bg>
     <p:spTree>
@@ -1336,54 +1846,35 @@
         </p:nvSpPr>
         <p:spPr>
           <a:xfrm>
-            <a:off x="530352" y="1316736"/>
-            <a:ext cx="7772400" cy="1362456"/>
+            <a:off x="722376" y="1059712"/>
+            <a:ext cx="7772400" cy="1828800"/>
           </a:xfrm>
-          <a:ln>
-            <a:noFill/>
-          </a:ln>
         </p:spPr>
         <p:txBody>
-          <a:bodyPr vert="horz" tIns="0" bIns="0" anchor="b">
-            <a:noAutofit/>
+          <a:bodyPr vert="horz" anchor="b">
+            <a:normAutofit/>
             <a:scene3d>
               <a:camera prst="orthographicFront"/>
-              <a:lightRig rig="freezing" dir="t">
-                <a:rot lat="0" lon="0" rev="5640000"/>
-              </a:lightRig>
+              <a:lightRig rig="soft" dir="t"/>
             </a:scene3d>
-            <a:sp3d prstMaterial="flat">
-              <a:bevelT w="38100" h="38100"/>
+            <a:sp3d prstMaterial="softEdge">
+              <a:bevelT w="25400" h="25400"/>
             </a:sp3d>
           </a:bodyPr>
           <a:lstStyle>
-            <a:lvl1pPr algn="l" rtl="0">
-              <a:spcBef>
-                <a:spcPct val="0"/>
-              </a:spcBef>
+            <a:lvl1pPr algn="r">
               <a:buNone/>
-              <a:defRPr lang="en-US" sz="5600" b="1" cap="none" baseline="0" dirty="0">
-                <a:ln w="635">
-                  <a:noFill/>
-                </a:ln>
-                <a:solidFill>
-                  <a:schemeClr val="accent4">
-                    <a:tint val="90000"/>
-                    <a:satMod val="125000"/>
-                  </a:schemeClr>
-                </a:solidFill>
+              <a:defRPr sz="4800" b="1" cap="none" baseline="0">
                 <a:effectLst>
-                  <a:outerShdw blurRad="38100" dist="25400" dir="5400000" algn="tl" rotWithShape="0">
+                  <a:outerShdw blurRad="31750" dist="25400" dir="5400000" algn="tl" rotWithShape="0">
                     <a:srgbClr val="000000">
-                      <a:alpha val="43000"/>
+                      <a:alpha val="25000"/>
                     </a:srgbClr>
                   </a:outerShdw>
                 </a:effectLst>
-                <a:latin typeface="+mj-lt"/>
-                <a:ea typeface="+mj-ea"/>
-                <a:cs typeface="+mj-cs"/>
               </a:defRPr>
             </a:lvl1pPr>
+            <a:extLst/>
           </a:lstStyle>
           <a:p>
             <a:r>
@@ -1406,16 +1897,16 @@
         </p:nvSpPr>
         <p:spPr>
           <a:xfrm>
-            <a:off x="530352" y="2704664"/>
-            <a:ext cx="7772400" cy="1509712"/>
+            <a:off x="3922713" y="2931712"/>
+            <a:ext cx="4572000" cy="1454888"/>
           </a:xfrm>
         </p:spPr>
         <p:txBody>
-          <a:bodyPr lIns="45720" rIns="45720" anchor="t"/>
-          <a:lstStyle>
-            <a:lvl1pPr marL="0" indent="0">
+          <a:bodyPr lIns="91440" rIns="91440" anchor="t"/>
+          <a:lstStyle>
+            <a:lvl1pPr marL="0" indent="0" algn="l">
               <a:buNone/>
-              <a:defRPr sz="2200">
+              <a:defRPr sz="2300">
                 <a:solidFill>
                   <a:schemeClr val="tx1"/>
                 </a:solidFill>
@@ -1461,6 +1952,7 @@
                 </a:solidFill>
               </a:defRPr>
             </a:lvl5pPr>
+            <a:extLst/>
           </a:lstStyle>
           <a:p>
             <a:pPr lvl="0" eaLnBrk="1" latinLnBrk="0" hangingPunct="1"/>
@@ -1484,7 +1976,9 @@
         <p:spPr/>
         <p:txBody>
           <a:bodyPr/>
-          <a:lstStyle/>
+          <a:lstStyle>
+            <a:extLst/>
+          </a:lstStyle>
           <a:p>
             <a:fld id="{3D2AAC30-1865-4075-B853-EE863C02BBEA}" type="datetimeFigureOut">
               <a:rPr lang="en-US" smtClean="0"/>
@@ -1508,7 +2002,9 @@
         <p:spPr/>
         <p:txBody>
           <a:bodyPr/>
-          <a:lstStyle/>
+          <a:lstStyle>
+            <a:extLst/>
+          </a:lstStyle>
           <a:p>
             <a:endParaRPr lang="en-US"/>
           </a:p>
@@ -1527,7 +2023,9 @@
         <p:spPr/>
         <p:txBody>
           <a:bodyPr/>
-          <a:lstStyle/>
+          <a:lstStyle>
+            <a:extLst/>
+          </a:lstStyle>
           <a:p>
             <a:fld id="{CF8BCE74-13A9-4952-9D08-7675832C827C}" type="slidenum">
               <a:rPr lang="en-US" smtClean="0"/>
@@ -1535,6 +2033,166 @@
               <a:t>‹#›</a:t>
             </a:fld>
             <a:endParaRPr lang="en-US"/>
+          </a:p>
+        </p:txBody>
+      </p:sp>
+      <p:sp>
+        <p:nvSpPr>
+          <p:cNvPr id="7" name="Chevron 6"/>
+          <p:cNvSpPr/>
+          <p:nvPr/>
+        </p:nvSpPr>
+        <p:spPr>
+          <a:xfrm>
+            <a:off x="3636680" y="3005472"/>
+            <a:ext cx="182880" cy="228600"/>
+          </a:xfrm>
+          <a:prstGeom prst="chevron">
+            <a:avLst>
+              <a:gd name="adj" fmla="val 50000"/>
+            </a:avLst>
+          </a:prstGeom>
+          <a:gradFill flip="none" rotWithShape="1">
+            <a:gsLst>
+              <a:gs pos="0">
+                <a:schemeClr val="accent1">
+                  <a:shade val="60000"/>
+                  <a:satMod val="125000"/>
+                </a:schemeClr>
+              </a:gs>
+              <a:gs pos="72000">
+                <a:schemeClr val="accent1">
+                  <a:tint val="90000"/>
+                  <a:satMod val="138000"/>
+                </a:schemeClr>
+              </a:gs>
+              <a:gs pos="100000">
+                <a:schemeClr val="accent1">
+                  <a:tint val="76000"/>
+                  <a:satMod val="136000"/>
+                </a:schemeClr>
+              </a:gs>
+            </a:gsLst>
+            <a:lin ang="16200000" scaled="0"/>
+          </a:gradFill>
+          <a:ln w="3175" cap="rnd" cmpd="sng" algn="ctr">
+            <a:solidFill>
+              <a:schemeClr val="accent1">
+                <a:shade val="50000"/>
+              </a:schemeClr>
+            </a:solidFill>
+            <a:prstDash val="solid"/>
+          </a:ln>
+          <a:effectLst>
+            <a:outerShdw blurRad="50800" dist="25400" dir="5400000">
+              <a:srgbClr val="000000">
+                <a:alpha val="46000"/>
+              </a:srgbClr>
+            </a:outerShdw>
+          </a:effectLst>
+        </p:spPr>
+        <p:style>
+          <a:lnRef idx="1">
+            <a:schemeClr val="accent1"/>
+          </a:lnRef>
+          <a:fillRef idx="3">
+            <a:schemeClr val="accent1"/>
+          </a:fillRef>
+          <a:effectRef idx="2">
+            <a:schemeClr val="accent1"/>
+          </a:effectRef>
+          <a:fontRef idx="minor">
+            <a:schemeClr val="lt1"/>
+          </a:fontRef>
+        </p:style>
+        <p:txBody>
+          <a:bodyPr anchor="ctr"/>
+          <a:lstStyle>
+            <a:extLst/>
+          </a:lstStyle>
+          <a:p>
+            <a:pPr algn="l" eaLnBrk="1" latinLnBrk="0" hangingPunct="1"/>
+            <a:endParaRPr kumimoji="0" lang="en-US"/>
+          </a:p>
+        </p:txBody>
+      </p:sp>
+      <p:sp>
+        <p:nvSpPr>
+          <p:cNvPr id="8" name="Chevron 7"/>
+          <p:cNvSpPr/>
+          <p:nvPr/>
+        </p:nvSpPr>
+        <p:spPr>
+          <a:xfrm>
+            <a:off x="3450264" y="3005472"/>
+            <a:ext cx="182880" cy="228600"/>
+          </a:xfrm>
+          <a:prstGeom prst="chevron">
+            <a:avLst>
+              <a:gd name="adj" fmla="val 50000"/>
+            </a:avLst>
+          </a:prstGeom>
+          <a:gradFill flip="none" rotWithShape="1">
+            <a:gsLst>
+              <a:gs pos="0">
+                <a:schemeClr val="accent1">
+                  <a:shade val="60000"/>
+                  <a:satMod val="125000"/>
+                </a:schemeClr>
+              </a:gs>
+              <a:gs pos="72000">
+                <a:schemeClr val="accent1">
+                  <a:tint val="90000"/>
+                  <a:satMod val="138000"/>
+                </a:schemeClr>
+              </a:gs>
+              <a:gs pos="100000">
+                <a:schemeClr val="accent1">
+                  <a:tint val="76000"/>
+                  <a:satMod val="136000"/>
+                </a:schemeClr>
+              </a:gs>
+            </a:gsLst>
+            <a:lin ang="16200000" scaled="0"/>
+          </a:gradFill>
+          <a:ln w="3175" cap="rnd" cmpd="sng" algn="ctr">
+            <a:solidFill>
+              <a:schemeClr val="accent1">
+                <a:shade val="50000"/>
+              </a:schemeClr>
+            </a:solidFill>
+            <a:prstDash val="solid"/>
+          </a:ln>
+          <a:effectLst>
+            <a:outerShdw blurRad="50800" dist="25400" dir="5400000">
+              <a:srgbClr val="000000">
+                <a:alpha val="46000"/>
+              </a:srgbClr>
+            </a:outerShdw>
+          </a:effectLst>
+        </p:spPr>
+        <p:style>
+          <a:lnRef idx="1">
+            <a:schemeClr val="accent1"/>
+          </a:lnRef>
+          <a:fillRef idx="3">
+            <a:schemeClr val="accent1"/>
+          </a:fillRef>
+          <a:effectRef idx="2">
+            <a:schemeClr val="accent1"/>
+          </a:effectRef>
+          <a:fontRef idx="minor">
+            <a:schemeClr val="lt1"/>
+          </a:fontRef>
+        </p:style>
+        <p:txBody>
+          <a:bodyPr anchor="ctr"/>
+          <a:lstStyle>
+            <a:extLst/>
+          </a:lstStyle>
+          <a:p>
+            <a:pPr algn="l" eaLnBrk="1" latinLnBrk="0" hangingPunct="1"/>
+            <a:endParaRPr kumimoji="0" lang="en-US"/>
           </a:p>
         </p:txBody>
       </p:sp>
@@ -1549,6 +2207,11 @@
 <file path=ppt/slideLayouts/slideLayout4.xml><?xml version="1.0" encoding="utf-8"?>
 <p:sldLayout xmlns:a="http://schemas.openxmlformats.org/drawingml/2006/main" xmlns:r="http://schemas.openxmlformats.org/officeDocument/2006/relationships" xmlns:p="http://schemas.openxmlformats.org/presentationml/2006/main" type="twoObj" preserve="1">
   <p:cSld name="Two Content">
+    <p:bg>
+      <p:bgRef idx="1002">
+        <a:schemeClr val="bg1"/>
+      </p:bgRef>
+    </p:bg>
     <p:spTree>
       <p:nvGrpSpPr>
         <p:cNvPr id="1" name=""/>
@@ -1565,53 +2228,25 @@
       </p:grpSpPr>
       <p:sp>
         <p:nvSpPr>
-          <p:cNvPr id="2" name="Title 1"/>
-          <p:cNvSpPr>
-            <a:spLocks noGrp="1"/>
-          </p:cNvSpPr>
-          <p:nvPr>
-            <p:ph type="title"/>
+          <p:cNvPr id="3" name="Content Placeholder 2"/>
+          <p:cNvSpPr>
+            <a:spLocks noGrp="1"/>
+          </p:cNvSpPr>
+          <p:nvPr>
+            <p:ph sz="half" idx="1"/>
           </p:nvPr>
         </p:nvSpPr>
         <p:spPr>
           <a:xfrm>
-            <a:off x="457200" y="704088"/>
-            <a:ext cx="8229600" cy="1143000"/>
+            <a:off x="457200" y="1481328"/>
+            <a:ext cx="4038600" cy="4525963"/>
           </a:xfrm>
         </p:spPr>
         <p:txBody>
           <a:bodyPr/>
-          <a:lstStyle/>
-          <a:p>
-            <a:r>
-              <a:rPr kumimoji="0" lang="en-US" smtClean="0"/>
-              <a:t>Click to edit Master title style</a:t>
-            </a:r>
-            <a:endParaRPr kumimoji="0" lang="en-US"/>
-          </a:p>
-        </p:txBody>
-      </p:sp>
-      <p:sp>
-        <p:nvSpPr>
-          <p:cNvPr id="3" name="Content Placeholder 2"/>
-          <p:cNvSpPr>
-            <a:spLocks noGrp="1"/>
-          </p:cNvSpPr>
-          <p:nvPr>
-            <p:ph sz="half" idx="1"/>
-          </p:nvPr>
-        </p:nvSpPr>
-        <p:spPr>
-          <a:xfrm>
-            <a:off x="457200" y="1920085"/>
-            <a:ext cx="4038600" cy="4434840"/>
-          </a:xfrm>
-        </p:spPr>
-        <p:txBody>
-          <a:bodyPr/>
           <a:lstStyle>
             <a:lvl1pPr>
-              <a:defRPr sz="2600"/>
+              <a:defRPr sz="2800"/>
             </a:lvl1pPr>
             <a:lvl2pPr>
               <a:defRPr sz="2400"/>
@@ -1625,6 +2260,7 @@
             <a:lvl5pPr>
               <a:defRPr sz="1800"/>
             </a:lvl5pPr>
+            <a:extLst/>
           </a:lstStyle>
           <a:p>
             <a:pPr lvl="0" eaLnBrk="1" latinLnBrk="0" hangingPunct="1"/>
@@ -1676,15 +2312,15 @@
         </p:nvSpPr>
         <p:spPr>
           <a:xfrm>
-            <a:off x="4648200" y="1920085"/>
-            <a:ext cx="4038600" cy="4434840"/>
+            <a:off x="4648200" y="1481328"/>
+            <a:ext cx="4038600" cy="4525963"/>
           </a:xfrm>
         </p:spPr>
         <p:txBody>
           <a:bodyPr/>
           <a:lstStyle>
             <a:lvl1pPr>
-              <a:defRPr sz="2600"/>
+              <a:defRPr sz="2800"/>
             </a:lvl1pPr>
             <a:lvl2pPr>
               <a:defRPr sz="2400"/>
@@ -1698,6 +2334,7 @@
             <a:lvl5pPr>
               <a:defRPr sz="1800"/>
             </a:lvl5pPr>
+            <a:extLst/>
           </a:lstStyle>
           <a:p>
             <a:pPr lvl="0" eaLnBrk="1" latinLnBrk="0" hangingPunct="1"/>
@@ -1750,7 +2387,9 @@
         <p:spPr/>
         <p:txBody>
           <a:bodyPr/>
-          <a:lstStyle/>
+          <a:lstStyle>
+            <a:extLst/>
+          </a:lstStyle>
           <a:p>
             <a:fld id="{3D2AAC30-1865-4075-B853-EE863C02BBEA}" type="datetimeFigureOut">
               <a:rPr lang="en-US" smtClean="0"/>
@@ -1774,7 +2413,9 @@
         <p:spPr/>
         <p:txBody>
           <a:bodyPr/>
-          <a:lstStyle/>
+          <a:lstStyle>
+            <a:extLst/>
+          </a:lstStyle>
           <a:p>
             <a:endParaRPr lang="en-US"/>
           </a:p>
@@ -1793,7 +2434,9 @@
         <p:spPr/>
         <p:txBody>
           <a:bodyPr/>
-          <a:lstStyle/>
+          <a:lstStyle>
+            <a:extLst/>
+          </a:lstStyle>
           <a:p>
             <a:fld id="{CF8BCE74-13A9-4952-9D08-7675832C827C}" type="slidenum">
               <a:rPr lang="en-US" smtClean="0"/>
@@ -1804,17 +2447,47 @@
           </a:p>
         </p:txBody>
       </p:sp>
+      <p:sp>
+        <p:nvSpPr>
+          <p:cNvPr id="8" name="Title 7"/>
+          <p:cNvSpPr>
+            <a:spLocks noGrp="1"/>
+          </p:cNvSpPr>
+          <p:nvPr>
+            <p:ph type="title"/>
+          </p:nvPr>
+        </p:nvSpPr>
+        <p:spPr/>
+        <p:txBody>
+          <a:bodyPr rtlCol="0"/>
+          <a:lstStyle>
+            <a:extLst/>
+          </a:lstStyle>
+          <a:p>
+            <a:r>
+              <a:rPr kumimoji="0" lang="en-US" smtClean="0"/>
+              <a:t>Click to edit Master title style</a:t>
+            </a:r>
+            <a:endParaRPr kumimoji="0" lang="en-US"/>
+          </a:p>
+        </p:txBody>
+      </p:sp>
     </p:spTree>
   </p:cSld>
   <p:clrMapOvr>
-    <a:masterClrMapping/>
+    <a:overrideClrMapping bg1="dk1" tx1="lt1" bg2="dk2" tx2="lt2" accent1="accent1" accent2="accent2" accent3="accent3" accent4="accent4" accent5="accent5" accent6="accent6" hlink="hlink" folHlink="folHlink"/>
   </p:clrMapOvr>
 </p:sldLayout>
 </file>
 
 <file path=ppt/slideLayouts/slideLayout5.xml><?xml version="1.0" encoding="utf-8"?>
-<p:sldLayout xmlns:a="http://schemas.openxmlformats.org/drawingml/2006/main" xmlns:r="http://schemas.openxmlformats.org/officeDocument/2006/relationships" xmlns:p="http://schemas.openxmlformats.org/presentationml/2006/main" type="twoTxTwoObj" preserve="1">
+<p:sldLayout xmlns:a="http://schemas.openxmlformats.org/drawingml/2006/main" xmlns:r="http://schemas.openxmlformats.org/officeDocument/2006/relationships" xmlns:p="http://schemas.openxmlformats.org/presentationml/2006/main" showMasterSp="0" type="twoTxTwoObj" preserve="1">
   <p:cSld name="Comparison">
+    <p:bg>
+      <p:bgRef idx="1003">
+        <a:schemeClr val="bg1"/>
+      </p:bgRef>
+    </p:bg>
     <p:spTree>
       <p:nvGrpSpPr>
         <p:cNvPr id="1" name=""/>
@@ -1841,16 +2514,17 @@
         </p:nvSpPr>
         <p:spPr>
           <a:xfrm>
-            <a:off x="457200" y="704088"/>
+            <a:off x="457200" y="273050"/>
             <a:ext cx="8229600" cy="1143000"/>
           </a:xfrm>
         </p:spPr>
         <p:txBody>
-          <a:bodyPr tIns="45720" anchor="b"/>
+          <a:bodyPr anchor="ctr"/>
           <a:lstStyle>
             <a:lvl1pPr>
               <a:defRPr/>
             </a:lvl1pPr>
+            <a:extLst/>
           </a:lstStyle>
           <a:p>
             <a:r>
@@ -1873,22 +2547,28 @@
         </p:nvSpPr>
         <p:spPr>
           <a:xfrm>
-            <a:off x="457200" y="1855248"/>
-            <a:ext cx="4040188" cy="659352"/>
+            <a:off x="457200" y="5410200"/>
+            <a:ext cx="4040188" cy="762000"/>
           </a:xfrm>
+          <a:solidFill>
+            <a:schemeClr val="accent1"/>
+          </a:solidFill>
+          <a:ln w="9652">
+            <a:solidFill>
+              <a:schemeClr val="accent1"/>
+            </a:solidFill>
+            <a:miter lim="800000"/>
+          </a:ln>
         </p:spPr>
         <p:txBody>
-          <a:bodyPr lIns="45720" tIns="0" rIns="45720" bIns="0" anchor="ctr">
-            <a:noAutofit/>
-          </a:bodyPr>
+          <a:bodyPr lIns="182880" anchor="ctr"/>
           <a:lstStyle>
             <a:lvl1pPr marL="0" indent="0">
               <a:buNone/>
-              <a:defRPr sz="2400" b="1" cap="none" baseline="0">
+              <a:defRPr sz="2400" b="0">
                 <a:solidFill>
-                  <a:schemeClr val="tx2"/>
+                  <a:schemeClr val="bg1"/>
                 </a:solidFill>
-                <a:effectLst/>
               </a:defRPr>
             </a:lvl1pPr>
             <a:lvl2pPr>
@@ -1907,6 +2587,7 @@
               <a:buNone/>
               <a:defRPr sz="1600" b="1"/>
             </a:lvl5pPr>
+            <a:extLst/>
           </a:lstStyle>
           <a:p>
             <a:pPr lvl="0" eaLnBrk="1" latinLnBrk="0" hangingPunct="1"/>
@@ -1929,20 +2610,28 @@
         </p:nvSpPr>
         <p:spPr>
           <a:xfrm>
-            <a:off x="4645025" y="1859757"/>
-            <a:ext cx="4041775" cy="654843"/>
+            <a:off x="4645026" y="5410200"/>
+            <a:ext cx="4041775" cy="762000"/>
           </a:xfrm>
+          <a:solidFill>
+            <a:schemeClr val="accent1"/>
+          </a:solidFill>
+          <a:ln w="9652">
+            <a:solidFill>
+              <a:schemeClr val="accent1"/>
+            </a:solidFill>
+            <a:miter lim="800000"/>
+          </a:ln>
         </p:spPr>
         <p:txBody>
-          <a:bodyPr lIns="45720" tIns="0" rIns="45720" bIns="0" anchor="ctr"/>
+          <a:bodyPr lIns="182880" anchor="ctr"/>
           <a:lstStyle>
             <a:lvl1pPr marL="0" indent="0">
               <a:buNone/>
-              <a:defRPr sz="2400" b="1" cap="none" baseline="0">
+              <a:defRPr sz="2400" b="0">
                 <a:solidFill>
-                  <a:schemeClr val="tx2"/>
+                  <a:schemeClr val="bg1"/>
                 </a:solidFill>
-                <a:effectLst/>
               </a:defRPr>
             </a:lvl1pPr>
             <a:lvl2pPr>
@@ -1961,6 +2650,7 @@
               <a:buNone/>
               <a:defRPr sz="1600" b="1"/>
             </a:lvl5pPr>
+            <a:extLst/>
           </a:lstStyle>
           <a:p>
             <a:pPr lvl="0" eaLnBrk="1" latinLnBrk="0" hangingPunct="1"/>
@@ -1983,15 +2673,20 @@
         </p:nvSpPr>
         <p:spPr>
           <a:xfrm>
-            <a:off x="457200" y="2514600"/>
-            <a:ext cx="4040188" cy="3845720"/>
+            <a:off x="457200" y="1444294"/>
+            <a:ext cx="4040188" cy="3941763"/>
           </a:xfrm>
+          <a:ln>
+            <a:noFill/>
+            <a:prstDash val="sysDash"/>
+            <a:miter lim="800000"/>
+          </a:ln>
         </p:spPr>
         <p:txBody>
-          <a:bodyPr tIns="0"/>
+          <a:bodyPr/>
           <a:lstStyle>
             <a:lvl1pPr>
-              <a:defRPr sz="2200"/>
+              <a:defRPr sz="2400"/>
             </a:lvl1pPr>
             <a:lvl2pPr>
               <a:defRPr sz="2000"/>
@@ -2005,6 +2700,7 @@
             <a:lvl5pPr>
               <a:defRPr sz="1600"/>
             </a:lvl5pPr>
+            <a:extLst/>
           </a:lstStyle>
           <a:p>
             <a:pPr lvl="0" eaLnBrk="1" latinLnBrk="0" hangingPunct="1"/>
@@ -2056,15 +2752,23 @@
         </p:nvSpPr>
         <p:spPr>
           <a:xfrm>
-            <a:off x="4645025" y="2514600"/>
-            <a:ext cx="4041775" cy="3845720"/>
+            <a:off x="4645025" y="1444294"/>
+            <a:ext cx="4041775" cy="3941763"/>
           </a:xfrm>
+          <a:ln>
+            <a:noFill/>
+            <a:prstDash val="sysDash"/>
+            <a:miter lim="800000"/>
+          </a:ln>
         </p:spPr>
         <p:txBody>
-          <a:bodyPr tIns="0"/>
+          <a:bodyPr/>
           <a:lstStyle>
             <a:lvl1pPr>
-              <a:defRPr sz="2200"/>
+              <a:spcBef>
+                <a:spcPts val="0"/>
+              </a:spcBef>
+              <a:defRPr sz="2400"/>
             </a:lvl1pPr>
             <a:lvl2pPr>
               <a:defRPr sz="2000"/>
@@ -2078,6 +2782,7 @@
             <a:lvl5pPr>
               <a:defRPr sz="1600"/>
             </a:lvl5pPr>
+            <a:extLst/>
           </a:lstStyle>
           <a:p>
             <a:pPr lvl="0" eaLnBrk="1" latinLnBrk="0" hangingPunct="1"/>
@@ -2130,7 +2835,9 @@
         <p:spPr/>
         <p:txBody>
           <a:bodyPr/>
-          <a:lstStyle/>
+          <a:lstStyle>
+            <a:extLst/>
+          </a:lstStyle>
           <a:p>
             <a:fld id="{3D2AAC30-1865-4075-B853-EE863C02BBEA}" type="datetimeFigureOut">
               <a:rPr lang="en-US" smtClean="0"/>
@@ -2154,7 +2861,9 @@
         <p:spPr/>
         <p:txBody>
           <a:bodyPr/>
-          <a:lstStyle/>
+          <a:lstStyle>
+            <a:extLst/>
+          </a:lstStyle>
           <a:p>
             <a:endParaRPr lang="en-US"/>
           </a:p>
@@ -2173,7 +2882,9 @@
         <p:spPr/>
         <p:txBody>
           <a:bodyPr/>
-          <a:lstStyle/>
+          <a:lstStyle>
+            <a:extLst/>
+          </a:lstStyle>
           <a:p>
             <a:fld id="{CF8BCE74-13A9-4952-9D08-7675832C827C}" type="slidenum">
               <a:rPr lang="en-US" smtClean="0"/>
@@ -2187,7 +2898,7 @@
     </p:spTree>
   </p:cSld>
   <p:clrMapOvr>
-    <a:masterClrMapping/>
+    <a:overrideClrMapping bg1="lt1" tx1="dk1" bg2="lt2" tx2="dk2" accent1="accent1" accent2="accent2" accent3="accent3" accent4="accent4" accent5="accent5" accent6="accent6" hlink="hlink" folHlink="folHlink"/>
   </p:clrMapOvr>
 </p:sldLayout>
 </file>
@@ -2195,6 +2906,11 @@
 <file path=ppt/slideLayouts/slideLayout6.xml><?xml version="1.0" encoding="utf-8"?>
 <p:sldLayout xmlns:a="http://schemas.openxmlformats.org/drawingml/2006/main" xmlns:r="http://schemas.openxmlformats.org/officeDocument/2006/relationships" xmlns:p="http://schemas.openxmlformats.org/presentationml/2006/main" type="titleOnly" preserve="1">
   <p:cSld name="Title Only">
+    <p:bg>
+      <p:bgRef idx="1002">
+        <a:schemeClr val="bg1"/>
+      </p:bgRef>
+    </p:bg>
     <p:spTree>
       <p:nvGrpSpPr>
         <p:cNvPr id="1" name=""/>
@@ -2211,66 +2927,6 @@
       </p:grpSpPr>
       <p:sp>
         <p:nvSpPr>
-          <p:cNvPr id="2" name="Title 1"/>
-          <p:cNvSpPr>
-            <a:spLocks noGrp="1"/>
-          </p:cNvSpPr>
-          <p:nvPr>
-            <p:ph type="title"/>
-          </p:nvPr>
-        </p:nvSpPr>
-        <p:spPr>
-          <a:xfrm>
-            <a:off x="457200" y="704088"/>
-            <a:ext cx="8305800" cy="1143000"/>
-          </a:xfrm>
-        </p:spPr>
-        <p:txBody>
-          <a:bodyPr vert="horz" tIns="45720" bIns="0" anchor="b">
-            <a:normAutofit/>
-            <a:scene3d>
-              <a:camera prst="orthographicFront"/>
-              <a:lightRig rig="freezing" dir="t">
-                <a:rot lat="0" lon="0" rev="5640000"/>
-              </a:lightRig>
-            </a:scene3d>
-            <a:sp3d prstMaterial="flat">
-              <a:contourClr>
-                <a:schemeClr val="tx2"/>
-              </a:contourClr>
-            </a:sp3d>
-          </a:bodyPr>
-          <a:lstStyle>
-            <a:lvl1pPr algn="l" rtl="0">
-              <a:spcBef>
-                <a:spcPct val="0"/>
-              </a:spcBef>
-              <a:buNone/>
-              <a:defRPr sz="5000" b="0">
-                <a:ln>
-                  <a:noFill/>
-                </a:ln>
-                <a:solidFill>
-                  <a:schemeClr val="tx2"/>
-                </a:solidFill>
-                <a:effectLst/>
-                <a:latin typeface="+mj-lt"/>
-                <a:ea typeface="+mj-ea"/>
-                <a:cs typeface="+mj-cs"/>
-              </a:defRPr>
-            </a:lvl1pPr>
-          </a:lstStyle>
-          <a:p>
-            <a:r>
-              <a:rPr kumimoji="0" lang="en-US" smtClean="0"/>
-              <a:t>Click to edit Master title style</a:t>
-            </a:r>
-            <a:endParaRPr kumimoji="0" lang="en-US"/>
-          </a:p>
-        </p:txBody>
-      </p:sp>
-      <p:sp>
-        <p:nvSpPr>
           <p:cNvPr id="3" name="Date Placeholder 2"/>
           <p:cNvSpPr>
             <a:spLocks noGrp="1"/>
@@ -2282,7 +2938,9 @@
         <p:spPr/>
         <p:txBody>
           <a:bodyPr/>
-          <a:lstStyle/>
+          <a:lstStyle>
+            <a:extLst/>
+          </a:lstStyle>
           <a:p>
             <a:fld id="{3D2AAC30-1865-4075-B853-EE863C02BBEA}" type="datetimeFigureOut">
               <a:rPr lang="en-US" smtClean="0"/>
@@ -2306,7 +2964,9 @@
         <p:spPr/>
         <p:txBody>
           <a:bodyPr/>
-          <a:lstStyle/>
+          <a:lstStyle>
+            <a:extLst/>
+          </a:lstStyle>
           <a:p>
             <a:endParaRPr lang="en-US"/>
           </a:p>
@@ -2325,7 +2985,9 @@
         <p:spPr/>
         <p:txBody>
           <a:bodyPr/>
-          <a:lstStyle/>
+          <a:lstStyle>
+            <a:extLst/>
+          </a:lstStyle>
           <a:p>
             <a:fld id="{CF8BCE74-13A9-4952-9D08-7675832C827C}" type="slidenum">
               <a:rPr lang="en-US" smtClean="0"/>
@@ -2336,10 +2998,35 @@
           </a:p>
         </p:txBody>
       </p:sp>
+      <p:sp>
+        <p:nvSpPr>
+          <p:cNvPr id="6" name="Title 5"/>
+          <p:cNvSpPr>
+            <a:spLocks noGrp="1"/>
+          </p:cNvSpPr>
+          <p:nvPr>
+            <p:ph type="title"/>
+          </p:nvPr>
+        </p:nvSpPr>
+        <p:spPr/>
+        <p:txBody>
+          <a:bodyPr rtlCol="0"/>
+          <a:lstStyle>
+            <a:extLst/>
+          </a:lstStyle>
+          <a:p>
+            <a:r>
+              <a:rPr kumimoji="0" lang="en-US" smtClean="0"/>
+              <a:t>Click to edit Master title style</a:t>
+            </a:r>
+            <a:endParaRPr kumimoji="0" lang="en-US"/>
+          </a:p>
+        </p:txBody>
+      </p:sp>
     </p:spTree>
   </p:cSld>
   <p:clrMapOvr>
-    <a:masterClrMapping/>
+    <a:overrideClrMapping bg1="dk1" tx1="lt1" bg2="dk2" tx2="lt2" accent1="accent1" accent2="accent2" accent3="accent3" accent4="accent4" accent5="accent5" accent6="accent6" hlink="hlink" folHlink="folHlink"/>
   </p:clrMapOvr>
 </p:sldLayout>
 </file>
@@ -2374,7 +3061,9 @@
         <p:spPr/>
         <p:txBody>
           <a:bodyPr/>
-          <a:lstStyle/>
+          <a:lstStyle>
+            <a:extLst/>
+          </a:lstStyle>
           <a:p>
             <a:fld id="{3D2AAC30-1865-4075-B853-EE863C02BBEA}" type="datetimeFigureOut">
               <a:rPr lang="en-US" smtClean="0"/>
@@ -2398,7 +3087,9 @@
         <p:spPr/>
         <p:txBody>
           <a:bodyPr/>
-          <a:lstStyle/>
+          <a:lstStyle>
+            <a:extLst/>
+          </a:lstStyle>
           <a:p>
             <a:endParaRPr lang="en-US"/>
           </a:p>
@@ -2417,7 +3108,9 @@
         <p:spPr/>
         <p:txBody>
           <a:bodyPr/>
-          <a:lstStyle/>
+          <a:lstStyle>
+            <a:extLst/>
+          </a:lstStyle>
           <a:p>
             <a:fld id="{CF8BCE74-13A9-4952-9D08-7675832C827C}" type="slidenum">
               <a:rPr lang="en-US" smtClean="0"/>
@@ -2437,8 +3130,13 @@
 </file>
 
 <file path=ppt/slideLayouts/slideLayout8.xml><?xml version="1.0" encoding="utf-8"?>
-<p:sldLayout xmlns:a="http://schemas.openxmlformats.org/drawingml/2006/main" xmlns:r="http://schemas.openxmlformats.org/officeDocument/2006/relationships" xmlns:p="http://schemas.openxmlformats.org/presentationml/2006/main" type="objTx" preserve="1">
+<p:sldLayout xmlns:a="http://schemas.openxmlformats.org/drawingml/2006/main" xmlns:r="http://schemas.openxmlformats.org/officeDocument/2006/relationships" xmlns:p="http://schemas.openxmlformats.org/presentationml/2006/main" showMasterSp="0" type="objTx" preserve="1">
   <p:cSld name="Content with Caption">
+    <p:bg>
+      <p:bgRef idx="1003">
+        <a:schemeClr val="bg1"/>
+      </p:bgRef>
+    </p:bg>
     <p:spTree>
       <p:nvGrpSpPr>
         <p:cNvPr id="1" name=""/>
@@ -2465,33 +3163,28 @@
         </p:nvSpPr>
         <p:spPr>
           <a:xfrm>
-            <a:off x="685800" y="514352"/>
-            <a:ext cx="2743200" cy="1162050"/>
+            <a:off x="914400" y="4876800"/>
+            <a:ext cx="7481776" cy="457200"/>
           </a:xfrm>
         </p:spPr>
         <p:txBody>
-          <a:bodyPr lIns="0" anchor="b">
+          <a:bodyPr vert="horz" anchor="t">
             <a:noAutofit/>
+            <a:sp3d prstMaterial="softEdge">
+              <a:bevelT w="0" h="0"/>
+            </a:sp3d>
           </a:bodyPr>
           <a:lstStyle>
-            <a:lvl1pPr algn="l" rtl="0">
-              <a:spcBef>
-                <a:spcPct val="0"/>
-              </a:spcBef>
+            <a:lvl1pPr algn="r">
               <a:buNone/>
-              <a:defRPr sz="2600" b="0">
-                <a:ln>
-                  <a:noFill/>
-                </a:ln>
+              <a:defRPr sz="2500" b="0">
                 <a:solidFill>
-                  <a:schemeClr val="tx2"/>
+                  <a:schemeClr val="accent1"/>
                 </a:solidFill>
                 <a:effectLst/>
-                <a:latin typeface="+mj-lt"/>
-                <a:ea typeface="+mj-ea"/>
-                <a:cs typeface="+mj-cs"/>
               </a:defRPr>
             </a:lvl1pPr>
+            <a:extLst/>
           </a:lstStyle>
           <a:p>
             <a:r>
@@ -2514,33 +3207,34 @@
         </p:nvSpPr>
         <p:spPr>
           <a:xfrm>
-            <a:off x="685800" y="1676400"/>
-            <a:ext cx="2743200" cy="4572000"/>
+            <a:off x="4419600" y="5355102"/>
+            <a:ext cx="3974592" cy="914400"/>
           </a:xfrm>
         </p:spPr>
         <p:txBody>
-          <a:bodyPr lIns="18288" rIns="18288"/>
-          <a:lstStyle>
-            <a:lvl1pPr marL="0" indent="0" algn="l">
+          <a:bodyPr/>
+          <a:lstStyle>
+            <a:lvl1pPr marL="0" indent="0" algn="r">
               <a:buNone/>
-              <a:defRPr sz="1400"/>
+              <a:defRPr sz="1600"/>
             </a:lvl1pPr>
-            <a:lvl2pPr indent="0" algn="l">
+            <a:lvl2pPr>
               <a:buNone/>
               <a:defRPr sz="1200"/>
             </a:lvl2pPr>
-            <a:lvl3pPr indent="0" algn="l">
+            <a:lvl3pPr>
               <a:buNone/>
               <a:defRPr sz="1000"/>
             </a:lvl3pPr>
-            <a:lvl4pPr indent="0" algn="l">
+            <a:lvl4pPr>
               <a:buNone/>
               <a:defRPr sz="900"/>
             </a:lvl4pPr>
-            <a:lvl5pPr indent="0" algn="l">
+            <a:lvl5pPr>
               <a:buNone/>
               <a:defRPr sz="900"/>
             </a:lvl5pPr>
+            <a:extLst/>
           </a:lstStyle>
           <a:p>
             <a:pPr lvl="0" eaLnBrk="1" latinLnBrk="0" hangingPunct="1"/>
@@ -2563,18 +3257,18 @@
         </p:nvSpPr>
         <p:spPr>
           <a:xfrm>
-            <a:off x="3575050" y="1676400"/>
-            <a:ext cx="5111750" cy="4572000"/>
+            <a:off x="914400" y="274320"/>
+            <a:ext cx="7479792" cy="4572000"/>
           </a:xfrm>
         </p:spPr>
         <p:txBody>
-          <a:bodyPr tIns="0"/>
+          <a:bodyPr/>
           <a:lstStyle>
             <a:lvl1pPr>
-              <a:defRPr sz="2800"/>
+              <a:defRPr sz="3200"/>
             </a:lvl1pPr>
             <a:lvl2pPr>
-              <a:defRPr sz="2600"/>
+              <a:defRPr sz="2800"/>
             </a:lvl2pPr>
             <a:lvl3pPr>
               <a:defRPr sz="2400"/>
@@ -2583,8 +3277,9 @@
               <a:defRPr sz="2000"/>
             </a:lvl4pPr>
             <a:lvl5pPr>
-              <a:defRPr sz="1800"/>
+              <a:defRPr sz="2000"/>
             </a:lvl5pPr>
+            <a:extLst/>
           </a:lstStyle>
           <a:p>
             <a:pPr lvl="0" eaLnBrk="1" latinLnBrk="0" hangingPunct="1"/>
@@ -2634,10 +3329,17 @@
             <p:ph type="dt" sz="half" idx="10"/>
           </p:nvPr>
         </p:nvSpPr>
-        <p:spPr/>
+        <p:spPr>
+          <a:xfrm>
+            <a:off x="6727032" y="6407944"/>
+            <a:ext cx="1920240" cy="365760"/>
+          </a:xfrm>
+        </p:spPr>
         <p:txBody>
           <a:bodyPr/>
-          <a:lstStyle/>
+          <a:lstStyle>
+            <a:extLst/>
+          </a:lstStyle>
           <a:p>
             <a:fld id="{3D2AAC30-1865-4075-B853-EE863C02BBEA}" type="datetimeFigureOut">
               <a:rPr lang="en-US" smtClean="0"/>
@@ -2661,7 +3363,9 @@
         <p:spPr/>
         <p:txBody>
           <a:bodyPr/>
-          <a:lstStyle/>
+          <a:lstStyle>
+            <a:extLst/>
+          </a:lstStyle>
           <a:p>
             <a:endParaRPr lang="en-US"/>
           </a:p>
@@ -2680,7 +3384,9 @@
         <p:spPr/>
         <p:txBody>
           <a:bodyPr/>
-          <a:lstStyle/>
+          <a:lstStyle>
+            <a:extLst/>
+          </a:lstStyle>
           <a:p>
             <a:fld id="{CF8BCE74-13A9-4952-9D08-7675832C827C}" type="slidenum">
               <a:rPr lang="en-US" smtClean="0"/>
@@ -2694,7 +3400,7 @@
     </p:spTree>
   </p:cSld>
   <p:clrMapOvr>
-    <a:masterClrMapping/>
+    <a:overrideClrMapping bg1="lt1" tx1="dk1" bg2="lt2" tx2="dk2" accent1="accent1" accent2="accent2" accent3="accent3" accent4="accent4" accent5="accent5" accent6="accent6" hlink="hlink" folHlink="folHlink"/>
   </p:clrMapOvr>
 </p:sldLayout>
 </file>
@@ -2702,6 +3408,11 @@
 <file path=ppt/slideLayouts/slideLayout9.xml><?xml version="1.0" encoding="utf-8"?>
 <p:sldLayout xmlns:a="http://schemas.openxmlformats.org/drawingml/2006/main" xmlns:r="http://schemas.openxmlformats.org/officeDocument/2006/relationships" xmlns:p="http://schemas.openxmlformats.org/presentationml/2006/main" showMasterSp="0" type="picTx" preserve="1">
   <p:cSld name="Picture with Caption">
+    <p:bg>
+      <p:bgRef idx="1002">
+        <a:schemeClr val="bg1"/>
+      </p:bgRef>
+    </p:bg>
     <p:spTree>
       <p:nvGrpSpPr>
         <p:cNvPr id="1" name=""/>
@@ -2718,179 +3429,27 @@
       </p:grpSpPr>
       <p:sp>
         <p:nvSpPr>
-          <p:cNvPr id="9" name="Snip and Round Single Corner Rectangle 8"/>
-          <p:cNvSpPr/>
-          <p:nvPr/>
-        </p:nvSpPr>
-        <p:spPr>
-          <a:xfrm rot="420000" flipV="1">
-            <a:off x="3165753" y="1108077"/>
-            <a:ext cx="5257800" cy="4114800"/>
-          </a:xfrm>
-          <a:prstGeom prst="snipRoundRect">
-            <a:avLst>
-              <a:gd name="adj1" fmla="val 0"/>
-              <a:gd name="adj2" fmla="val 3646"/>
-            </a:avLst>
-          </a:prstGeom>
-          <a:solidFill>
-            <a:srgbClr val="FFFFFF"/>
-          </a:solidFill>
-          <a:ln w="3175" cap="rnd" cmpd="sng" algn="ctr">
-            <a:solidFill>
-              <a:srgbClr val="C0C0C0"/>
-            </a:solidFill>
-            <a:prstDash val="solid"/>
-          </a:ln>
-          <a:effectLst>
-            <a:outerShdw blurRad="63500" dist="38500" dir="7500000" sx="98500" sy="100080" kx="100000" algn="tl" rotWithShape="0">
-              <a:srgbClr val="000000">
-                <a:alpha val="25000"/>
-              </a:srgbClr>
-            </a:outerShdw>
-          </a:effectLst>
-        </p:spPr>
-        <p:style>
-          <a:lnRef idx="2">
-            <a:schemeClr val="accent1"/>
-          </a:lnRef>
-          <a:fillRef idx="1">
-            <a:schemeClr val="accent1"/>
-          </a:fillRef>
-          <a:effectRef idx="0">
-            <a:schemeClr val="accent1"/>
-          </a:effectRef>
-          <a:fontRef idx="minor">
-            <a:schemeClr val="lt1"/>
-          </a:fontRef>
-        </p:style>
-        <p:txBody>
-          <a:bodyPr rtlCol="0" anchor="ctr"/>
-          <a:lstStyle/>
-          <a:p>
-            <a:pPr algn="ctr" eaLnBrk="1" latinLnBrk="0" hangingPunct="1"/>
-            <a:endParaRPr kumimoji="0" lang="en-US"/>
-          </a:p>
-        </p:txBody>
-      </p:sp>
-      <p:sp>
-        <p:nvSpPr>
-          <p:cNvPr id="12" name="Right Triangle 11"/>
-          <p:cNvSpPr/>
-          <p:nvPr/>
-        </p:nvSpPr>
-        <p:spPr>
-          <a:xfrm rot="420000" flipV="1">
-            <a:off x="8004134" y="5359769"/>
-            <a:ext cx="155448" cy="155448"/>
-          </a:xfrm>
-          <a:prstGeom prst="rtTriangle">
-            <a:avLst/>
-          </a:prstGeom>
-          <a:solidFill>
-            <a:srgbClr val="FFFFFF"/>
-          </a:solidFill>
-          <a:ln w="12700" cap="flat" cmpd="sng" algn="ctr">
-            <a:solidFill>
-              <a:srgbClr val="FFFFFF"/>
-            </a:solidFill>
-            <a:prstDash val="solid"/>
-            <a:bevel/>
-          </a:ln>
-          <a:effectLst>
-            <a:outerShdw blurRad="19685" dist="6350" dir="12900000" algn="tl" rotWithShape="0">
-              <a:srgbClr val="000000">
-                <a:alpha val="47000"/>
-              </a:srgbClr>
-            </a:outerShdw>
-          </a:effectLst>
-        </p:spPr>
-        <p:style>
-          <a:lnRef idx="2">
-            <a:schemeClr val="accent1"/>
-          </a:lnRef>
-          <a:fillRef idx="1">
-            <a:schemeClr val="accent1"/>
-          </a:fillRef>
-          <a:effectRef idx="0">
-            <a:schemeClr val="accent1"/>
-          </a:effectRef>
-          <a:fontRef idx="minor">
-            <a:schemeClr val="lt1"/>
-          </a:fontRef>
-        </p:style>
-        <p:txBody>
-          <a:bodyPr rtlCol="0" anchor="ctr"/>
-          <a:lstStyle/>
-          <a:p>
-            <a:pPr algn="ctr" eaLnBrk="1" latinLnBrk="0" hangingPunct="1"/>
-            <a:endParaRPr kumimoji="0" lang="en-US"/>
-          </a:p>
-        </p:txBody>
-      </p:sp>
-      <p:sp>
-        <p:nvSpPr>
-          <p:cNvPr id="2" name="Title 1"/>
-          <p:cNvSpPr>
-            <a:spLocks noGrp="1"/>
-          </p:cNvSpPr>
-          <p:nvPr>
-            <p:ph type="title"/>
+          <p:cNvPr id="4" name="Text Placeholder 3"/>
+          <p:cNvSpPr>
+            <a:spLocks noGrp="1"/>
+          </p:cNvSpPr>
+          <p:nvPr>
+            <p:ph type="body" sz="half" idx="2"/>
           </p:nvPr>
         </p:nvSpPr>
         <p:spPr>
           <a:xfrm>
-            <a:off x="609600" y="1176996"/>
-            <a:ext cx="2212848" cy="1582621"/>
+            <a:off x="1141232" y="5443402"/>
+            <a:ext cx="7162800" cy="648232"/>
           </a:xfrm>
+          <a:noFill/>
         </p:spPr>
         <p:txBody>
-          <a:bodyPr vert="horz" lIns="45720" tIns="45720" rIns="45720" bIns="45720" anchor="b"/>
-          <a:lstStyle>
-            <a:lvl1pPr algn="l">
+          <a:bodyPr lIns="91440" tIns="0" rIns="91440" anchor="t"/>
+          <a:lstStyle>
+            <a:lvl1pPr marL="0" marR="18288" indent="0" algn="r">
               <a:buNone/>
-              <a:defRPr sz="2000" b="1">
-                <a:solidFill>
-                  <a:schemeClr val="tx2"/>
-                </a:solidFill>
-              </a:defRPr>
-            </a:lvl1pPr>
-          </a:lstStyle>
-          <a:p>
-            <a:r>
-              <a:rPr kumimoji="0" lang="en-US" smtClean="0"/>
-              <a:t>Click to edit Master title style</a:t>
-            </a:r>
-            <a:endParaRPr kumimoji="0" lang="en-US"/>
-          </a:p>
-        </p:txBody>
-      </p:sp>
-      <p:sp>
-        <p:nvSpPr>
-          <p:cNvPr id="4" name="Text Placeholder 3"/>
-          <p:cNvSpPr>
-            <a:spLocks noGrp="1"/>
-          </p:cNvSpPr>
-          <p:nvPr>
-            <p:ph type="body" sz="half" idx="2"/>
-          </p:nvPr>
-        </p:nvSpPr>
-        <p:spPr>
-          <a:xfrm>
-            <a:off x="609600" y="2828785"/>
-            <a:ext cx="2209800" cy="2179320"/>
-          </a:xfrm>
-        </p:spPr>
-        <p:txBody>
-          <a:bodyPr lIns="64008" rIns="45720" bIns="45720" anchor="t"/>
-          <a:lstStyle>
-            <a:lvl1pPr marL="0" indent="0" algn="l">
-              <a:spcBef>
-                <a:spcPts val="250"/>
-              </a:spcBef>
-              <a:buFontTx/>
-              <a:buNone/>
-              <a:defRPr sz="1300"/>
+              <a:defRPr sz="1400"/>
             </a:lvl1pPr>
             <a:lvl2pPr>
               <a:defRPr sz="1200"/>
@@ -2904,6 +3463,7 @@
             <a:lvl5pPr>
               <a:defRPr sz="900"/>
             </a:lvl5pPr>
+            <a:extLst/>
           </a:lstStyle>
           <a:p>
             <a:pPr lvl="0" eaLnBrk="1" latinLnBrk="0" hangingPunct="1"/>
@@ -2916,90 +3476,18 @@
       </p:sp>
       <p:sp>
         <p:nvSpPr>
-          <p:cNvPr id="5" name="Date Placeholder 4"/>
-          <p:cNvSpPr>
-            <a:spLocks noGrp="1"/>
-          </p:cNvSpPr>
-          <p:nvPr>
-            <p:ph type="dt" sz="half" idx="10"/>
-          </p:nvPr>
-        </p:nvSpPr>
-        <p:spPr/>
-        <p:txBody>
-          <a:bodyPr/>
-          <a:lstStyle/>
-          <a:p>
-            <a:fld id="{3D2AAC30-1865-4075-B853-EE863C02BBEA}" type="datetimeFigureOut">
-              <a:rPr lang="en-US" smtClean="0"/>
-              <a:pPr/>
-              <a:t>6/11/2014</a:t>
-            </a:fld>
-            <a:endParaRPr lang="en-US"/>
-          </a:p>
-        </p:txBody>
-      </p:sp>
-      <p:sp>
-        <p:nvSpPr>
-          <p:cNvPr id="6" name="Footer Placeholder 5"/>
-          <p:cNvSpPr>
-            <a:spLocks noGrp="1"/>
-          </p:cNvSpPr>
-          <p:nvPr>
-            <p:ph type="ftr" sz="quarter" idx="11"/>
-          </p:nvPr>
-        </p:nvSpPr>
-        <p:spPr/>
-        <p:txBody>
-          <a:bodyPr/>
-          <a:lstStyle/>
-          <a:p>
-            <a:endParaRPr lang="en-US"/>
-          </a:p>
-        </p:txBody>
-      </p:sp>
-      <p:sp>
-        <p:nvSpPr>
-          <p:cNvPr id="7" name="Slide Number Placeholder 6"/>
-          <p:cNvSpPr>
-            <a:spLocks noGrp="1"/>
-          </p:cNvSpPr>
-          <p:nvPr>
-            <p:ph type="sldNum" sz="quarter" idx="12"/>
+          <p:cNvPr id="3" name="Picture Placeholder 2"/>
+          <p:cNvSpPr>
+            <a:spLocks noGrp="1"/>
+          </p:cNvSpPr>
+          <p:nvPr>
+            <p:ph type="pic" idx="1"/>
           </p:nvPr>
         </p:nvSpPr>
         <p:spPr>
           <a:xfrm>
-            <a:off x="8077200" y="6356350"/>
-            <a:ext cx="609600" cy="365125"/>
-          </a:xfrm>
-        </p:spPr>
-        <p:txBody>
-          <a:bodyPr/>
-          <a:lstStyle/>
-          <a:p>
-            <a:fld id="{CF8BCE74-13A9-4952-9D08-7675832C827C}" type="slidenum">
-              <a:rPr lang="en-US" smtClean="0"/>
-              <a:pPr/>
-              <a:t>‹#›</a:t>
-            </a:fld>
-            <a:endParaRPr lang="en-US"/>
-          </a:p>
-        </p:txBody>
-      </p:sp>
-      <p:sp>
-        <p:nvSpPr>
-          <p:cNvPr id="3" name="Picture Placeholder 2"/>
-          <p:cNvSpPr>
-            <a:spLocks noGrp="1"/>
-          </p:cNvSpPr>
-          <p:nvPr>
-            <p:ph type="pic" idx="1"/>
-          </p:nvPr>
-        </p:nvSpPr>
-        <p:spPr>
-          <a:xfrm rot="420000">
-            <a:off x="3485793" y="1199517"/>
-            <a:ext cx="4617720" cy="3931920"/>
+            <a:off x="228600" y="189968"/>
+            <a:ext cx="8686800" cy="4389120"/>
           </a:xfrm>
           <a:prstGeom prst="rect">
             <a:avLst/>
@@ -3007,13 +3495,16 @@
           <a:solidFill>
             <a:schemeClr val="bg2"/>
           </a:solidFill>
-          <a:ln w="3000" cap="rnd">
+          <a:ln>
             <a:solidFill>
-              <a:srgbClr val="C0C0C0"/>
+              <a:schemeClr val="bg1"/>
             </a:solidFill>
-            <a:round/>
           </a:ln>
-          <a:effectLst/>
+          <a:effectLst>
+            <a:innerShdw blurRad="95250">
+              <a:srgbClr val="000000"/>
+            </a:innerShdw>
+          </a:effectLst>
         </p:spPr>
         <p:txBody>
           <a:bodyPr/>
@@ -3022,6 +3513,7 @@
               <a:buNone/>
               <a:defRPr sz="3200"/>
             </a:lvl1pPr>
+            <a:extLst/>
           </a:lstStyle>
           <a:p>
             <a:r>
@@ -3034,159 +3526,163 @@
       </p:sp>
       <p:sp>
         <p:nvSpPr>
-          <p:cNvPr id="10" name="Freeform 9"/>
+          <p:cNvPr id="5" name="Date Placeholder 4"/>
+          <p:cNvSpPr>
+            <a:spLocks noGrp="1"/>
+          </p:cNvSpPr>
+          <p:nvPr>
+            <p:ph type="dt" sz="half" idx="10"/>
+          </p:nvPr>
+        </p:nvSpPr>
+        <p:spPr/>
+        <p:txBody>
+          <a:bodyPr/>
+          <a:lstStyle>
+            <a:lvl1pPr>
+              <a:defRPr>
+                <a:solidFill>
+                  <a:schemeClr val="tx1"/>
+                </a:solidFill>
+              </a:defRPr>
+            </a:lvl1pPr>
+            <a:extLst/>
+          </a:lstStyle>
+          <a:p>
+            <a:fld id="{3D2AAC30-1865-4075-B853-EE863C02BBEA}" type="datetimeFigureOut">
+              <a:rPr lang="en-US" smtClean="0"/>
+              <a:pPr/>
+              <a:t>6/11/2014</a:t>
+            </a:fld>
+            <a:endParaRPr lang="en-US"/>
+          </a:p>
+        </p:txBody>
+      </p:sp>
+      <p:sp>
+        <p:nvSpPr>
+          <p:cNvPr id="6" name="Footer Placeholder 5"/>
+          <p:cNvSpPr>
+            <a:spLocks noGrp="1"/>
+          </p:cNvSpPr>
+          <p:nvPr>
+            <p:ph type="ftr" sz="quarter" idx="11"/>
+          </p:nvPr>
+        </p:nvSpPr>
+        <p:spPr>
+          <a:xfrm>
+            <a:off x="4380072" y="6407944"/>
+            <a:ext cx="2350681" cy="365125"/>
+          </a:xfrm>
+        </p:spPr>
+        <p:txBody>
+          <a:bodyPr/>
+          <a:lstStyle>
+            <a:lvl1pPr>
+              <a:defRPr>
+                <a:solidFill>
+                  <a:schemeClr val="tx1"/>
+                </a:solidFill>
+              </a:defRPr>
+            </a:lvl1pPr>
+            <a:extLst/>
+          </a:lstStyle>
+          <a:p>
+            <a:endParaRPr lang="en-US"/>
+          </a:p>
+        </p:txBody>
+      </p:sp>
+      <p:sp>
+        <p:nvSpPr>
+          <p:cNvPr id="7" name="Slide Number Placeholder 6"/>
+          <p:cNvSpPr>
+            <a:spLocks noGrp="1"/>
+          </p:cNvSpPr>
+          <p:nvPr>
+            <p:ph type="sldNum" sz="quarter" idx="12"/>
+          </p:nvPr>
+        </p:nvSpPr>
+        <p:spPr/>
+        <p:txBody>
+          <a:bodyPr/>
+          <a:lstStyle>
+            <a:lvl1pPr>
+              <a:defRPr>
+                <a:solidFill>
+                  <a:schemeClr val="tx1"/>
+                </a:solidFill>
+              </a:defRPr>
+            </a:lvl1pPr>
+            <a:extLst/>
+          </a:lstStyle>
+          <a:p>
+            <a:fld id="{CF8BCE74-13A9-4952-9D08-7675832C827C}" type="slidenum">
+              <a:rPr lang="en-US" smtClean="0"/>
+              <a:pPr/>
+              <a:t>‹#›</a:t>
+            </a:fld>
+            <a:endParaRPr lang="en-US"/>
+          </a:p>
+        </p:txBody>
+      </p:sp>
+      <p:sp>
+        <p:nvSpPr>
+          <p:cNvPr id="2" name="Title 1"/>
+          <p:cNvSpPr>
+            <a:spLocks noGrp="1"/>
+          </p:cNvSpPr>
+          <p:nvPr>
+            <p:ph type="title"/>
+          </p:nvPr>
+        </p:nvSpPr>
+        <p:spPr>
+          <a:xfrm>
+            <a:off x="228600" y="4865122"/>
+            <a:ext cx="8075432" cy="562672"/>
+          </a:xfrm>
+          <a:noFill/>
+        </p:spPr>
+        <p:txBody>
+          <a:bodyPr anchor="t">
+            <a:sp3d prstMaterial="softEdge"/>
+          </a:bodyPr>
+          <a:lstStyle>
+            <a:lvl1pPr marR="0" algn="r">
+              <a:buNone/>
+              <a:defRPr sz="3000" b="0">
+                <a:solidFill>
+                  <a:schemeClr val="accent1"/>
+                </a:solidFill>
+                <a:effectLst>
+                  <a:outerShdw blurRad="50800" dist="25000" dir="5400000" algn="t" rotWithShape="0">
+                    <a:prstClr val="black">
+                      <a:alpha val="45000"/>
+                    </a:prstClr>
+                  </a:outerShdw>
+                </a:effectLst>
+              </a:defRPr>
+            </a:lvl1pPr>
+            <a:extLst/>
+          </a:lstStyle>
+          <a:p>
+            <a:r>
+              <a:rPr kumimoji="0" lang="en-US" smtClean="0"/>
+              <a:t>Click to edit Master title style</a:t>
+            </a:r>
+            <a:endParaRPr kumimoji="0" lang="en-US"/>
+          </a:p>
+        </p:txBody>
+      </p:sp>
+      <p:sp>
+        <p:nvSpPr>
+          <p:cNvPr id="8" name="Freeform 7"/>
           <p:cNvSpPr>
             <a:spLocks/>
           </p:cNvSpPr>
           <p:nvPr/>
         </p:nvSpPr>
         <p:spPr bwMode="auto">
-          <a:xfrm flipV="1">
-            <a:off x="-9525" y="5816600"/>
-            <a:ext cx="9163050" cy="1041400"/>
-          </a:xfrm>
-          <a:custGeom>
-            <a:avLst>
-              <a:gd name="A1" fmla="val 0"/>
-              <a:gd name="A2" fmla="val 0"/>
-              <a:gd name="A3" fmla="val 0"/>
-              <a:gd name="A4" fmla="val 0"/>
-              <a:gd name="A5" fmla="val 0"/>
-              <a:gd name="A6" fmla="val 0"/>
-              <a:gd name="A7" fmla="val 0"/>
-              <a:gd name="A8" fmla="val 0"/>
-            </a:avLst>
-            <a:gdLst/>
-            <a:ahLst/>
-            <a:cxnLst>
-              <a:cxn ang="0">
-                <a:pos x="6" y="2"/>
-              </a:cxn>
-              <a:cxn ang="0">
-                <a:pos x="2542" y="0"/>
-              </a:cxn>
-              <a:cxn ang="0">
-                <a:pos x="4374" y="367"/>
-              </a:cxn>
-              <a:cxn ang="0">
-                <a:pos x="5766" y="55"/>
-              </a:cxn>
-              <a:cxn ang="0">
-                <a:pos x="5772" y="213"/>
-              </a:cxn>
-              <a:cxn ang="0">
-                <a:pos x="4302" y="439"/>
-              </a:cxn>
-              <a:cxn ang="0">
-                <a:pos x="1488" y="201"/>
-              </a:cxn>
-              <a:cxn ang="0">
-                <a:pos x="0" y="656"/>
-              </a:cxn>
-              <a:cxn ang="0">
-                <a:pos x="6" y="2"/>
-              </a:cxn>
-            </a:cxnLst>
-            <a:rect l="0" t="0" r="0" b="0"/>
-            <a:pathLst>
-              <a:path w="5772" h="656">
-                <a:moveTo>
-                  <a:pt x="6" y="2"/>
-                </a:moveTo>
-                <a:lnTo>
-                  <a:pt x="2542" y="0"/>
-                </a:lnTo>
-                <a:cubicBezTo>
-                  <a:pt x="2746" y="101"/>
-                  <a:pt x="3828" y="367"/>
-                  <a:pt x="4374" y="367"/>
-                </a:cubicBezTo>
-                <a:cubicBezTo>
-                  <a:pt x="4920" y="367"/>
-                  <a:pt x="5526" y="152"/>
-                  <a:pt x="5766" y="55"/>
-                </a:cubicBezTo>
-                <a:lnTo>
-                  <a:pt x="5772" y="213"/>
-                </a:lnTo>
-                <a:cubicBezTo>
-                  <a:pt x="5670" y="257"/>
-                  <a:pt x="5016" y="441"/>
-                  <a:pt x="4302" y="439"/>
-                </a:cubicBezTo>
-                <a:cubicBezTo>
-                  <a:pt x="3588" y="437"/>
-                  <a:pt x="2205" y="165"/>
-                  <a:pt x="1488" y="201"/>
-                </a:cubicBezTo>
-                <a:cubicBezTo>
-                  <a:pt x="750" y="209"/>
-                  <a:pt x="270" y="482"/>
-                  <a:pt x="0" y="656"/>
-                </a:cubicBezTo>
-                <a:lnTo>
-                  <a:pt x="6" y="2"/>
-                </a:lnTo>
-                <a:close/>
-              </a:path>
-            </a:pathLst>
-          </a:custGeom>
-          <a:gradFill>
-            <a:gsLst>
-              <a:gs pos="0">
-                <a:schemeClr val="accent2">
-                  <a:shade val="50000"/>
-                  <a:alpha val="45000"/>
-                  <a:satMod val="120000"/>
-                </a:schemeClr>
-              </a:gs>
-              <a:gs pos="100000">
-                <a:schemeClr val="accent3">
-                  <a:shade val="80000"/>
-                  <a:alpha val="55000"/>
-                  <a:satMod val="155000"/>
-                </a:schemeClr>
-              </a:gs>
-            </a:gsLst>
-            <a:lin ang="5400000" scaled="1"/>
-          </a:gradFill>
-          <a:ln w="9525" cap="flat" cmpd="sng" algn="ctr">
-            <a:noFill/>
-            <a:prstDash val="solid"/>
-            <a:round/>
-            <a:headEnd type="none" w="med" len="med"/>
-            <a:tailEnd type="none" w="med" len="med"/>
-          </a:ln>
-          <a:effectLst/>
-        </p:spPr>
-        <p:txBody>
-          <a:bodyPr vert="horz" wrap="square" lIns="91440" tIns="45720" rIns="91440" bIns="45720" anchor="t" compatLnSpc="1"/>
-          <a:lstStyle/>
-          <a:p>
-            <a:pPr marL="0" algn="l" rtl="0" eaLnBrk="1" latinLnBrk="0" hangingPunct="1"/>
-            <a:endParaRPr kumimoji="0" lang="en-US">
-              <a:solidFill>
-                <a:schemeClr val="tx1"/>
-              </a:solidFill>
-              <a:latin typeface="+mn-lt"/>
-              <a:ea typeface="+mn-ea"/>
-              <a:cs typeface="+mn-cs"/>
-            </a:endParaRPr>
-          </a:p>
-        </p:txBody>
-      </p:sp>
-      <p:sp>
-        <p:nvSpPr>
-          <p:cNvPr id="11" name="Freeform 10"/>
-          <p:cNvSpPr>
-            <a:spLocks/>
-          </p:cNvSpPr>
-          <p:nvPr/>
-        </p:nvSpPr>
-        <p:spPr bwMode="auto">
-          <a:xfrm flipV="1">
-            <a:off x="4381500" y="6219825"/>
-            <a:ext cx="4762500" cy="638175"/>
+          <a:xfrm>
+            <a:off x="499273" y="5944936"/>
+            <a:ext cx="4940624" cy="921076"/>
           </a:xfrm>
           <a:custGeom>
             <a:avLst>
@@ -3206,63 +3702,40 @@
                 <a:pos x="0" y="0"/>
               </a:cxn>
               <a:cxn ang="0">
-                <a:pos x="1668" y="564"/>
+                <a:pos x="5760" y="0"/>
               </a:cxn>
               <a:cxn ang="0">
-                <a:pos x="3000" y="186"/>
+                <a:pos x="5760" y="528"/>
               </a:cxn>
               <a:cxn ang="0">
-                <a:pos x="3000" y="6"/>
-              </a:cxn>
-              <a:cxn ang="0">
-                <a:pos x="0" y="0"/>
+                <a:pos x="48" y="0"/>
               </a:cxn>
             </a:cxnLst>
             <a:rect l="0" t="0" r="0" b="0"/>
             <a:pathLst>
-              <a:path w="3000" h="595">
+              <a:path w="7485" h="337">
                 <a:moveTo>
-                  <a:pt x="0" y="0"/>
+                  <a:pt x="0" y="2"/>
                 </a:moveTo>
-                <a:cubicBezTo>
-                  <a:pt x="174" y="102"/>
-                  <a:pt x="1168" y="533"/>
-                  <a:pt x="1668" y="564"/>
-                </a:cubicBezTo>
-                <a:cubicBezTo>
-                  <a:pt x="2168" y="595"/>
-                  <a:pt x="2778" y="279"/>
-                  <a:pt x="3000" y="186"/>
-                </a:cubicBezTo>
                 <a:lnTo>
-                  <a:pt x="3000" y="6"/>
+                  <a:pt x="7485" y="337"/>
                 </a:lnTo>
                 <a:lnTo>
-                  <a:pt x="0" y="0"/>
+                  <a:pt x="5558" y="337"/>
                 </a:lnTo>
-                <a:close/>
+                <a:lnTo>
+                  <a:pt x="1" y="0"/>
+                </a:lnTo>
               </a:path>
             </a:pathLst>
           </a:custGeom>
-          <a:gradFill>
-            <a:gsLst>
-              <a:gs pos="0">
-                <a:schemeClr val="accent3">
-                  <a:shade val="50000"/>
-                  <a:alpha val="30000"/>
-                  <a:satMod val="130000"/>
-                </a:schemeClr>
-              </a:gs>
-              <a:gs pos="80000">
-                <a:schemeClr val="accent2">
-                  <a:shade val="75000"/>
-                  <a:alpha val="45000"/>
-                  <a:satMod val="140000"/>
-                </a:schemeClr>
-              </a:gs>
-            </a:gsLst>
-            <a:lin ang="5400000" scaled="1"/>
-          </a:gradFill>
+          <a:solidFill>
+            <a:schemeClr val="accent1">
+              <a:tint val="65000"/>
+              <a:satMod val="115000"/>
+              <a:alpha val="40000"/>
+            </a:schemeClr>
+          </a:solidFill>
           <a:ln w="9525" cap="flat" cmpd="sng" algn="ctr">
             <a:noFill/>
             <a:prstDash val="solid"/>
@@ -3274,53 +3747,17 @@
         </p:spPr>
         <p:txBody>
           <a:bodyPr vert="horz" wrap="square" lIns="91440" tIns="45720" rIns="91440" bIns="45720" anchor="t" compatLnSpc="1"/>
-          <a:lstStyle/>
-          <a:p>
-            <a:pPr marL="0" algn="l" rtl="0" eaLnBrk="1" latinLnBrk="0" hangingPunct="1"/>
-            <a:endParaRPr kumimoji="0" lang="en-US">
-              <a:solidFill>
-                <a:schemeClr val="tx1"/>
-              </a:solidFill>
-              <a:latin typeface="+mn-lt"/>
-              <a:ea typeface="+mn-ea"/>
-              <a:cs typeface="+mn-cs"/>
-            </a:endParaRPr>
-          </a:p>
-        </p:txBody>
-      </p:sp>
-    </p:spTree>
-  </p:cSld>
-  <p:clrMapOvr>
-    <a:masterClrMapping/>
-  </p:clrMapOvr>
-</p:sldLayout>
-</file>
-
-<file path=ppt/slideMasters/slideMaster1.xml><?xml version="1.0" encoding="utf-8"?>
-<p:sldMaster xmlns:a="http://schemas.openxmlformats.org/drawingml/2006/main" xmlns:r="http://schemas.openxmlformats.org/officeDocument/2006/relationships" xmlns:p="http://schemas.openxmlformats.org/presentationml/2006/main">
-  <p:cSld>
-    <p:bg>
-      <p:bgRef idx="1003">
-        <a:schemeClr val="bg1"/>
-      </p:bgRef>
-    </p:bg>
-    <p:spTree>
-      <p:nvGrpSpPr>
-        <p:cNvPr id="1" name=""/>
-        <p:cNvGrpSpPr/>
-        <p:nvPr/>
-      </p:nvGrpSpPr>
-      <p:grpSpPr>
-        <a:xfrm>
-          <a:off x="0" y="0"/>
-          <a:ext cx="0" cy="0"/>
-          <a:chOff x="0" y="0"/>
-          <a:chExt cx="0" cy="0"/>
-        </a:xfrm>
-      </p:grpSpPr>
-      <p:sp>
-        <p:nvSpPr>
-          <p:cNvPr id="7" name="Freeform 6"/>
+          <a:lstStyle>
+            <a:extLst/>
+          </a:lstStyle>
+          <a:p>
+            <a:endParaRPr kumimoji="0" lang="en-US"/>
+          </a:p>
+        </p:txBody>
+      </p:sp>
+      <p:sp>
+        <p:nvSpPr>
+          <p:cNvPr id="9" name="Freeform 8"/>
           <p:cNvSpPr>
             <a:spLocks/>
           </p:cNvSpPr>
@@ -3328,151 +3765,8 @@
         </p:nvSpPr>
         <p:spPr bwMode="auto">
           <a:xfrm>
-            <a:off x="-9525" y="-7144"/>
-            <a:ext cx="9163050" cy="1041400"/>
-          </a:xfrm>
-          <a:custGeom>
-            <a:avLst>
-              <a:gd name="A1" fmla="val 0"/>
-              <a:gd name="A2" fmla="val 0"/>
-              <a:gd name="A3" fmla="val 0"/>
-              <a:gd name="A4" fmla="val 0"/>
-              <a:gd name="A5" fmla="val 0"/>
-              <a:gd name="A6" fmla="val 0"/>
-              <a:gd name="A7" fmla="val 0"/>
-              <a:gd name="A8" fmla="val 0"/>
-            </a:avLst>
-            <a:gdLst/>
-            <a:ahLst/>
-            <a:cxnLst>
-              <a:cxn ang="0">
-                <a:pos x="6" y="2"/>
-              </a:cxn>
-              <a:cxn ang="0">
-                <a:pos x="2542" y="0"/>
-              </a:cxn>
-              <a:cxn ang="0">
-                <a:pos x="4374" y="367"/>
-              </a:cxn>
-              <a:cxn ang="0">
-                <a:pos x="5766" y="55"/>
-              </a:cxn>
-              <a:cxn ang="0">
-                <a:pos x="5772" y="213"/>
-              </a:cxn>
-              <a:cxn ang="0">
-                <a:pos x="4302" y="439"/>
-              </a:cxn>
-              <a:cxn ang="0">
-                <a:pos x="1488" y="201"/>
-              </a:cxn>
-              <a:cxn ang="0">
-                <a:pos x="0" y="656"/>
-              </a:cxn>
-              <a:cxn ang="0">
-                <a:pos x="6" y="2"/>
-              </a:cxn>
-            </a:cxnLst>
-            <a:rect l="0" t="0" r="0" b="0"/>
-            <a:pathLst>
-              <a:path w="5772" h="656">
-                <a:moveTo>
-                  <a:pt x="6" y="2"/>
-                </a:moveTo>
-                <a:lnTo>
-                  <a:pt x="2542" y="0"/>
-                </a:lnTo>
-                <a:cubicBezTo>
-                  <a:pt x="2746" y="101"/>
-                  <a:pt x="3828" y="367"/>
-                  <a:pt x="4374" y="367"/>
-                </a:cubicBezTo>
-                <a:cubicBezTo>
-                  <a:pt x="4920" y="367"/>
-                  <a:pt x="5526" y="152"/>
-                  <a:pt x="5766" y="55"/>
-                </a:cubicBezTo>
-                <a:lnTo>
-                  <a:pt x="5772" y="213"/>
-                </a:lnTo>
-                <a:cubicBezTo>
-                  <a:pt x="5670" y="257"/>
-                  <a:pt x="5016" y="441"/>
-                  <a:pt x="4302" y="439"/>
-                </a:cubicBezTo>
-                <a:cubicBezTo>
-                  <a:pt x="3588" y="437"/>
-                  <a:pt x="2205" y="165"/>
-                  <a:pt x="1488" y="201"/>
-                </a:cubicBezTo>
-                <a:cubicBezTo>
-                  <a:pt x="750" y="209"/>
-                  <a:pt x="270" y="482"/>
-                  <a:pt x="0" y="656"/>
-                </a:cubicBezTo>
-                <a:lnTo>
-                  <a:pt x="6" y="2"/>
-                </a:lnTo>
-                <a:close/>
-              </a:path>
-            </a:pathLst>
-          </a:custGeom>
-          <a:gradFill>
-            <a:gsLst>
-              <a:gs pos="0">
-                <a:schemeClr val="accent2">
-                  <a:shade val="50000"/>
-                  <a:alpha val="45000"/>
-                  <a:satMod val="120000"/>
-                </a:schemeClr>
-              </a:gs>
-              <a:gs pos="100000">
-                <a:schemeClr val="accent3">
-                  <a:shade val="80000"/>
-                  <a:alpha val="55000"/>
-                  <a:satMod val="155000"/>
-                </a:schemeClr>
-              </a:gs>
-            </a:gsLst>
-            <a:lin ang="5400000" scaled="1"/>
-          </a:gradFill>
-          <a:ln w="9525" cap="flat" cmpd="sng" algn="ctr">
-            <a:noFill/>
-            <a:prstDash val="solid"/>
-            <a:round/>
-            <a:headEnd type="none" w="med" len="med"/>
-            <a:tailEnd type="none" w="med" len="med"/>
-          </a:ln>
-          <a:effectLst/>
-        </p:spPr>
-        <p:txBody>
-          <a:bodyPr vert="horz" wrap="square" lIns="91440" tIns="45720" rIns="91440" bIns="45720" anchor="t" compatLnSpc="1"/>
-          <a:lstStyle/>
-          <a:p>
-            <a:pPr marL="0" algn="l" rtl="0" eaLnBrk="1" latinLnBrk="0" hangingPunct="1"/>
-            <a:endParaRPr kumimoji="0" lang="en-US">
-              <a:solidFill>
-                <a:schemeClr val="tx1"/>
-              </a:solidFill>
-              <a:latin typeface="+mn-lt"/>
-              <a:ea typeface="+mn-ea"/>
-              <a:cs typeface="+mn-cs"/>
-            </a:endParaRPr>
-          </a:p>
-        </p:txBody>
-      </p:sp>
-      <p:sp>
-        <p:nvSpPr>
-          <p:cNvPr id="8" name="Freeform 7"/>
-          <p:cNvSpPr>
-            <a:spLocks/>
-          </p:cNvSpPr>
-          <p:nvPr/>
-        </p:nvSpPr>
-        <p:spPr bwMode="auto">
-          <a:xfrm>
-            <a:off x="4381500" y="-7144"/>
-            <a:ext cx="4762500" cy="638175"/>
+            <a:off x="485717" y="5939011"/>
+            <a:ext cx="3690451" cy="933450"/>
           </a:xfrm>
           <a:custGeom>
             <a:avLst>
@@ -3492,63 +3786,38 @@
                 <a:pos x="0" y="0"/>
               </a:cxn>
               <a:cxn ang="0">
-                <a:pos x="1668" y="564"/>
+                <a:pos x="5760" y="0"/>
               </a:cxn>
               <a:cxn ang="0">
-                <a:pos x="3000" y="186"/>
+                <a:pos x="5760" y="528"/>
               </a:cxn>
               <a:cxn ang="0">
-                <a:pos x="3000" y="6"/>
-              </a:cxn>
-              <a:cxn ang="0">
-                <a:pos x="0" y="0"/>
+                <a:pos x="48" y="0"/>
               </a:cxn>
             </a:cxnLst>
             <a:rect l="0" t="0" r="0" b="0"/>
             <a:pathLst>
-              <a:path w="3000" h="595">
+              <a:path w="5591" h="588">
                 <a:moveTo>
                   <a:pt x="0" y="0"/>
                 </a:moveTo>
-                <a:cubicBezTo>
-                  <a:pt x="174" y="102"/>
-                  <a:pt x="1168" y="533"/>
-                  <a:pt x="1668" y="564"/>
-                </a:cubicBezTo>
-                <a:cubicBezTo>
-                  <a:pt x="2168" y="595"/>
-                  <a:pt x="2778" y="279"/>
-                  <a:pt x="3000" y="186"/>
-                </a:cubicBezTo>
                 <a:lnTo>
-                  <a:pt x="3000" y="6"/>
+                  <a:pt x="5591" y="585"/>
                 </a:lnTo>
                 <a:lnTo>
-                  <a:pt x="0" y="0"/>
+                  <a:pt x="4415" y="588"/>
                 </a:lnTo>
-                <a:close/>
+                <a:lnTo>
+                  <a:pt x="12" y="4"/>
+                </a:lnTo>
               </a:path>
             </a:pathLst>
           </a:custGeom>
-          <a:gradFill>
-            <a:gsLst>
-              <a:gs pos="0">
-                <a:schemeClr val="accent3">
-                  <a:shade val="50000"/>
-                  <a:alpha val="30000"/>
-                  <a:satMod val="130000"/>
-                </a:schemeClr>
-              </a:gs>
-              <a:gs pos="80000">
-                <a:schemeClr val="accent2">
-                  <a:shade val="75000"/>
-                  <a:alpha val="45000"/>
-                  <a:satMod val="140000"/>
-                </a:schemeClr>
-              </a:gs>
-            </a:gsLst>
-            <a:lin ang="5400000" scaled="1"/>
-          </a:gradFill>
+          <a:solidFill>
+            <a:srgbClr val="000000">
+              <a:alpha val="100000"/>
+            </a:srgbClr>
+          </a:solidFill>
           <a:ln w="9525" cap="flat" cmpd="sng" algn="ctr">
             <a:noFill/>
             <a:prstDash val="solid"/>
@@ -3560,33 +3829,711 @@
         </p:spPr>
         <p:txBody>
           <a:bodyPr vert="horz" wrap="square" lIns="91440" tIns="45720" rIns="91440" bIns="45720" anchor="t" compatLnSpc="1"/>
-          <a:lstStyle/>
-          <a:p>
-            <a:pPr marL="0" algn="l" rtl="0" eaLnBrk="1" latinLnBrk="0" hangingPunct="1"/>
-            <a:endParaRPr kumimoji="0" lang="en-US">
-              <a:solidFill>
-                <a:schemeClr val="tx1"/>
-              </a:solidFill>
-              <a:latin typeface="+mn-lt"/>
-              <a:ea typeface="+mn-ea"/>
-              <a:cs typeface="+mn-cs"/>
-            </a:endParaRPr>
-          </a:p>
-        </p:txBody>
-      </p:sp>
-      <p:sp>
-        <p:nvSpPr>
-          <p:cNvPr id="9" name="Title Placeholder 8"/>
-          <p:cNvSpPr>
-            <a:spLocks noGrp="1"/>
-          </p:cNvSpPr>
-          <p:nvPr>
-            <p:ph type="title"/>
-          </p:nvPr>
-        </p:nvSpPr>
+          <a:lstStyle>
+            <a:extLst/>
+          </a:lstStyle>
+          <a:p>
+            <a:endParaRPr kumimoji="0" lang="en-US"/>
+          </a:p>
+        </p:txBody>
+      </p:sp>
+      <p:sp>
+        <p:nvSpPr>
+          <p:cNvPr id="10" name="Right Triangle 9"/>
+          <p:cNvSpPr>
+            <a:spLocks/>
+          </p:cNvSpPr>
+          <p:nvPr/>
+        </p:nvSpPr>
+        <p:spPr bwMode="auto">
+          <a:xfrm>
+            <a:off x="-6042" y="5791253"/>
+            <a:ext cx="3402314" cy="1080868"/>
+          </a:xfrm>
+          <a:prstGeom prst="rtTriangle">
+            <a:avLst/>
+          </a:prstGeom>
+          <a:blipFill>
+            <a:blip r:embed="rId2" cstate="print">
+              <a:alphaModFix amt="50000"/>
+            </a:blip>
+            <a:tile tx="0" ty="0" sx="50000" sy="50000" flip="none" algn="t"/>
+          </a:blipFill>
+          <a:ln w="12700" cap="rnd" cmpd="thickThin" algn="ctr">
+            <a:noFill/>
+            <a:prstDash val="solid"/>
+          </a:ln>
+          <a:effectLst>
+            <a:fillOverlay blend="mult">
+              <a:gradFill flip="none" rotWithShape="1">
+                <a:gsLst>
+                  <a:gs pos="0">
+                    <a:schemeClr val="accent1">
+                      <a:shade val="20000"/>
+                      <a:satMod val="176000"/>
+                      <a:alpha val="100000"/>
+                    </a:schemeClr>
+                  </a:gs>
+                  <a:gs pos="18000">
+                    <a:schemeClr val="accent1">
+                      <a:shade val="48000"/>
+                      <a:satMod val="153000"/>
+                      <a:alpha val="100000"/>
+                    </a:schemeClr>
+                  </a:gs>
+                  <a:gs pos="43000">
+                    <a:schemeClr val="accent1">
+                      <a:tint val="86000"/>
+                      <a:satMod val="149000"/>
+                      <a:alpha val="100000"/>
+                    </a:schemeClr>
+                  </a:gs>
+                  <a:gs pos="45000">
+                    <a:schemeClr val="accent1">
+                      <a:tint val="85000"/>
+                      <a:satMod val="150000"/>
+                      <a:alpha val="100000"/>
+                    </a:schemeClr>
+                  </a:gs>
+                  <a:gs pos="50000">
+                    <a:schemeClr val="accent1">
+                      <a:tint val="86000"/>
+                      <a:satMod val="149000"/>
+                      <a:alpha val="100000"/>
+                    </a:schemeClr>
+                  </a:gs>
+                  <a:gs pos="79000">
+                    <a:schemeClr val="accent1">
+                      <a:shade val="53000"/>
+                      <a:satMod val="150000"/>
+                      <a:alpha val="100000"/>
+                    </a:schemeClr>
+                  </a:gs>
+                  <a:gs pos="100000">
+                    <a:schemeClr val="accent1">
+                      <a:shade val="25000"/>
+                      <a:satMod val="170000"/>
+                      <a:alpha val="100000"/>
+                    </a:schemeClr>
+                  </a:gs>
+                </a:gsLst>
+                <a:lin ang="450000" scaled="1"/>
+                <a:tileRect/>
+              </a:gradFill>
+            </a:fillOverlay>
+          </a:effectLst>
+        </p:spPr>
+        <p:style>
+          <a:lnRef idx="3">
+            <a:schemeClr val="lt1"/>
+          </a:lnRef>
+          <a:fillRef idx="1">
+            <a:schemeClr val="accent1"/>
+          </a:fillRef>
+          <a:effectRef idx="1">
+            <a:schemeClr val="accent1"/>
+          </a:effectRef>
+          <a:fontRef idx="minor">
+            <a:schemeClr val="lt1"/>
+          </a:fontRef>
+        </p:style>
+        <p:txBody>
+          <a:bodyPr vert="horz" wrap="square" lIns="91440" tIns="45720" rIns="91440" bIns="45720" anchor="ctr" compatLnSpc="1"/>
+          <a:lstStyle>
+            <a:extLst/>
+          </a:lstStyle>
+          <a:p>
+            <a:pPr algn="ctr" eaLnBrk="1" latinLnBrk="0" hangingPunct="1"/>
+            <a:endParaRPr kumimoji="0" lang="en-US"/>
+          </a:p>
+        </p:txBody>
+      </p:sp>
+      <p:cxnSp>
+        <p:nvCxnSpPr>
+          <p:cNvPr id="11" name="Straight Connector 10"/>
+          <p:cNvCxnSpPr/>
+          <p:nvPr/>
+        </p:nvCxnSpPr>
         <p:spPr>
           <a:xfrm>
-            <a:off x="457200" y="704088"/>
+            <a:off x="-9237" y="5787738"/>
+            <a:ext cx="3405509" cy="1084383"/>
+          </a:xfrm>
+          <a:prstGeom prst="line">
+            <a:avLst/>
+          </a:prstGeom>
+          <a:noFill/>
+          <a:ln w="12065" cap="flat" cmpd="sng" algn="ctr">
+            <a:gradFill>
+              <a:gsLst>
+                <a:gs pos="45000">
+                  <a:schemeClr val="accent1">
+                    <a:tint val="70000"/>
+                    <a:satMod val="110000"/>
+                  </a:schemeClr>
+                </a:gs>
+                <a:gs pos="15000">
+                  <a:schemeClr val="accent1">
+                    <a:shade val="40000"/>
+                    <a:satMod val="110000"/>
+                  </a:schemeClr>
+                </a:gs>
+              </a:gsLst>
+              <a:lin ang="5400000" scaled="1"/>
+            </a:gradFill>
+            <a:prstDash val="solid"/>
+            <a:miter lim="800000"/>
+          </a:ln>
+          <a:effectLst/>
+        </p:spPr>
+        <p:style>
+          <a:lnRef idx="2">
+            <a:schemeClr val="accent1"/>
+          </a:lnRef>
+          <a:fillRef idx="0">
+            <a:schemeClr val="accent1"/>
+          </a:fillRef>
+          <a:effectRef idx="1">
+            <a:schemeClr val="accent1"/>
+          </a:effectRef>
+          <a:fontRef idx="minor">
+            <a:schemeClr val="tx1"/>
+          </a:fontRef>
+        </p:style>
+      </p:cxnSp>
+      <p:sp>
+        <p:nvSpPr>
+          <p:cNvPr id="12" name="Chevron 11"/>
+          <p:cNvSpPr/>
+          <p:nvPr/>
+        </p:nvSpPr>
+        <p:spPr>
+          <a:xfrm>
+            <a:off x="8664112" y="4988440"/>
+            <a:ext cx="182880" cy="228600"/>
+          </a:xfrm>
+          <a:prstGeom prst="chevron">
+            <a:avLst>
+              <a:gd name="adj" fmla="val 50000"/>
+            </a:avLst>
+          </a:prstGeom>
+          <a:gradFill flip="none" rotWithShape="1">
+            <a:gsLst>
+              <a:gs pos="0">
+                <a:schemeClr val="accent1">
+                  <a:shade val="60000"/>
+                  <a:satMod val="125000"/>
+                </a:schemeClr>
+              </a:gs>
+              <a:gs pos="72000">
+                <a:schemeClr val="accent1">
+                  <a:tint val="90000"/>
+                  <a:satMod val="138000"/>
+                </a:schemeClr>
+              </a:gs>
+              <a:gs pos="100000">
+                <a:schemeClr val="accent1">
+                  <a:tint val="76000"/>
+                  <a:satMod val="136000"/>
+                </a:schemeClr>
+              </a:gs>
+            </a:gsLst>
+            <a:lin ang="16200000" scaled="0"/>
+          </a:gradFill>
+          <a:ln w="3175" cap="rnd" cmpd="sng" algn="ctr">
+            <a:solidFill>
+              <a:schemeClr val="accent1">
+                <a:shade val="50000"/>
+              </a:schemeClr>
+            </a:solidFill>
+            <a:prstDash val="solid"/>
+          </a:ln>
+          <a:effectLst>
+            <a:outerShdw blurRad="50800" dist="25400" dir="5400000">
+              <a:srgbClr val="000000">
+                <a:alpha val="46000"/>
+              </a:srgbClr>
+            </a:outerShdw>
+          </a:effectLst>
+        </p:spPr>
+        <p:style>
+          <a:lnRef idx="1">
+            <a:schemeClr val="accent1"/>
+          </a:lnRef>
+          <a:fillRef idx="3">
+            <a:schemeClr val="accent1"/>
+          </a:fillRef>
+          <a:effectRef idx="2">
+            <a:schemeClr val="accent1"/>
+          </a:effectRef>
+          <a:fontRef idx="minor">
+            <a:schemeClr val="lt1"/>
+          </a:fontRef>
+        </p:style>
+        <p:txBody>
+          <a:bodyPr anchor="ctr"/>
+          <a:lstStyle>
+            <a:extLst/>
+          </a:lstStyle>
+          <a:p>
+            <a:pPr algn="l" eaLnBrk="1" latinLnBrk="0" hangingPunct="1"/>
+            <a:endParaRPr kumimoji="0" lang="en-US"/>
+          </a:p>
+        </p:txBody>
+      </p:sp>
+      <p:sp>
+        <p:nvSpPr>
+          <p:cNvPr id="13" name="Chevron 12"/>
+          <p:cNvSpPr/>
+          <p:nvPr/>
+        </p:nvSpPr>
+        <p:spPr>
+          <a:xfrm>
+            <a:off x="8477696" y="4988440"/>
+            <a:ext cx="182880" cy="228600"/>
+          </a:xfrm>
+          <a:prstGeom prst="chevron">
+            <a:avLst>
+              <a:gd name="adj" fmla="val 50000"/>
+            </a:avLst>
+          </a:prstGeom>
+          <a:gradFill flip="none" rotWithShape="1">
+            <a:gsLst>
+              <a:gs pos="0">
+                <a:schemeClr val="accent1">
+                  <a:shade val="60000"/>
+                  <a:satMod val="125000"/>
+                </a:schemeClr>
+              </a:gs>
+              <a:gs pos="72000">
+                <a:schemeClr val="accent1">
+                  <a:tint val="90000"/>
+                  <a:satMod val="138000"/>
+                </a:schemeClr>
+              </a:gs>
+              <a:gs pos="100000">
+                <a:schemeClr val="accent1">
+                  <a:tint val="76000"/>
+                  <a:satMod val="136000"/>
+                </a:schemeClr>
+              </a:gs>
+            </a:gsLst>
+            <a:lin ang="16200000" scaled="0"/>
+          </a:gradFill>
+          <a:ln w="3175" cap="rnd" cmpd="sng" algn="ctr">
+            <a:solidFill>
+              <a:schemeClr val="accent1">
+                <a:shade val="50000"/>
+              </a:schemeClr>
+            </a:solidFill>
+            <a:prstDash val="solid"/>
+          </a:ln>
+          <a:effectLst>
+            <a:outerShdw blurRad="50800" dist="25400" dir="5400000">
+              <a:srgbClr val="000000">
+                <a:alpha val="46000"/>
+              </a:srgbClr>
+            </a:outerShdw>
+          </a:effectLst>
+        </p:spPr>
+        <p:style>
+          <a:lnRef idx="1">
+            <a:schemeClr val="accent1"/>
+          </a:lnRef>
+          <a:fillRef idx="3">
+            <a:schemeClr val="accent1"/>
+          </a:fillRef>
+          <a:effectRef idx="2">
+            <a:schemeClr val="accent1"/>
+          </a:effectRef>
+          <a:fontRef idx="minor">
+            <a:schemeClr val="lt1"/>
+          </a:fontRef>
+        </p:style>
+        <p:txBody>
+          <a:bodyPr anchor="ctr"/>
+          <a:lstStyle>
+            <a:extLst/>
+          </a:lstStyle>
+          <a:p>
+            <a:pPr algn="l" eaLnBrk="1" latinLnBrk="0" hangingPunct="1"/>
+            <a:endParaRPr kumimoji="0" lang="en-US"/>
+          </a:p>
+        </p:txBody>
+      </p:sp>
+    </p:spTree>
+  </p:cSld>
+  <p:clrMapOvr>
+    <a:overrideClrMapping bg1="dk1" tx1="lt1" bg2="dk2" tx2="lt2" accent1="accent1" accent2="accent2" accent3="accent3" accent4="accent4" accent5="accent5" accent6="accent6" hlink="hlink" folHlink="folHlink"/>
+  </p:clrMapOvr>
+</p:sldLayout>
+</file>
+
+<file path=ppt/slideMasters/slideMaster1.xml><?xml version="1.0" encoding="utf-8"?>
+<p:sldMaster xmlns:a="http://schemas.openxmlformats.org/drawingml/2006/main" xmlns:r="http://schemas.openxmlformats.org/officeDocument/2006/relationships" xmlns:p="http://schemas.openxmlformats.org/presentationml/2006/main">
+  <p:cSld>
+    <p:bg>
+      <p:bgRef idx="1001">
+        <a:schemeClr val="bg1"/>
+      </p:bgRef>
+    </p:bg>
+    <p:spTree>
+      <p:nvGrpSpPr>
+        <p:cNvPr id="1" name=""/>
+        <p:cNvGrpSpPr/>
+        <p:nvPr/>
+      </p:nvGrpSpPr>
+      <p:grpSpPr>
+        <a:xfrm>
+          <a:off x="0" y="0"/>
+          <a:ext cx="0" cy="0"/>
+          <a:chOff x="0" y="0"/>
+          <a:chExt cx="0" cy="0"/>
+        </a:xfrm>
+      </p:grpSpPr>
+      <p:sp>
+        <p:nvSpPr>
+          <p:cNvPr id="13" name="Freeform 12"/>
+          <p:cNvSpPr>
+            <a:spLocks/>
+          </p:cNvSpPr>
+          <p:nvPr/>
+        </p:nvSpPr>
+        <p:spPr bwMode="auto">
+          <a:xfrm>
+            <a:off x="499273" y="5944936"/>
+            <a:ext cx="4940624" cy="921076"/>
+          </a:xfrm>
+          <a:custGeom>
+            <a:avLst>
+              <a:gd name="A1" fmla="val 0"/>
+              <a:gd name="A2" fmla="val 0"/>
+              <a:gd name="A3" fmla="val 0"/>
+              <a:gd name="A4" fmla="val 0"/>
+              <a:gd name="A5" fmla="val 0"/>
+              <a:gd name="A6" fmla="val 0"/>
+              <a:gd name="A7" fmla="val 0"/>
+              <a:gd name="A8" fmla="val 0"/>
+            </a:avLst>
+            <a:gdLst/>
+            <a:ahLst/>
+            <a:cxnLst>
+              <a:cxn ang="0">
+                <a:pos x="0" y="0"/>
+              </a:cxn>
+              <a:cxn ang="0">
+                <a:pos x="5760" y="0"/>
+              </a:cxn>
+              <a:cxn ang="0">
+                <a:pos x="5760" y="528"/>
+              </a:cxn>
+              <a:cxn ang="0">
+                <a:pos x="48" y="0"/>
+              </a:cxn>
+            </a:cxnLst>
+            <a:rect l="0" t="0" r="0" b="0"/>
+            <a:pathLst>
+              <a:path w="7485" h="337">
+                <a:moveTo>
+                  <a:pt x="0" y="2"/>
+                </a:moveTo>
+                <a:lnTo>
+                  <a:pt x="7485" y="337"/>
+                </a:lnTo>
+                <a:lnTo>
+                  <a:pt x="5558" y="337"/>
+                </a:lnTo>
+                <a:lnTo>
+                  <a:pt x="1" y="0"/>
+                </a:lnTo>
+              </a:path>
+            </a:pathLst>
+          </a:custGeom>
+          <a:solidFill>
+            <a:schemeClr val="accent1">
+              <a:tint val="65000"/>
+              <a:satMod val="115000"/>
+              <a:alpha val="40000"/>
+            </a:schemeClr>
+          </a:solidFill>
+          <a:ln w="9525" cap="flat" cmpd="sng" algn="ctr">
+            <a:noFill/>
+            <a:prstDash val="solid"/>
+            <a:round/>
+            <a:headEnd type="none" w="med" len="med"/>
+            <a:tailEnd type="none" w="med" len="med"/>
+          </a:ln>
+          <a:effectLst/>
+        </p:spPr>
+        <p:txBody>
+          <a:bodyPr vert="horz" wrap="square" lIns="91440" tIns="45720" rIns="91440" bIns="45720" anchor="t" compatLnSpc="1"/>
+          <a:lstStyle>
+            <a:extLst/>
+          </a:lstStyle>
+          <a:p>
+            <a:endParaRPr kumimoji="0" lang="en-US"/>
+          </a:p>
+        </p:txBody>
+      </p:sp>
+      <p:sp>
+        <p:nvSpPr>
+          <p:cNvPr id="12" name="Freeform 11"/>
+          <p:cNvSpPr>
+            <a:spLocks/>
+          </p:cNvSpPr>
+          <p:nvPr/>
+        </p:nvSpPr>
+        <p:spPr bwMode="auto">
+          <a:xfrm>
+            <a:off x="485717" y="5939011"/>
+            <a:ext cx="3690451" cy="933450"/>
+          </a:xfrm>
+          <a:custGeom>
+            <a:avLst>
+              <a:gd name="A1" fmla="val 0"/>
+              <a:gd name="A2" fmla="val 0"/>
+              <a:gd name="A3" fmla="val 0"/>
+              <a:gd name="A4" fmla="val 0"/>
+              <a:gd name="A5" fmla="val 0"/>
+              <a:gd name="A6" fmla="val 0"/>
+              <a:gd name="A7" fmla="val 0"/>
+              <a:gd name="A8" fmla="val 0"/>
+            </a:avLst>
+            <a:gdLst/>
+            <a:ahLst/>
+            <a:cxnLst>
+              <a:cxn ang="0">
+                <a:pos x="0" y="0"/>
+              </a:cxn>
+              <a:cxn ang="0">
+                <a:pos x="5760" y="0"/>
+              </a:cxn>
+              <a:cxn ang="0">
+                <a:pos x="5760" y="528"/>
+              </a:cxn>
+              <a:cxn ang="0">
+                <a:pos x="48" y="0"/>
+              </a:cxn>
+            </a:cxnLst>
+            <a:rect l="0" t="0" r="0" b="0"/>
+            <a:pathLst>
+              <a:path w="5591" h="588">
+                <a:moveTo>
+                  <a:pt x="0" y="0"/>
+                </a:moveTo>
+                <a:lnTo>
+                  <a:pt x="5591" y="585"/>
+                </a:lnTo>
+                <a:lnTo>
+                  <a:pt x="4415" y="588"/>
+                </a:lnTo>
+                <a:lnTo>
+                  <a:pt x="12" y="4"/>
+                </a:lnTo>
+              </a:path>
+            </a:pathLst>
+          </a:custGeom>
+          <a:solidFill>
+            <a:srgbClr val="000000">
+              <a:alpha val="100000"/>
+            </a:srgbClr>
+          </a:solidFill>
+          <a:ln w="9525" cap="flat" cmpd="sng" algn="ctr">
+            <a:noFill/>
+            <a:prstDash val="solid"/>
+            <a:round/>
+            <a:headEnd type="none" w="med" len="med"/>
+            <a:tailEnd type="none" w="med" len="med"/>
+          </a:ln>
+          <a:effectLst/>
+        </p:spPr>
+        <p:txBody>
+          <a:bodyPr vert="horz" wrap="square" lIns="91440" tIns="45720" rIns="91440" bIns="45720" anchor="t" compatLnSpc="1"/>
+          <a:lstStyle>
+            <a:extLst/>
+          </a:lstStyle>
+          <a:p>
+            <a:endParaRPr kumimoji="0" lang="en-US"/>
+          </a:p>
+        </p:txBody>
+      </p:sp>
+      <p:sp>
+        <p:nvSpPr>
+          <p:cNvPr id="14" name="Right Triangle 13"/>
+          <p:cNvSpPr>
+            <a:spLocks/>
+          </p:cNvSpPr>
+          <p:nvPr/>
+        </p:nvSpPr>
+        <p:spPr bwMode="auto">
+          <a:xfrm>
+            <a:off x="-6042" y="5791253"/>
+            <a:ext cx="3402314" cy="1080868"/>
+          </a:xfrm>
+          <a:prstGeom prst="rtTriangle">
+            <a:avLst/>
+          </a:prstGeom>
+          <a:blipFill>
+            <a:blip r:embed="rId13" cstate="print">
+              <a:alphaModFix amt="50000"/>
+            </a:blip>
+            <a:tile tx="0" ty="0" sx="50000" sy="50000" flip="none" algn="t"/>
+          </a:blipFill>
+          <a:ln w="12700" cap="rnd" cmpd="thickThin" algn="ctr">
+            <a:noFill/>
+            <a:prstDash val="solid"/>
+          </a:ln>
+          <a:effectLst>
+            <a:fillOverlay blend="mult">
+              <a:gradFill flip="none" rotWithShape="1">
+                <a:gsLst>
+                  <a:gs pos="0">
+                    <a:schemeClr val="accent1">
+                      <a:shade val="20000"/>
+                      <a:satMod val="176000"/>
+                      <a:alpha val="100000"/>
+                    </a:schemeClr>
+                  </a:gs>
+                  <a:gs pos="18000">
+                    <a:schemeClr val="accent1">
+                      <a:shade val="48000"/>
+                      <a:satMod val="153000"/>
+                      <a:alpha val="100000"/>
+                    </a:schemeClr>
+                  </a:gs>
+                  <a:gs pos="43000">
+                    <a:schemeClr val="accent1">
+                      <a:tint val="86000"/>
+                      <a:satMod val="149000"/>
+                      <a:alpha val="100000"/>
+                    </a:schemeClr>
+                  </a:gs>
+                  <a:gs pos="45000">
+                    <a:schemeClr val="accent1">
+                      <a:tint val="85000"/>
+                      <a:satMod val="150000"/>
+                      <a:alpha val="100000"/>
+                    </a:schemeClr>
+                  </a:gs>
+                  <a:gs pos="50000">
+                    <a:schemeClr val="accent1">
+                      <a:tint val="86000"/>
+                      <a:satMod val="149000"/>
+                      <a:alpha val="100000"/>
+                    </a:schemeClr>
+                  </a:gs>
+                  <a:gs pos="79000">
+                    <a:schemeClr val="accent1">
+                      <a:shade val="53000"/>
+                      <a:satMod val="150000"/>
+                      <a:alpha val="100000"/>
+                    </a:schemeClr>
+                  </a:gs>
+                  <a:gs pos="100000">
+                    <a:schemeClr val="accent1">
+                      <a:shade val="25000"/>
+                      <a:satMod val="170000"/>
+                      <a:alpha val="100000"/>
+                    </a:schemeClr>
+                  </a:gs>
+                </a:gsLst>
+                <a:lin ang="450000" scaled="1"/>
+                <a:tileRect/>
+              </a:gradFill>
+            </a:fillOverlay>
+          </a:effectLst>
+        </p:spPr>
+        <p:style>
+          <a:lnRef idx="3">
+            <a:schemeClr val="lt1"/>
+          </a:lnRef>
+          <a:fillRef idx="1">
+            <a:schemeClr val="accent1"/>
+          </a:fillRef>
+          <a:effectRef idx="1">
+            <a:schemeClr val="accent1"/>
+          </a:effectRef>
+          <a:fontRef idx="minor">
+            <a:schemeClr val="lt1"/>
+          </a:fontRef>
+        </p:style>
+        <p:txBody>
+          <a:bodyPr vert="horz" wrap="square" lIns="91440" tIns="45720" rIns="91440" bIns="45720" anchor="ctr" compatLnSpc="1"/>
+          <a:lstStyle>
+            <a:extLst/>
+          </a:lstStyle>
+          <a:p>
+            <a:pPr algn="ctr" eaLnBrk="1" latinLnBrk="0" hangingPunct="1"/>
+            <a:endParaRPr kumimoji="0" lang="en-US"/>
+          </a:p>
+        </p:txBody>
+      </p:sp>
+      <p:cxnSp>
+        <p:nvCxnSpPr>
+          <p:cNvPr id="15" name="Straight Connector 14"/>
+          <p:cNvCxnSpPr/>
+          <p:nvPr/>
+        </p:nvCxnSpPr>
+        <p:spPr>
+          <a:xfrm>
+            <a:off x="-9237" y="5787738"/>
+            <a:ext cx="3405509" cy="1084383"/>
+          </a:xfrm>
+          <a:prstGeom prst="line">
+            <a:avLst/>
+          </a:prstGeom>
+          <a:noFill/>
+          <a:ln w="12065" cap="flat" cmpd="sng" algn="ctr">
+            <a:gradFill>
+              <a:gsLst>
+                <a:gs pos="45000">
+                  <a:schemeClr val="accent1">
+                    <a:tint val="70000"/>
+                    <a:satMod val="110000"/>
+                  </a:schemeClr>
+                </a:gs>
+                <a:gs pos="15000">
+                  <a:schemeClr val="accent1">
+                    <a:shade val="40000"/>
+                    <a:satMod val="110000"/>
+                  </a:schemeClr>
+                </a:gs>
+              </a:gsLst>
+              <a:lin ang="5400000" scaled="1"/>
+            </a:gradFill>
+            <a:prstDash val="solid"/>
+            <a:miter lim="800000"/>
+          </a:ln>
+          <a:effectLst/>
+        </p:spPr>
+        <p:style>
+          <a:lnRef idx="2">
+            <a:schemeClr val="accent1"/>
+          </a:lnRef>
+          <a:fillRef idx="0">
+            <a:schemeClr val="accent1"/>
+          </a:fillRef>
+          <a:effectRef idx="1">
+            <a:schemeClr val="accent1"/>
+          </a:effectRef>
+          <a:fontRef idx="minor">
+            <a:schemeClr val="tx1"/>
+          </a:fontRef>
+        </p:style>
+      </p:cxnSp>
+      <p:sp>
+        <p:nvSpPr>
+          <p:cNvPr id="9" name="Title Placeholder 8"/>
+          <p:cNvSpPr>
+            <a:spLocks noGrp="1"/>
+          </p:cNvSpPr>
+          <p:nvPr>
+            <p:ph type="title"/>
+          </p:nvPr>
+        </p:nvSpPr>
+        <p:spPr>
+          <a:xfrm>
+            <a:off x="457200" y="274638"/>
             <a:ext cx="8229600" cy="1143000"/>
           </a:xfrm>
           <a:prstGeom prst="rect">
@@ -3594,10 +4541,19 @@
           </a:prstGeom>
         </p:spPr>
         <p:txBody>
-          <a:bodyPr vert="horz" lIns="0" rIns="0" bIns="0" anchor="b">
+          <a:bodyPr vert="horz" anchor="ctr">
             <a:normAutofit/>
+            <a:scene3d>
+              <a:camera prst="orthographicFront"/>
+              <a:lightRig rig="soft" dir="t"/>
+            </a:scene3d>
+            <a:sp3d prstMaterial="softEdge">
+              <a:bevelT w="25400" h="25400"/>
+            </a:sp3d>
           </a:bodyPr>
-          <a:lstStyle/>
+          <a:lstStyle>
+            <a:extLst/>
+          </a:lstStyle>
           <a:p>
             <a:r>
               <a:rPr kumimoji="0" lang="en-US" smtClean="0"/>
@@ -3619,8 +4575,8 @@
         </p:nvSpPr>
         <p:spPr>
           <a:xfrm>
-            <a:off x="457200" y="1935480"/>
-            <a:ext cx="8229600" cy="4389120"/>
+            <a:off x="457200" y="1481328"/>
+            <a:ext cx="8229600" cy="4525963"/>
           </a:xfrm>
           <a:prstGeom prst="rect">
             <a:avLst/>
@@ -3630,7 +4586,9 @@
           <a:bodyPr vert="horz">
             <a:normAutofit/>
           </a:bodyPr>
-          <a:lstStyle/>
+          <a:lstStyle>
+            <a:extLst/>
+          </a:lstStyle>
           <a:p>
             <a:pPr lvl="0" eaLnBrk="1" latinLnBrk="0" hangingPunct="1"/>
             <a:r>
@@ -3681,25 +4639,24 @@
         </p:nvSpPr>
         <p:spPr>
           <a:xfrm>
-            <a:off x="457200" y="6356350"/>
-            <a:ext cx="2133600" cy="365125"/>
+            <a:off x="6727032" y="6407944"/>
+            <a:ext cx="1920240" cy="365760"/>
           </a:xfrm>
           <a:prstGeom prst="rect">
             <a:avLst/>
           </a:prstGeom>
         </p:spPr>
         <p:txBody>
-          <a:bodyPr vert="horz" lIns="0" tIns="0" rIns="0" bIns="0" anchor="b"/>
+          <a:bodyPr vert="horz" anchor="b"/>
           <a:lstStyle>
             <a:lvl1pPr algn="l" eaLnBrk="1" latinLnBrk="0" hangingPunct="1">
-              <a:defRPr kumimoji="0" sz="1200">
+              <a:defRPr kumimoji="0" sz="1000">
                 <a:solidFill>
-                  <a:schemeClr val="tx2">
-                    <a:shade val="90000"/>
-                  </a:schemeClr>
+                  <a:schemeClr val="tx1"/>
                 </a:solidFill>
               </a:defRPr>
             </a:lvl1pPr>
+            <a:extLst/>
           </a:lstStyle>
           <a:p>
             <a:fld id="{3D2AAC30-1865-4075-B853-EE863C02BBEA}" type="datetimeFigureOut">
@@ -3723,25 +4680,24 @@
         </p:nvSpPr>
         <p:spPr>
           <a:xfrm>
-            <a:off x="2667000" y="6356350"/>
-            <a:ext cx="3352800" cy="365125"/>
+            <a:off x="4380072" y="6407944"/>
+            <a:ext cx="2350681" cy="365125"/>
           </a:xfrm>
           <a:prstGeom prst="rect">
             <a:avLst/>
           </a:prstGeom>
         </p:spPr>
         <p:txBody>
-          <a:bodyPr vert="horz" lIns="0" tIns="0" rIns="0" bIns="0" anchor="b"/>
-          <a:lstStyle>
-            <a:lvl1pPr algn="l" eaLnBrk="1" latinLnBrk="0" hangingPunct="1">
-              <a:defRPr kumimoji="0" sz="1200">
+          <a:bodyPr vert="horz" anchor="b"/>
+          <a:lstStyle>
+            <a:lvl1pPr algn="r" eaLnBrk="1" latinLnBrk="0" hangingPunct="1">
+              <a:defRPr kumimoji="0" sz="1000">
                 <a:solidFill>
-                  <a:schemeClr val="tx2">
-                    <a:shade val="90000"/>
-                  </a:schemeClr>
+                  <a:schemeClr val="tx1"/>
                 </a:solidFill>
               </a:defRPr>
             </a:lvl1pPr>
+            <a:extLst/>
           </a:lstStyle>
           <a:p>
             <a:endParaRPr lang="en-US"/>
@@ -3760,25 +4716,24 @@
         </p:nvSpPr>
         <p:spPr>
           <a:xfrm>
-            <a:off x="7924800" y="6356350"/>
-            <a:ext cx="762000" cy="365125"/>
+            <a:off x="8647272" y="6407944"/>
+            <a:ext cx="365760" cy="365125"/>
           </a:xfrm>
           <a:prstGeom prst="rect">
             <a:avLst/>
           </a:prstGeom>
         </p:spPr>
         <p:txBody>
-          <a:bodyPr vert="horz" lIns="0" tIns="0" rIns="0" bIns="0" anchor="b"/>
+          <a:bodyPr vert="horz" anchor="b"/>
           <a:lstStyle>
             <a:lvl1pPr algn="r" eaLnBrk="1" latinLnBrk="0" hangingPunct="1">
-              <a:defRPr kumimoji="0" sz="1200">
+              <a:defRPr kumimoji="0" sz="1000" b="0">
                 <a:solidFill>
-                  <a:schemeClr val="tx2">
-                    <a:shade val="90000"/>
-                  </a:schemeClr>
+                  <a:schemeClr val="tx1"/>
                 </a:solidFill>
               </a:defRPr>
             </a:lvl1pPr>
+            <a:extLst/>
           </a:lstStyle>
           <a:p>
             <a:fld id="{CF8BCE74-13A9-4952-9D08-7675832C827C}" type="slidenum">
@@ -3790,235 +4745,21 @@
           </a:p>
         </p:txBody>
       </p:sp>
-      <p:grpSp>
-        <p:nvGrpSpPr>
-          <p:cNvPr id="2" name="Group 1"/>
-          <p:cNvGrpSpPr/>
-          <p:nvPr/>
-        </p:nvGrpSpPr>
-        <p:grpSpPr>
-          <a:xfrm>
-            <a:off x="-19017" y="202408"/>
-            <a:ext cx="9180548" cy="649224"/>
-            <a:chOff x="-19045" y="216550"/>
-            <a:chExt cx="9180548" cy="649224"/>
-          </a:xfrm>
-        </p:grpSpPr>
-        <p:sp>
-          <p:nvSpPr>
-            <p:cNvPr id="12" name="Freeform 11"/>
-            <p:cNvSpPr>
-              <a:spLocks/>
-            </p:cNvSpPr>
-            <p:nvPr/>
-          </p:nvSpPr>
-          <p:spPr bwMode="auto">
-            <a:xfrm rot="21435692">
-              <a:off x="-19045" y="216550"/>
-              <a:ext cx="9163050" cy="649224"/>
-            </a:xfrm>
-            <a:custGeom>
-              <a:avLst>
-                <a:gd name="A1" fmla="val 0"/>
-                <a:gd name="A2" fmla="val 0"/>
-                <a:gd name="A3" fmla="val 0"/>
-                <a:gd name="A4" fmla="val 0"/>
-                <a:gd name="A5" fmla="val 0"/>
-                <a:gd name="A6" fmla="val 0"/>
-                <a:gd name="A7" fmla="val 0"/>
-                <a:gd name="A8" fmla="val 0"/>
-              </a:avLst>
-              <a:gdLst/>
-              <a:ahLst/>
-              <a:cxnLst>
-                <a:cxn ang="0">
-                  <a:pos x="0" y="966"/>
-                </a:cxn>
-                <a:cxn ang="0">
-                  <a:pos x="1608" y="282"/>
-                </a:cxn>
-                <a:cxn ang="0">
-                  <a:pos x="4110" y="1008"/>
-                </a:cxn>
-                <a:cxn ang="0">
-                  <a:pos x="5772" y="0"/>
-                </a:cxn>
-              </a:cxnLst>
-              <a:rect l="0" t="0" r="0" b="0"/>
-              <a:pathLst>
-                <a:path w="5772" h="1055">
-                  <a:moveTo>
-                    <a:pt x="0" y="966"/>
-                  </a:moveTo>
-                  <a:cubicBezTo>
-                    <a:pt x="282" y="738"/>
-                    <a:pt x="923" y="275"/>
-                    <a:pt x="1608" y="282"/>
-                  </a:cubicBezTo>
-                  <a:cubicBezTo>
-                    <a:pt x="2293" y="289"/>
-                    <a:pt x="3416" y="1055"/>
-                    <a:pt x="4110" y="1008"/>
-                  </a:cubicBezTo>
-                  <a:cubicBezTo>
-                    <a:pt x="4804" y="961"/>
-                    <a:pt x="5426" y="210"/>
-                    <a:pt x="5772" y="0"/>
-                  </a:cubicBezTo>
-                </a:path>
-              </a:pathLst>
-            </a:custGeom>
-            <a:noFill/>
-            <a:ln w="10795" cap="flat" cmpd="sng" algn="ctr">
-              <a:gradFill>
-                <a:gsLst>
-                  <a:gs pos="74000">
-                    <a:schemeClr val="accent3">
-                      <a:shade val="75000"/>
-                    </a:schemeClr>
-                  </a:gs>
-                  <a:gs pos="86000">
-                    <a:schemeClr val="tx1">
-                      <a:alpha val="29000"/>
-                    </a:schemeClr>
-                  </a:gs>
-                  <a:gs pos="16000">
-                    <a:schemeClr val="accent2">
-                      <a:shade val="75000"/>
-                      <a:alpha val="56000"/>
-                    </a:schemeClr>
-                  </a:gs>
-                </a:gsLst>
-                <a:lin ang="5400000" scaled="1"/>
-              </a:gradFill>
-              <a:prstDash val="solid"/>
-              <a:round/>
-              <a:headEnd type="none" w="med" len="med"/>
-              <a:tailEnd type="none" w="med" len="med"/>
-            </a:ln>
-            <a:effectLst/>
-          </p:spPr>
-          <p:txBody>
-            <a:bodyPr vert="horz" wrap="square" lIns="91440" tIns="45720" rIns="91440" bIns="45720" anchor="t" compatLnSpc="1"/>
-            <a:lstStyle/>
-            <a:p>
-              <a:endParaRPr kumimoji="0" lang="en-US"/>
-            </a:p>
-          </p:txBody>
-        </p:sp>
-        <p:sp>
-          <p:nvSpPr>
-            <p:cNvPr id="13" name="Freeform 12"/>
-            <p:cNvSpPr>
-              <a:spLocks/>
-            </p:cNvSpPr>
-            <p:nvPr/>
-          </p:nvSpPr>
-          <p:spPr bwMode="auto">
-            <a:xfrm rot="21435692">
-              <a:off x="-14309" y="290003"/>
-              <a:ext cx="9175812" cy="530352"/>
-            </a:xfrm>
-            <a:custGeom>
-              <a:avLst>
-                <a:gd name="A1" fmla="val 0"/>
-                <a:gd name="A2" fmla="val 0"/>
-                <a:gd name="A3" fmla="val 0"/>
-                <a:gd name="A4" fmla="val 0"/>
-                <a:gd name="A5" fmla="val 0"/>
-                <a:gd name="A6" fmla="val 0"/>
-                <a:gd name="A7" fmla="val 0"/>
-                <a:gd name="A8" fmla="val 0"/>
-              </a:avLst>
-              <a:gdLst/>
-              <a:ahLst/>
-              <a:cxnLst>
-                <a:cxn ang="0">
-                  <a:pos x="0" y="732"/>
-                </a:cxn>
-                <a:cxn ang="0">
-                  <a:pos x="1638" y="228"/>
-                </a:cxn>
-                <a:cxn ang="0">
-                  <a:pos x="4122" y="816"/>
-                </a:cxn>
-                <a:cxn ang="0">
-                  <a:pos x="5766" y="0"/>
-                </a:cxn>
-              </a:cxnLst>
-              <a:rect l="0" t="0" r="0" b="0"/>
-              <a:pathLst>
-                <a:path w="5766" h="854">
-                  <a:moveTo>
-                    <a:pt x="0" y="732"/>
-                  </a:moveTo>
-                  <a:cubicBezTo>
-                    <a:pt x="273" y="647"/>
-                    <a:pt x="951" y="214"/>
-                    <a:pt x="1638" y="228"/>
-                  </a:cubicBezTo>
-                  <a:cubicBezTo>
-                    <a:pt x="2325" y="242"/>
-                    <a:pt x="3434" y="854"/>
-                    <a:pt x="4122" y="816"/>
-                  </a:cubicBezTo>
-                  <a:cubicBezTo>
-                    <a:pt x="4810" y="778"/>
-                    <a:pt x="5424" y="170"/>
-                    <a:pt x="5766" y="0"/>
-                  </a:cubicBezTo>
-                </a:path>
-              </a:pathLst>
-            </a:custGeom>
-            <a:noFill/>
-            <a:ln w="9525" cap="flat" cmpd="sng" algn="ctr">
-              <a:gradFill>
-                <a:gsLst>
-                  <a:gs pos="74000">
-                    <a:schemeClr val="accent4"/>
-                  </a:gs>
-                  <a:gs pos="44000">
-                    <a:schemeClr val="accent1"/>
-                  </a:gs>
-                  <a:gs pos="33000">
-                    <a:schemeClr val="accent2">
-                      <a:alpha val="56000"/>
-                    </a:schemeClr>
-                  </a:gs>
-                </a:gsLst>
-                <a:lin ang="5400000" scaled="1"/>
-              </a:gradFill>
-              <a:prstDash val="solid"/>
-              <a:round/>
-              <a:headEnd type="none" w="med" len="med"/>
-              <a:tailEnd type="none" w="med" len="med"/>
-            </a:ln>
-            <a:effectLst/>
-          </p:spPr>
-          <p:txBody>
-            <a:bodyPr vert="horz" wrap="square" lIns="91440" tIns="45720" rIns="91440" bIns="45720" anchor="t" compatLnSpc="1"/>
-            <a:lstStyle/>
-            <a:p>
-              <a:endParaRPr kumimoji="0" lang="en-US"/>
-            </a:p>
-          </p:txBody>
-        </p:sp>
-      </p:grpSp>
     </p:spTree>
   </p:cSld>
   <p:clrMap bg1="lt1" tx1="dk1" bg2="lt2" tx2="dk2" accent1="accent1" accent2="accent2" accent3="accent3" accent4="accent4" accent5="accent5" accent6="accent6" hlink="hlink" folHlink="folHlink"/>
   <p:sldLayoutIdLst>
-    <p:sldLayoutId id="2147483697" r:id="rId1"/>
-    <p:sldLayoutId id="2147483698" r:id="rId2"/>
-    <p:sldLayoutId id="2147483699" r:id="rId3"/>
-    <p:sldLayoutId id="2147483700" r:id="rId4"/>
-    <p:sldLayoutId id="2147483701" r:id="rId5"/>
-    <p:sldLayoutId id="2147483702" r:id="rId6"/>
-    <p:sldLayoutId id="2147483703" r:id="rId7"/>
-    <p:sldLayoutId id="2147483704" r:id="rId8"/>
-    <p:sldLayoutId id="2147483705" r:id="rId9"/>
-    <p:sldLayoutId id="2147483706" r:id="rId10"/>
-    <p:sldLayoutId id="2147483707" r:id="rId11"/>
+    <p:sldLayoutId id="2147483709" r:id="rId1"/>
+    <p:sldLayoutId id="2147483710" r:id="rId2"/>
+    <p:sldLayoutId id="2147483711" r:id="rId3"/>
+    <p:sldLayoutId id="2147483712" r:id="rId4"/>
+    <p:sldLayoutId id="2147483713" r:id="rId5"/>
+    <p:sldLayoutId id="2147483714" r:id="rId6"/>
+    <p:sldLayoutId id="2147483715" r:id="rId7"/>
+    <p:sldLayoutId id="2147483716" r:id="rId8"/>
+    <p:sldLayoutId id="2147483717" r:id="rId9"/>
+    <p:sldLayoutId id="2147483718" r:id="rId10"/>
+    <p:sldLayoutId id="2147483719" r:id="rId11"/>
   </p:sldLayoutIdLst>
   <p:txStyles>
     <p:titleStyle>
@@ -4027,32 +4768,39 @@
           <a:spcPct val="0"/>
         </a:spcBef>
         <a:buNone/>
-        <a:defRPr kumimoji="0" sz="5000" b="0" kern="1200">
-          <a:ln>
-            <a:noFill/>
-          </a:ln>
+        <a:defRPr kumimoji="0" sz="4100" b="1" kern="1200">
           <a:solidFill>
             <a:schemeClr val="tx2"/>
           </a:solidFill>
-          <a:effectLst/>
+          <a:effectLst>
+            <a:outerShdw blurRad="31750" dist="25400" dir="5400000" algn="tl" rotWithShape="0">
+              <a:srgbClr val="000000">
+                <a:alpha val="25000"/>
+              </a:srgbClr>
+            </a:outerShdw>
+          </a:effectLst>
           <a:latin typeface="+mj-lt"/>
           <a:ea typeface="+mj-ea"/>
           <a:cs typeface="+mj-cs"/>
         </a:defRPr>
       </a:lvl1pPr>
+      <a:extLst/>
     </p:titleStyle>
     <p:bodyStyle>
-      <a:lvl1pPr marL="274320" indent="-274320" algn="l" rtl="0" eaLnBrk="1" latinLnBrk="0" hangingPunct="1">
+      <a:lvl1pPr marL="365760" indent="-256032" algn="l" rtl="0" eaLnBrk="1" latinLnBrk="0" hangingPunct="1">
         <a:spcBef>
-          <a:spcPct val="20000"/>
+          <a:spcPts val="400"/>
         </a:spcBef>
+        <a:spcAft>
+          <a:spcPts val="0"/>
+        </a:spcAft>
         <a:buClr>
-          <a:schemeClr val="accent3"/>
+          <a:schemeClr val="accent1"/>
         </a:buClr>
-        <a:buSzPct val="95000"/>
-        <a:buFont typeface="Wingdings 2"/>
-        <a:buChar char=""/>
-        <a:defRPr kumimoji="0" sz="2600" kern="1200">
+        <a:buSzPct val="68000"/>
+        <a:buFont typeface="Wingdings 3"/>
+        <a:buChar char=""/>
+        <a:defRPr kumimoji="0" sz="2700" kern="1200">
           <a:solidFill>
             <a:schemeClr val="tx1"/>
           </a:solidFill>
@@ -4061,17 +4809,16 @@
           <a:cs typeface="+mn-cs"/>
         </a:defRPr>
       </a:lvl1pPr>
-      <a:lvl2pPr marL="640080" indent="-246888" algn="l" rtl="0" eaLnBrk="1" latinLnBrk="0" hangingPunct="1">
+      <a:lvl2pPr marL="621792" indent="-228600" algn="l" rtl="0" eaLnBrk="1" latinLnBrk="0" hangingPunct="1">
         <a:spcBef>
-          <a:spcPct val="20000"/>
+          <a:spcPts val="324"/>
         </a:spcBef>
         <a:buClr>
           <a:schemeClr val="accent1"/>
         </a:buClr>
-        <a:buSzPct val="85000"/>
-        <a:buFont typeface="Wingdings 2"/>
-        <a:buChar char=""/>
-        <a:defRPr kumimoji="0" sz="2400" kern="1200">
+        <a:buFont typeface="Verdana"/>
+        <a:buChar char="◦"/>
+        <a:defRPr kumimoji="0" sz="2300" kern="1200">
           <a:solidFill>
             <a:schemeClr val="tx1"/>
           </a:solidFill>
@@ -4080,16 +4827,16 @@
           <a:cs typeface="+mn-cs"/>
         </a:defRPr>
       </a:lvl2pPr>
-      <a:lvl3pPr marL="914400" indent="-246888" algn="l" rtl="0" eaLnBrk="1" latinLnBrk="0" hangingPunct="1">
+      <a:lvl3pPr marL="859536" indent="-228600" algn="l" rtl="0" eaLnBrk="1" latinLnBrk="0" hangingPunct="1">
         <a:spcBef>
-          <a:spcPct val="20000"/>
+          <a:spcPts val="350"/>
         </a:spcBef>
         <a:buClr>
           <a:schemeClr val="accent2"/>
         </a:buClr>
-        <a:buSzPct val="70000"/>
+        <a:buSzPct val="100000"/>
         <a:buFont typeface="Wingdings 2"/>
-        <a:buChar char=""/>
+        <a:buChar char=""/>
         <a:defRPr kumimoji="0" sz="2100" kern="1200">
           <a:solidFill>
             <a:schemeClr val="tx1"/>
@@ -4099,17 +4846,16 @@
           <a:cs typeface="+mn-cs"/>
         </a:defRPr>
       </a:lvl3pPr>
-      <a:lvl4pPr marL="1188720" indent="-210312" algn="l" rtl="0" eaLnBrk="1" latinLnBrk="0" hangingPunct="1">
+      <a:lvl4pPr marL="1143000" indent="-228600" algn="l" rtl="0" eaLnBrk="1" latinLnBrk="0" hangingPunct="1">
         <a:spcBef>
-          <a:spcPct val="20000"/>
+          <a:spcPts val="350"/>
         </a:spcBef>
         <a:buClr>
-          <a:schemeClr val="accent3"/>
+          <a:schemeClr val="accent2"/>
         </a:buClr>
-        <a:buSzPct val="65000"/>
         <a:buFont typeface="Wingdings 2"/>
-        <a:buChar char=""/>
-        <a:defRPr kumimoji="0" sz="2000" kern="1200">
+        <a:buChar char=""/>
+        <a:defRPr kumimoji="0" sz="1900" kern="1200">
           <a:solidFill>
             <a:schemeClr val="tx1"/>
           </a:solidFill>
@@ -4118,17 +4864,16 @@
           <a:cs typeface="+mn-cs"/>
         </a:defRPr>
       </a:lvl4pPr>
-      <a:lvl5pPr marL="1463040" indent="-210312" algn="l" rtl="0" eaLnBrk="1" latinLnBrk="0" hangingPunct="1">
+      <a:lvl5pPr marL="1371600" indent="-228600" algn="l" rtl="0" eaLnBrk="1" latinLnBrk="0" hangingPunct="1">
         <a:spcBef>
-          <a:spcPct val="20000"/>
+          <a:spcPts val="350"/>
         </a:spcBef>
         <a:buClr>
-          <a:schemeClr val="accent4"/>
+          <a:schemeClr val="accent2"/>
         </a:buClr>
-        <a:buSzPct val="65000"/>
         <a:buFont typeface="Wingdings 2"/>
-        <a:buChar char=""/>
-        <a:defRPr kumimoji="0" sz="2000" kern="1200">
+        <a:buChar char=""/>
+        <a:defRPr kumimoji="0" sz="1800" kern="1200">
           <a:solidFill>
             <a:schemeClr val="tx1"/>
           </a:solidFill>
@@ -4137,16 +4882,15 @@
           <a:cs typeface="+mn-cs"/>
         </a:defRPr>
       </a:lvl5pPr>
-      <a:lvl6pPr marL="1737360" indent="-210312" algn="l" rtl="0" eaLnBrk="1" latinLnBrk="0" hangingPunct="1">
+      <a:lvl6pPr marL="1600200" indent="-228600" algn="l" rtl="0" eaLnBrk="1" latinLnBrk="0" hangingPunct="1">
         <a:spcBef>
-          <a:spcPct val="20000"/>
+          <a:spcPts val="350"/>
         </a:spcBef>
         <a:buClr>
-          <a:schemeClr val="accent5"/>
+          <a:schemeClr val="accent3"/>
         </a:buClr>
-        <a:buSzPct val="80000"/>
         <a:buFont typeface="Wingdings 2"/>
-        <a:buChar char=""/>
+        <a:buChar char=""/>
         <a:defRPr kumimoji="0" sz="1800" kern="1200">
           <a:solidFill>
             <a:schemeClr val="tx1"/>
@@ -4156,17 +4900,16 @@
           <a:cs typeface="+mn-cs"/>
         </a:defRPr>
       </a:lvl6pPr>
-      <a:lvl7pPr marL="1920240" indent="-182880" algn="l" rtl="0" eaLnBrk="1" latinLnBrk="0" hangingPunct="1">
+      <a:lvl7pPr marL="1828800" indent="-228600" algn="l" rtl="0" eaLnBrk="1" latinLnBrk="0" hangingPunct="1">
         <a:spcBef>
-          <a:spcPct val="20000"/>
+          <a:spcPts val="350"/>
         </a:spcBef>
         <a:buClr>
-          <a:schemeClr val="accent6"/>
+          <a:schemeClr val="accent3"/>
         </a:buClr>
-        <a:buSzPct val="80000"/>
         <a:buFont typeface="Wingdings 2"/>
-        <a:buChar char=""/>
-        <a:defRPr kumimoji="0" sz="1600" kern="1200" baseline="0">
+        <a:buChar char=""/>
+        <a:defRPr kumimoji="0" sz="1600" kern="1200">
           <a:solidFill>
             <a:schemeClr val="tx1"/>
           </a:solidFill>
@@ -4175,14 +4918,15 @@
           <a:cs typeface="+mn-cs"/>
         </a:defRPr>
       </a:lvl7pPr>
-      <a:lvl8pPr marL="2194560" indent="-182880" algn="l" rtl="0" eaLnBrk="1" latinLnBrk="0" hangingPunct="1">
+      <a:lvl8pPr marL="2057400" indent="-228600" algn="l" rtl="0" eaLnBrk="1" latinLnBrk="0" hangingPunct="1">
         <a:spcBef>
-          <a:spcPct val="20000"/>
+          <a:spcPts val="350"/>
         </a:spcBef>
         <a:buClr>
-          <a:schemeClr val="tx2"/>
+          <a:schemeClr val="accent3"/>
         </a:buClr>
-        <a:buChar char="•"/>
+        <a:buFont typeface="Wingdings 2"/>
+        <a:buChar char=""/>
         <a:defRPr kumimoji="0" sz="1600" kern="1200">
           <a:solidFill>
             <a:schemeClr val="tx1"/>
@@ -4192,16 +4936,16 @@
           <a:cs typeface="+mn-cs"/>
         </a:defRPr>
       </a:lvl8pPr>
-      <a:lvl9pPr marL="2468880" indent="-182880" algn="l" rtl="0" eaLnBrk="1" latinLnBrk="0" hangingPunct="1">
+      <a:lvl9pPr marL="2286000" indent="-228600" algn="l" rtl="0" eaLnBrk="1" latinLnBrk="0" hangingPunct="1">
         <a:spcBef>
-          <a:spcPct val="20000"/>
+          <a:spcPts val="350"/>
         </a:spcBef>
         <a:buClr>
-          <a:schemeClr val="tx2"/>
+          <a:schemeClr val="accent3"/>
         </a:buClr>
-        <a:buFontTx/>
-        <a:buChar char="•"/>
-        <a:defRPr kumimoji="0" sz="1400" kern="1200" baseline="0">
+        <a:buFont typeface="Wingdings 2"/>
+        <a:buChar char=""/>
+        <a:defRPr kumimoji="0" sz="1600" kern="1200" baseline="0">
           <a:solidFill>
             <a:schemeClr val="tx1"/>
           </a:solidFill>
@@ -4210,6 +4954,7 @@
           <a:cs typeface="+mn-cs"/>
         </a:defRPr>
       </a:lvl9pPr>
+      <a:extLst/>
     </p:bodyStyle>
     <p:otherStyle>
       <a:lvl1pPr marL="0" algn="l" rtl="0" eaLnBrk="1" latinLnBrk="0" hangingPunct="1">
@@ -4302,6 +5047,7 @@
           <a:cs typeface="+mn-cs"/>
         </a:defRPr>
       </a:lvl9pPr>
+      <a:extLst/>
     </p:otherStyle>
   </p:txStyles>
 </p:sldMaster>
@@ -4334,7 +5080,12 @@
             <p:ph type="ctrTitle"/>
           </p:nvPr>
         </p:nvSpPr>
-        <p:spPr/>
+        <p:spPr>
+          <a:xfrm>
+            <a:off x="685800" y="1524000"/>
+            <a:ext cx="7772400" cy="1829761"/>
+          </a:xfrm>
+        </p:spPr>
         <p:txBody>
           <a:bodyPr/>
           <a:lstStyle/>
@@ -4431,12 +5182,12 @@
       </p:grpSpPr>
       <p:sp>
         <p:nvSpPr>
-          <p:cNvPr id="2" name="Title 1"/>
-          <p:cNvSpPr>
-            <a:spLocks noGrp="1"/>
-          </p:cNvSpPr>
-          <p:nvPr>
-            <p:ph type="title"/>
+          <p:cNvPr id="3" name="Content Placeholder 2"/>
+          <p:cNvSpPr>
+            <a:spLocks noGrp="1"/>
+          </p:cNvSpPr>
+          <p:nvPr>
+            <p:ph idx="1"/>
           </p:nvPr>
         </p:nvSpPr>
         <p:spPr/>
@@ -4446,11 +5197,30 @@
           <a:p>
             <a:r>
               <a:rPr lang="en-US" dirty="0" smtClean="0"/>
-              <a:t>Basics </a:t>
-            </a:r>
+              <a:t>Java Application </a:t>
+            </a:r>
+          </a:p>
+          <a:p>
             <a:r>
               <a:rPr lang="en-US" dirty="0" smtClean="0"/>
-              <a:t>of the Game</a:t>
+              <a:t>SWT (Standard Widget Toolkit)</a:t>
+            </a:r>
+          </a:p>
+          <a:p>
+            <a:r>
+              <a:rPr lang="en-US" dirty="0" smtClean="0"/>
+              <a:t>JDBC Driver for </a:t>
+            </a:r>
+            <a:r>
+              <a:rPr lang="en-US" dirty="0" err="1" smtClean="0"/>
+              <a:t>SQLite</a:t>
+            </a:r>
+            <a:endParaRPr lang="en-US" dirty="0" smtClean="0"/>
+          </a:p>
+          <a:p>
+            <a:r>
+              <a:rPr lang="en-US" dirty="0" smtClean="0"/>
+              <a:t>Multiple Modes</a:t>
             </a:r>
             <a:endParaRPr lang="en-US" dirty="0"/>
           </a:p>
@@ -4458,12 +5228,12 @@
       </p:sp>
       <p:sp>
         <p:nvSpPr>
-          <p:cNvPr id="3" name="Content Placeholder 2"/>
-          <p:cNvSpPr>
-            <a:spLocks noGrp="1"/>
-          </p:cNvSpPr>
-          <p:nvPr>
-            <p:ph idx="1"/>
+          <p:cNvPr id="2" name="Title 1"/>
+          <p:cNvSpPr>
+            <a:spLocks noGrp="1"/>
+          </p:cNvSpPr>
+          <p:nvPr>
+            <p:ph type="title"/>
           </p:nvPr>
         </p:nvSpPr>
         <p:spPr/>
@@ -4473,30 +5243,7 @@
           <a:p>
             <a:r>
               <a:rPr lang="en-US" dirty="0" smtClean="0"/>
-              <a:t>Java Application </a:t>
-            </a:r>
-          </a:p>
-          <a:p>
-            <a:r>
-              <a:rPr lang="en-US" dirty="0" smtClean="0"/>
-              <a:t>SWT (Standard Widget Toolkit)</a:t>
-            </a:r>
-          </a:p>
-          <a:p>
-            <a:r>
-              <a:rPr lang="en-US" dirty="0" smtClean="0"/>
-              <a:t>JDBC Driver for </a:t>
-            </a:r>
-            <a:r>
-              <a:rPr lang="en-US" dirty="0" err="1" smtClean="0"/>
-              <a:t>SQLite</a:t>
-            </a:r>
-            <a:endParaRPr lang="en-US" dirty="0" smtClean="0"/>
-          </a:p>
-          <a:p>
-            <a:r>
-              <a:rPr lang="en-US" dirty="0" smtClean="0"/>
-              <a:t>Multiple Modes</a:t>
+              <a:t>Basics of the Game</a:t>
             </a:r>
             <a:endParaRPr lang="en-US" dirty="0"/>
           </a:p>
@@ -4534,6 +5281,29 @@
           <a:chExt cx="0" cy="0"/>
         </a:xfrm>
       </p:grpSpPr>
+      <p:pic>
+        <p:nvPicPr>
+          <p:cNvPr id="4" name="Content Placeholder 3" descr="ClassDiagram.png"/>
+          <p:cNvPicPr>
+            <a:picLocks noGrp="1" noChangeAspect="1"/>
+          </p:cNvPicPr>
+          <p:nvPr>
+            <p:ph idx="1"/>
+          </p:nvPr>
+        </p:nvPicPr>
+        <p:blipFill>
+          <a:blip r:embed="rId2" cstate="print"/>
+          <a:stretch>
+            <a:fillRect/>
+          </a:stretch>
+        </p:blipFill>
+        <p:spPr>
+          <a:xfrm>
+            <a:off x="1066800" y="762000"/>
+            <a:ext cx="7620000" cy="5283941"/>
+          </a:xfrm>
+        </p:spPr>
+      </p:pic>
       <p:sp>
         <p:nvSpPr>
           <p:cNvPr id="2" name="Title 1"/>
@@ -4554,25 +5324,6 @@
               <a:t>Class Diagram</a:t>
             </a:r>
             <a:endParaRPr lang="en-US" dirty="0"/>
-          </a:p>
-        </p:txBody>
-      </p:sp>
-      <p:sp>
-        <p:nvSpPr>
-          <p:cNvPr id="3" name="Content Placeholder 2"/>
-          <p:cNvSpPr>
-            <a:spLocks noGrp="1"/>
-          </p:cNvSpPr>
-          <p:nvPr>
-            <p:ph idx="1"/>
-          </p:nvPr>
-        </p:nvSpPr>
-        <p:spPr/>
-        <p:txBody>
-          <a:bodyPr/>
-          <a:lstStyle/>
-          <a:p>
-            <a:endParaRPr lang="en-US"/>
           </a:p>
         </p:txBody>
       </p:sp>
@@ -4608,6 +5359,29 @@
           <a:chExt cx="0" cy="0"/>
         </a:xfrm>
       </p:grpSpPr>
+      <p:pic>
+        <p:nvPicPr>
+          <p:cNvPr id="4" name="Content Placeholder 3" descr="StateDiagram.png"/>
+          <p:cNvPicPr>
+            <a:picLocks noGrp="1" noChangeAspect="1"/>
+          </p:cNvPicPr>
+          <p:nvPr>
+            <p:ph idx="1"/>
+          </p:nvPr>
+        </p:nvPicPr>
+        <p:blipFill>
+          <a:blip r:embed="rId2" cstate="print"/>
+          <a:stretch>
+            <a:fillRect/>
+          </a:stretch>
+        </p:blipFill>
+        <p:spPr>
+          <a:xfrm>
+            <a:off x="457200" y="1371600"/>
+            <a:ext cx="8208911" cy="4352026"/>
+          </a:xfrm>
+        </p:spPr>
+      </p:pic>
       <p:sp>
         <p:nvSpPr>
           <p:cNvPr id="2" name="Title 1"/>
@@ -4628,25 +5402,6 @@
               <a:t>State Diagram</a:t>
             </a:r>
             <a:endParaRPr lang="en-US" dirty="0"/>
-          </a:p>
-        </p:txBody>
-      </p:sp>
-      <p:sp>
-        <p:nvSpPr>
-          <p:cNvPr id="3" name="Content Placeholder 2"/>
-          <p:cNvSpPr>
-            <a:spLocks noGrp="1"/>
-          </p:cNvSpPr>
-          <p:nvPr>
-            <p:ph idx="1"/>
-          </p:nvPr>
-        </p:nvSpPr>
-        <p:spPr/>
-        <p:txBody>
-          <a:bodyPr/>
-          <a:lstStyle/>
-          <a:p>
-            <a:endParaRPr lang="en-US"/>
           </a:p>
         </p:txBody>
       </p:sp>
@@ -4682,29 +5437,6 @@
           <a:chExt cx="0" cy="0"/>
         </a:xfrm>
       </p:grpSpPr>
-      <p:sp>
-        <p:nvSpPr>
-          <p:cNvPr id="2" name="Title 1"/>
-          <p:cNvSpPr>
-            <a:spLocks noGrp="1"/>
-          </p:cNvSpPr>
-          <p:nvPr>
-            <p:ph type="title"/>
-          </p:nvPr>
-        </p:nvSpPr>
-        <p:spPr/>
-        <p:txBody>
-          <a:bodyPr/>
-          <a:lstStyle/>
-          <a:p>
-            <a:r>
-              <a:rPr lang="en-US" dirty="0" smtClean="0"/>
-              <a:t>Sequence Diagram</a:t>
-            </a:r>
-            <a:endParaRPr lang="en-US" dirty="0"/>
-          </a:p>
-        </p:txBody>
-      </p:sp>
       <p:pic>
         <p:nvPicPr>
           <p:cNvPr id="4" name="Content Placeholder 3" descr="sequence.JPG"/>
@@ -4723,8 +5455,8 @@
         </p:blipFill>
         <p:spPr>
           <a:xfrm>
-            <a:off x="1066800" y="2075604"/>
-            <a:ext cx="7162800" cy="4197870"/>
+            <a:off x="1295401" y="1523999"/>
+            <a:ext cx="7064774" cy="4140421"/>
           </a:xfrm>
           <a:prstGeom prst="rect">
             <a:avLst/>
@@ -4745,6 +5477,29 @@
           </a:effectLst>
         </p:spPr>
       </p:pic>
+      <p:sp>
+        <p:nvSpPr>
+          <p:cNvPr id="2" name="Title 1"/>
+          <p:cNvSpPr>
+            <a:spLocks noGrp="1"/>
+          </p:cNvSpPr>
+          <p:nvPr>
+            <p:ph type="title"/>
+          </p:nvPr>
+        </p:nvSpPr>
+        <p:spPr/>
+        <p:txBody>
+          <a:bodyPr/>
+          <a:lstStyle/>
+          <a:p>
+            <a:r>
+              <a:rPr lang="en-US" dirty="0" smtClean="0"/>
+              <a:t>Sequence Diagram</a:t>
+            </a:r>
+            <a:endParaRPr lang="en-US" dirty="0"/>
+          </a:p>
+        </p:txBody>
+      </p:sp>
     </p:spTree>
   </p:cSld>
   <p:clrMapOvr>
@@ -4761,9 +5516,9 @@
 </file>
 
 <file path=ppt/theme/theme1.xml><?xml version="1.0" encoding="utf-8"?>
-<a:theme xmlns:a="http://schemas.openxmlformats.org/drawingml/2006/main" name="Flow">
+<a:theme xmlns:a="http://schemas.openxmlformats.org/drawingml/2006/main" name="Concourse">
   <a:themeElements>
-    <a:clrScheme name="Urban">
+    <a:clrScheme name="Opulent">
       <a:dk1>
         <a:sysClr val="windowText" lastClr="000000"/>
       </a:dk1>
@@ -4771,46 +5526,46 @@
         <a:sysClr val="window" lastClr="FFFFFF"/>
       </a:lt1>
       <a:dk2>
-        <a:srgbClr val="424456"/>
+        <a:srgbClr val="B13F9A"/>
       </a:dk2>
       <a:lt2>
-        <a:srgbClr val="DEDEDE"/>
+        <a:srgbClr val="F4E7ED"/>
       </a:lt2>
       <a:accent1>
-        <a:srgbClr val="53548A"/>
+        <a:srgbClr val="B83D68"/>
       </a:accent1>
       <a:accent2>
-        <a:srgbClr val="438086"/>
+        <a:srgbClr val="AC66BB"/>
       </a:accent2>
       <a:accent3>
-        <a:srgbClr val="A04DA3"/>
+        <a:srgbClr val="DE6C36"/>
       </a:accent3>
       <a:accent4>
-        <a:srgbClr val="C4652D"/>
+        <a:srgbClr val="F9B639"/>
       </a:accent4>
       <a:accent5>
-        <a:srgbClr val="8B5D3D"/>
+        <a:srgbClr val="CF6DA4"/>
       </a:accent5>
       <a:accent6>
-        <a:srgbClr val="5C92B5"/>
+        <a:srgbClr val="FA8D3D"/>
       </a:accent6>
       <a:hlink>
-        <a:srgbClr val="67AFBD"/>
+        <a:srgbClr val="FFDE66"/>
       </a:hlink>
       <a:folHlink>
-        <a:srgbClr val="C2A874"/>
+        <a:srgbClr val="D490C5"/>
       </a:folHlink>
     </a:clrScheme>
-    <a:fontScheme name="Flow">
+    <a:fontScheme name="Concourse">
       <a:majorFont>
-        <a:latin typeface="Calibri"/>
+        <a:latin typeface="Lucida Sans Unicode"/>
         <a:ea typeface=""/>
         <a:cs typeface=""/>
         <a:font script="Jpan" typeface="ＭＳ Ｐゴシック"/>
-        <a:font script="Hang" typeface="HY중고딕"/>
-        <a:font script="Hans" typeface="隶书"/>
+        <a:font script="Hang" typeface="맑은 고딕"/>
+        <a:font script="Hans" typeface="黑体"/>
         <a:font script="Hant" typeface="微軟正黑體"/>
-        <a:font script="Arab" typeface="Traditional Arabic"/>
+        <a:font script="Arab" typeface="Arial"/>
         <a:font script="Hebr" typeface="Arial"/>
         <a:font script="Thai" typeface="Cordia New"/>
         <a:font script="Ethi" typeface="Nyala"/>
@@ -4833,24 +5588,23 @@
         <a:font script="Laoo" typeface="DokChampa"/>
         <a:font script="Sinh" typeface="Iskoola Pota"/>
         <a:font script="Mong" typeface="Mongolian Baiti"/>
-        <a:font script="Viet" typeface="Arial"/>
         <a:font script="Uigh" typeface="Microsoft Uighur"/>
       </a:majorFont>
       <a:minorFont>
-        <a:latin typeface="Constantia"/>
+        <a:latin typeface="Lucida Sans Unicode"/>
         <a:ea typeface=""/>
         <a:cs typeface=""/>
-        <a:font script="Jpan" typeface="HGP明朝E"/>
-        <a:font script="Hang" typeface="HY신명조"/>
-        <a:font script="Hans" typeface="宋体"/>
-        <a:font script="Hant" typeface="新細明體"/>
-        <a:font script="Arab" typeface="Majalla UI"/>
-        <a:font script="Hebr" typeface="David"/>
-        <a:font script="Thai" typeface="Browallia New"/>
+        <a:font script="Jpan" typeface="ＭＳ Ｐゴシック"/>
+        <a:font script="Hang" typeface="맑은 고딕"/>
+        <a:font script="Hans" typeface="黑体"/>
+        <a:font script="Hant" typeface="微軟正黑體"/>
+        <a:font script="Arab" typeface="Arial"/>
+        <a:font script="Hebr" typeface="Arial"/>
+        <a:font script="Thai" typeface="Cordia New"/>
         <a:font script="Ethi" typeface="Nyala"/>
         <a:font script="Beng" typeface="Vrinda"/>
         <a:font script="Gujr" typeface="Shruti"/>
-        <a:font script="Khmr" typeface="MoolBoran"/>
+        <a:font script="Khmr" typeface="DaunPenh"/>
         <a:font script="Knda" typeface="Tunga"/>
         <a:font script="Guru" typeface="Raavi"/>
         <a:font script="Cans" typeface="Euphemia"/>
@@ -4867,11 +5621,10 @@
         <a:font script="Laoo" typeface="DokChampa"/>
         <a:font script="Sinh" typeface="Iskoola Pota"/>
         <a:font script="Mong" typeface="Mongolian Baiti"/>
-        <a:font script="Viet" typeface="Times New Roman"/>
         <a:font script="Uigh" typeface="Microsoft Uighur"/>
       </a:minorFont>
     </a:fontScheme>
-    <a:fmtScheme name="Flow">
+    <a:fmtScheme name="Concourse">
       <a:fillStyleLst>
         <a:solidFill>
           <a:schemeClr val="phClr"/>
@@ -4880,77 +5633,71 @@
           <a:gsLst>
             <a:gs pos="0">
               <a:schemeClr val="phClr">
-                <a:tint val="70000"/>
-                <a:satMod val="130000"/>
+                <a:tint val="62000"/>
+                <a:satMod val="180000"/>
               </a:schemeClr>
             </a:gs>
-            <a:gs pos="43000">
+            <a:gs pos="65000">
               <a:schemeClr val="phClr">
-                <a:tint val="44000"/>
-                <a:satMod val="165000"/>
-              </a:schemeClr>
-            </a:gs>
-            <a:gs pos="93000">
-              <a:schemeClr val="phClr">
-                <a:tint val="15000"/>
-                <a:satMod val="165000"/>
+                <a:tint val="32000"/>
+                <a:satMod val="250000"/>
               </a:schemeClr>
             </a:gs>
             <a:gs pos="100000">
               <a:schemeClr val="phClr">
-                <a:tint val="5000"/>
-                <a:satMod val="250000"/>
+                <a:tint val="23000"/>
+                <a:satMod val="300000"/>
               </a:schemeClr>
             </a:gs>
           </a:gsLst>
-          <a:path path="circle">
-            <a:fillToRect l="50000" t="130000" r="50000" b="-30000"/>
-          </a:path>
+          <a:lin ang="16200000" scaled="0"/>
         </a:gradFill>
         <a:gradFill rotWithShape="1">
           <a:gsLst>
             <a:gs pos="0">
               <a:schemeClr val="phClr">
-                <a:tint val="98000"/>
-                <a:shade val="25000"/>
-                <a:satMod val="250000"/>
+                <a:shade val="15000"/>
+                <a:satMod val="180000"/>
               </a:schemeClr>
             </a:gs>
-            <a:gs pos="68000">
+            <a:gs pos="50000">
               <a:schemeClr val="phClr">
-                <a:tint val="86000"/>
-                <a:satMod val="115000"/>
+                <a:shade val="45000"/>
+                <a:satMod val="170000"/>
+              </a:schemeClr>
+            </a:gs>
+            <a:gs pos="70000">
+              <a:schemeClr val="phClr">
+                <a:tint val="99000"/>
+                <a:shade val="65000"/>
+                <a:satMod val="155000"/>
               </a:schemeClr>
             </a:gs>
             <a:gs pos="100000">
               <a:schemeClr val="phClr">
-                <a:tint val="50000"/>
-                <a:satMod val="150000"/>
+                <a:tint val="95500"/>
+                <a:shade val="100000"/>
+                <a:satMod val="155000"/>
               </a:schemeClr>
             </a:gs>
           </a:gsLst>
-          <a:path path="circle">
-            <a:fillToRect l="50000" t="130000" r="50000" b="-30000"/>
-          </a:path>
+          <a:lin ang="16200000" scaled="0"/>
         </a:gradFill>
       </a:fillStyleLst>
       <a:lnStyleLst>
         <a:ln w="9525" cap="flat" cmpd="sng" algn="ctr">
           <a:solidFill>
-            <a:schemeClr val="phClr">
-              <a:shade val="50000"/>
-              <a:satMod val="103000"/>
-            </a:schemeClr>
+            <a:schemeClr val="phClr"/>
           </a:solidFill>
           <a:prstDash val="solid"/>
         </a:ln>
-        <a:ln w="25400" cap="flat" cmpd="sng" algn="ctr">
+        <a:ln w="55000" cap="flat" cmpd="thickThin" algn="ctr">
           <a:solidFill>
             <a:schemeClr val="phClr"/>
           </a:solidFill>
           <a:prstDash val="solid"/>
         </a:ln>
-        <a:ln w="38100" cap="flat" cmpd="sng" algn="ctr">
+        <a:ln w="63500" cap="flat" cmpd="thickThin" algn="ctr">
           <a:solidFill>
             <a:schemeClr val="phClr"/>
           </a:solidFill>
@@ -4960,46 +5707,45 @@
       <a:effectStyleLst>
         <a:effectStyle>
           <a:effectLst>
-            <a:outerShdw blurRad="57150" dist="38100" dir="5400000" algn="ctr" rotWithShape="0">
-              <a:schemeClr val="phClr">
-                <a:shade val="9000"/>
-                <a:satMod val="105000"/>
-                <a:alpha val="48000"/>
-              </a:schemeClr>
+            <a:outerShdw blurRad="50800" dist="38100" dir="5400000" rotWithShape="0">
+              <a:srgbClr val="000000">
+                <a:alpha val="35000"/>
+              </a:srgbClr>
             </a:outerShdw>
           </a:effectLst>
         </a:effectStyle>
         <a:effectStyle>
           <a:effectLst>
-            <a:outerShdw blurRad="57150" dist="38100" dir="5400000" algn="ctr" rotWithShape="0">
-              <a:schemeClr val="phClr">
-                <a:shade val="9000"/>
-                <a:satMod val="105000"/>
-                <a:alpha val="48000"/>
-              </a:schemeClr>
+            <a:outerShdw blurRad="50800" dist="38100" dir="5400000" rotWithShape="0">
+              <a:srgbClr val="000000">
+                <a:alpha val="35000"/>
+              </a:srgbClr>
             </a:outerShdw>
           </a:effectLst>
         </a:effectStyle>
         <a:effectStyle>
           <a:effectLst>
-            <a:outerShdw blurRad="57150" dist="38100" dir="5400000" algn="ctr" rotWithShape="0">
-              <a:schemeClr val="phClr">
-                <a:shade val="9000"/>
-                <a:satMod val="105000"/>
-                <a:alpha val="48000"/>
-              </a:schemeClr>
+            <a:outerShdw blurRad="63500" dist="38100" dir="5400000" rotWithShape="0">
+              <a:srgbClr val="000000">
+                <a:alpha val="45000"/>
+              </a:srgbClr>
             </a:outerShdw>
           </a:effectLst>
           <a:scene3d>
             <a:camera prst="orthographicFront" fov="0">
               <a:rot lat="0" lon="0" rev="0"/>
             </a:camera>
-            <a:lightRig rig="glow" dir="tl">
-              <a:rot lat="0" lon="0" rev="900000"/>
+            <a:lightRig rig="glow" dir="t">
+              <a:rot lat="0" lon="0" rev="6360000"/>
             </a:lightRig>
           </a:scene3d>
-          <a:sp3d prstMaterial="powder">
-            <a:bevelT w="25400" h="38100"/>
+          <a:sp3d contourW="1000" prstMaterial="flat">
+            <a:bevelT w="95250" h="101600"/>
+            <a:contourClr>
+              <a:schemeClr val="phClr">
+                <a:satMod val="300000"/>
+              </a:schemeClr>
+            </a:contourClr>
           </a:sp3d>
         </a:effectStyle>
       </a:effectStyleLst>
@@ -5011,41 +5757,40 @@
           <a:gsLst>
             <a:gs pos="0">
               <a:schemeClr val="phClr">
-                <a:tint val="80000"/>
-                <a:satMod val="400000"/>
+                <a:tint val="55000"/>
+                <a:satMod val="300000"/>
               </a:schemeClr>
             </a:gs>
-            <a:gs pos="25000">
+            <a:gs pos="40000">
               <a:schemeClr val="phClr">
-                <a:tint val="83000"/>
-                <a:satMod val="320000"/>
+                <a:tint val="65000"/>
+                <a:satMod val="300000"/>
               </a:schemeClr>
             </a:gs>
             <a:gs pos="100000">
               <a:schemeClr val="phClr">
-                <a:shade val="15000"/>
-                <a:satMod val="320000"/>
+                <a:shade val="65000"/>
+                <a:satMod val="300000"/>
               </a:schemeClr>
             </a:gs>
           </a:gsLst>
           <a:path path="circle">
-            <a:fillToRect l="10000" t="110000" r="10000" b="100000"/>
+            <a:fillToRect l="65000" b="98000"/>
           </a:path>
         </a:gradFill>
         <a:blipFill>
           <a:blip xmlns:r="http://schemas.openxmlformats.org/officeDocument/2006/relationships" r:embed="rId1">
             <a:duotone>
               <a:schemeClr val="phClr">
-                <a:shade val="90000"/>
-                <a:satMod val="150000"/>
+                <a:shade val="60000"/>
+                <a:satMod val="110000"/>
               </a:schemeClr>
               <a:schemeClr val="phClr">
-                <a:tint val="88000"/>
-                <a:satMod val="150000"/>
+                <a:tint val="95000"/>
               </a:schemeClr>
             </a:duotone>
           </a:blip>
-          <a:tile tx="0" ty="0" sx="65000" sy="65000" flip="none" algn="tl"/>
+          <a:tile tx="0" ty="0" sx="50000" sy="50000" flip="none" algn="tl"/>
         </a:blipFill>
       </a:bgFillStyleLst>
     </a:fmtScheme>
